--- a/docs/TLR_ver4.5_new_PNAS.pptx
+++ b/docs/TLR_ver4.5_new_PNAS.pptx
@@ -5,20 +5,21 @@
     <p:sldMasterId id="2147483648" r:id="rId1"/>
   </p:sldMasterIdLst>
   <p:notesMasterIdLst>
-    <p:notesMasterId r:id="rId13"/>
+    <p:notesMasterId r:id="rId14"/>
   </p:notesMasterIdLst>
   <p:sldIdLst>
     <p:sldId id="256" r:id="rId2"/>
     <p:sldId id="257" r:id="rId3"/>
     <p:sldId id="266" r:id="rId4"/>
-    <p:sldId id="258" r:id="rId5"/>
-    <p:sldId id="264" r:id="rId6"/>
-    <p:sldId id="261" r:id="rId7"/>
-    <p:sldId id="262" r:id="rId8"/>
-    <p:sldId id="260" r:id="rId9"/>
-    <p:sldId id="267" r:id="rId10"/>
-    <p:sldId id="263" r:id="rId11"/>
-    <p:sldId id="265" r:id="rId12"/>
+    <p:sldId id="268" r:id="rId5"/>
+    <p:sldId id="258" r:id="rId6"/>
+    <p:sldId id="264" r:id="rId7"/>
+    <p:sldId id="261" r:id="rId8"/>
+    <p:sldId id="262" r:id="rId9"/>
+    <p:sldId id="260" r:id="rId10"/>
+    <p:sldId id="267" r:id="rId11"/>
+    <p:sldId id="263" r:id="rId12"/>
+    <p:sldId id="265" r:id="rId13"/>
   </p:sldIdLst>
   <p:sldSz cx="6400800" cy="8640763"/>
   <p:notesSz cx="6858000" cy="9144000"/>
@@ -970,11 +971,11 @@
           <c:showPercent val="0"/>
           <c:showBubbleSize val="0"/>
         </c:dLbls>
-        <c:axId val="1887883640"/>
-        <c:axId val="1887886904"/>
+        <c:axId val="-1986977624"/>
+        <c:axId val="-1986980920"/>
       </c:scatterChart>
       <c:valAx>
-        <c:axId val="1887883640"/>
+        <c:axId val="-1986977624"/>
         <c:scaling>
           <c:orientation val="minMax"/>
           <c:max val="1.0"/>
@@ -992,13 +993,13 @@
             </a:solidFill>
           </a:ln>
         </c:spPr>
-        <c:crossAx val="1887886904"/>
+        <c:crossAx val="-1986980920"/>
         <c:crosses val="autoZero"/>
         <c:crossBetween val="midCat"/>
         <c:majorUnit val="0.2"/>
       </c:valAx>
       <c:valAx>
-        <c:axId val="1887886904"/>
+        <c:axId val="-1986980920"/>
         <c:scaling>
           <c:orientation val="minMax"/>
         </c:scaling>
@@ -1022,7 +1023,7 @@
             </a:solidFill>
           </a:ln>
         </c:spPr>
-        <c:crossAx val="1887883640"/>
+        <c:crossAx val="-1986977624"/>
         <c:crosses val="autoZero"/>
         <c:crossBetween val="midCat"/>
         <c:majorUnit val="0.2"/>
@@ -1151,7 +1152,7 @@
           <a:p>
             <a:fld id="{BECA4E7E-F650-714E-BA06-849E12597C72}" type="datetimeFigureOut">
               <a:rPr lang="en-US" smtClean="0"/>
-              <a:t>3/5/14</a:t>
+              <a:t>5/7/14</a:t>
             </a:fld>
             <a:endParaRPr lang="en-US"/>
           </a:p>
@@ -2043,7 +2044,7 @@
           <a:p>
             <a:fld id="{B969C10D-C0D9-4447-8867-3C8CD6E79196}" type="slidenum">
               <a:rPr lang="en-US" smtClean="0"/>
-              <a:t>4</a:t>
+              <a:t>5</a:t>
             </a:fld>
             <a:endParaRPr lang="en-US"/>
           </a:p>
@@ -2132,7 +2133,7 @@
           <a:p>
             <a:fld id="{B969C10D-C0D9-4447-8867-3C8CD6E79196}" type="slidenum">
               <a:rPr lang="en-US" smtClean="0"/>
-              <a:t>8</a:t>
+              <a:t>9</a:t>
             </a:fld>
             <a:endParaRPr lang="en-US"/>
           </a:p>
@@ -2333,7 +2334,7 @@
             <a:fld id="{0DA042B0-5508-8A40-9A09-F8377543C8AB}" type="datetimeFigureOut">
               <a:rPr lang="en-US" smtClean="0"/>
               <a:pPr/>
-              <a:t>3/5/14</a:t>
+              <a:t>5/7/14</a:t>
             </a:fld>
             <a:endParaRPr lang="en-US" dirty="0"/>
           </a:p>
@@ -2505,7 +2506,7 @@
             <a:fld id="{0DA042B0-5508-8A40-9A09-F8377543C8AB}" type="datetimeFigureOut">
               <a:rPr lang="en-US" smtClean="0"/>
               <a:pPr/>
-              <a:t>3/5/14</a:t>
+              <a:t>5/7/14</a:t>
             </a:fld>
             <a:endParaRPr lang="en-US" dirty="0"/>
           </a:p>
@@ -2687,7 +2688,7 @@
             <a:fld id="{0DA042B0-5508-8A40-9A09-F8377543C8AB}" type="datetimeFigureOut">
               <a:rPr lang="en-US" smtClean="0"/>
               <a:pPr/>
-              <a:t>3/5/14</a:t>
+              <a:t>5/7/14</a:t>
             </a:fld>
             <a:endParaRPr lang="en-US" dirty="0"/>
           </a:p>
@@ -2859,7 +2860,7 @@
             <a:fld id="{0DA042B0-5508-8A40-9A09-F8377543C8AB}" type="datetimeFigureOut">
               <a:rPr lang="en-US" smtClean="0"/>
               <a:pPr/>
-              <a:t>3/5/14</a:t>
+              <a:t>5/7/14</a:t>
             </a:fld>
             <a:endParaRPr lang="en-US" dirty="0"/>
           </a:p>
@@ -3107,7 +3108,7 @@
             <a:fld id="{0DA042B0-5508-8A40-9A09-F8377543C8AB}" type="datetimeFigureOut">
               <a:rPr lang="en-US" smtClean="0"/>
               <a:pPr/>
-              <a:t>3/5/14</a:t>
+              <a:t>5/7/14</a:t>
             </a:fld>
             <a:endParaRPr lang="en-US" dirty="0"/>
           </a:p>
@@ -3397,7 +3398,7 @@
             <a:fld id="{0DA042B0-5508-8A40-9A09-F8377543C8AB}" type="datetimeFigureOut">
               <a:rPr lang="en-US" smtClean="0"/>
               <a:pPr/>
-              <a:t>3/5/14</a:t>
+              <a:t>5/7/14</a:t>
             </a:fld>
             <a:endParaRPr lang="en-US" dirty="0"/>
           </a:p>
@@ -3821,7 +3822,7 @@
             <a:fld id="{0DA042B0-5508-8A40-9A09-F8377543C8AB}" type="datetimeFigureOut">
               <a:rPr lang="en-US" smtClean="0"/>
               <a:pPr/>
-              <a:t>3/5/14</a:t>
+              <a:t>5/7/14</a:t>
             </a:fld>
             <a:endParaRPr lang="en-US" dirty="0"/>
           </a:p>
@@ -3941,7 +3942,7 @@
             <a:fld id="{0DA042B0-5508-8A40-9A09-F8377543C8AB}" type="datetimeFigureOut">
               <a:rPr lang="en-US" smtClean="0"/>
               <a:pPr/>
-              <a:t>3/5/14</a:t>
+              <a:t>5/7/14</a:t>
             </a:fld>
             <a:endParaRPr lang="en-US" dirty="0"/>
           </a:p>
@@ -4038,7 +4039,7 @@
             <a:fld id="{0DA042B0-5508-8A40-9A09-F8377543C8AB}" type="datetimeFigureOut">
               <a:rPr lang="en-US" smtClean="0"/>
               <a:pPr/>
-              <a:t>3/5/14</a:t>
+              <a:t>5/7/14</a:t>
             </a:fld>
             <a:endParaRPr lang="en-US" dirty="0"/>
           </a:p>
@@ -4317,7 +4318,7 @@
             <a:fld id="{0DA042B0-5508-8A40-9A09-F8377543C8AB}" type="datetimeFigureOut">
               <a:rPr lang="en-US" smtClean="0"/>
               <a:pPr/>
-              <a:t>3/5/14</a:t>
+              <a:t>5/7/14</a:t>
             </a:fld>
             <a:endParaRPr lang="en-US" dirty="0"/>
           </a:p>
@@ -4576,7 +4577,7 @@
             <a:fld id="{0DA042B0-5508-8A40-9A09-F8377543C8AB}" type="datetimeFigureOut">
               <a:rPr lang="en-US" smtClean="0"/>
               <a:pPr/>
-              <a:t>3/5/14</a:t>
+              <a:t>5/7/14</a:t>
             </a:fld>
             <a:endParaRPr lang="en-US" dirty="0"/>
           </a:p>
@@ -4791,7 +4792,7 @@
             <a:fld id="{0DA042B0-5508-8A40-9A09-F8377543C8AB}" type="datetimeFigureOut">
               <a:rPr lang="en-US" smtClean="0"/>
               <a:pPr/>
-              <a:t>3/5/14</a:t>
+              <a:t>5/7/14</a:t>
             </a:fld>
             <a:endParaRPr lang="en-US" dirty="0"/>
           </a:p>
@@ -12190,97 +12191,90 @@
       </p:grpSpPr>
       <p:pic>
         <p:nvPicPr>
-          <p:cNvPr id="2" name="Picture 1" descr="halfPeakSens.eps"/>
+          <p:cNvPr id="2" name="Picture 1" descr="KA092811.tif"/>
           <p:cNvPicPr>
             <a:picLocks noChangeAspect="1"/>
           </p:cNvPicPr>
           <p:nvPr/>
         </p:nvPicPr>
-        <p:blipFill>
-          <a:blip r:embed="rId2">
+        <p:blipFill rotWithShape="1">
+          <a:blip r:embed="rId2" cstate="print">
             <a:extLst>
               <a:ext uri="{28A0092B-C50C-407E-A947-70E740481C1C}">
                 <a14:useLocalDpi xmlns:a14="http://schemas.microsoft.com/office/drawing/2010/main"/>
               </a:ext>
             </a:extLst>
           </a:blip>
-          <a:stretch>
-            <a:fillRect/>
-          </a:stretch>
+          <a:srcRect l="4002" t="-1" r="5053" b="9815"/>
+          <a:stretch/>
         </p:blipFill>
         <p:spPr>
           <a:xfrm>
-            <a:off x="0" y="461579"/>
-            <a:ext cx="6187440" cy="4830225"/>
-          </a:xfrm>
-          <a:prstGeom prst="rect">
-            <a:avLst/>
-          </a:prstGeom>
-        </p:spPr>
-      </p:pic>
-      <p:sp>
-        <p:nvSpPr>
-          <p:cNvPr id="3" name="Rectangle 2"/>
-          <p:cNvSpPr/>
-          <p:nvPr/>
-        </p:nvSpPr>
-        <p:spPr>
-          <a:xfrm>
-            <a:off x="1102360" y="4383157"/>
-            <a:ext cx="2375555" cy="329062"/>
+            <a:off x="2129459" y="2197765"/>
+            <a:ext cx="2232377" cy="316502"/>
           </a:xfrm>
           <a:prstGeom prst="rect">
             <a:avLst/>
           </a:prstGeom>
           <a:ln>
-            <a:solidFill>
-              <a:srgbClr val="000000"/>
-            </a:solidFill>
-            <a:prstDash val="sysDash"/>
-          </a:ln>
-        </p:spPr>
-        <p:txBody>
-          <a:bodyPr wrap="none" lIns="82040" tIns="41020" rIns="82040" bIns="41020">
-            <a:spAutoFit/>
-          </a:bodyPr>
-          <a:lstStyle/>
-          <a:p>
-            <a:r>
-              <a:rPr lang="en-US" dirty="0" smtClean="0"/>
-              <a:t>k</a:t>
-            </a:r>
-            <a:r>
-              <a:rPr lang="en-US" baseline="-25000" dirty="0" smtClean="0"/>
-              <a:t>gTLR4</a:t>
-            </a:r>
-            <a:r>
-              <a:rPr lang="en-US" dirty="0" smtClean="0"/>
-              <a:t>:TLR4 generation rate</a:t>
-            </a:r>
-            <a:endParaRPr lang="en-US" baseline="-25000" dirty="0"/>
-          </a:p>
-        </p:txBody>
-      </p:sp>
-      <p:cxnSp>
-        <p:nvCxnSpPr>
-          <p:cNvPr id="4" name="Straight Arrow Connector 3"/>
-          <p:cNvCxnSpPr/>
-          <p:nvPr/>
-        </p:nvCxnSpPr>
-        <p:spPr>
-          <a:xfrm>
-            <a:off x="892522" y="4485726"/>
-            <a:ext cx="209839" cy="67136"/>
-          </a:xfrm>
-          <a:prstGeom prst="straightConnector1">
-            <a:avLst/>
-          </a:prstGeom>
-          <a:ln w="38100" cmpd="sng">
             <a:solidFill>
               <a:schemeClr val="tx1"/>
             </a:solidFill>
-            <a:headEnd type="none"/>
-            <a:tailEnd type="triangle"/>
+          </a:ln>
+        </p:spPr>
+      </p:pic>
+      <p:pic>
+        <p:nvPicPr>
+          <p:cNvPr id="3" name="Picture 2" descr="KA092811.tif"/>
+          <p:cNvPicPr>
+            <a:picLocks noChangeAspect="1"/>
+          </p:cNvPicPr>
+          <p:nvPr/>
+        </p:nvPicPr>
+        <p:blipFill rotWithShape="1">
+          <a:blip r:embed="rId3" cstate="print">
+            <a:extLst>
+              <a:ext uri="{28A0092B-C50C-407E-A947-70E740481C1C}">
+                <a14:useLocalDpi xmlns:a14="http://schemas.microsoft.com/office/drawing/2010/main"/>
+              </a:ext>
+            </a:extLst>
+          </a:blip>
+          <a:srcRect l="2988" t="-1" r="4750" b="3245"/>
+          <a:stretch/>
+        </p:blipFill>
+        <p:spPr>
+          <a:xfrm>
+            <a:off x="2129458" y="3205357"/>
+            <a:ext cx="2755900" cy="333608"/>
+          </a:xfrm>
+          <a:prstGeom prst="rect">
+            <a:avLst/>
+          </a:prstGeom>
+          <a:ln>
+            <a:solidFill>
+              <a:schemeClr val="tx1"/>
+            </a:solidFill>
+          </a:ln>
+        </p:spPr>
+      </p:pic>
+      <p:cxnSp>
+        <p:nvCxnSpPr>
+          <p:cNvPr id="4" name="Straight Connector 3"/>
+          <p:cNvCxnSpPr/>
+          <p:nvPr/>
+        </p:nvCxnSpPr>
+        <p:spPr>
+          <a:xfrm>
+            <a:off x="2473974" y="2001055"/>
+            <a:ext cx="402433" cy="1385"/>
+          </a:xfrm>
+          <a:prstGeom prst="line">
+            <a:avLst/>
+          </a:prstGeom>
+          <a:ln>
+            <a:solidFill>
+              <a:schemeClr val="tx1"/>
+            </a:solidFill>
           </a:ln>
           <a:effectLst/>
         </p:spPr>
@@ -12299,85 +12293,24 @@
           </a:fontRef>
         </p:style>
       </p:cxnSp>
-      <p:sp>
-        <p:nvSpPr>
-          <p:cNvPr id="5" name="Rectangle 4"/>
-          <p:cNvSpPr/>
-          <p:nvPr/>
-        </p:nvSpPr>
-        <p:spPr>
-          <a:xfrm>
-            <a:off x="2667000" y="882135"/>
-            <a:ext cx="2752928" cy="329062"/>
-          </a:xfrm>
-          <a:prstGeom prst="rect">
+      <p:cxnSp>
+        <p:nvCxnSpPr>
+          <p:cNvPr id="5" name="Straight Connector 4"/>
+          <p:cNvCxnSpPr/>
+          <p:nvPr/>
+        </p:nvCxnSpPr>
+        <p:spPr>
+          <a:xfrm>
+            <a:off x="2950350" y="2001055"/>
+            <a:ext cx="402433" cy="1385"/>
+          </a:xfrm>
+          <a:prstGeom prst="line">
             <a:avLst/>
           </a:prstGeom>
           <a:ln>
             <a:solidFill>
-              <a:srgbClr val="FF0000"/>
+              <a:schemeClr val="tx1"/>
             </a:solidFill>
-            <a:prstDash val="sysDash"/>
-          </a:ln>
-        </p:spPr>
-        <p:txBody>
-          <a:bodyPr wrap="none" lIns="82040" tIns="41020" rIns="82040" bIns="41020">
-            <a:spAutoFit/>
-          </a:bodyPr>
-          <a:lstStyle/>
-          <a:p>
-            <a:r>
-              <a:rPr lang="en-US" dirty="0" smtClean="0">
-                <a:solidFill>
-                  <a:srgbClr val="FF0000"/>
-                </a:solidFill>
-              </a:rPr>
-              <a:t>k</a:t>
-            </a:r>
-            <a:r>
-              <a:rPr lang="en-US" baseline="-25000" dirty="0" smtClean="0">
-                <a:solidFill>
-                  <a:srgbClr val="FF0000"/>
-                </a:solidFill>
-              </a:rPr>
-              <a:t>mMyD88</a:t>
-            </a:r>
-            <a:r>
-              <a:rPr lang="en-US" dirty="0" smtClean="0">
-                <a:solidFill>
-                  <a:srgbClr val="FF0000"/>
-                </a:solidFill>
-              </a:rPr>
-              <a:t>:MyD88 activation EC50</a:t>
-            </a:r>
-            <a:endParaRPr lang="en-US" baseline="-25000" dirty="0">
-              <a:solidFill>
-                <a:srgbClr val="FF0000"/>
-              </a:solidFill>
-            </a:endParaRPr>
-          </a:p>
-        </p:txBody>
-      </p:sp>
-      <p:cxnSp>
-        <p:nvCxnSpPr>
-          <p:cNvPr id="6" name="Straight Arrow Connector 5"/>
-          <p:cNvCxnSpPr/>
-          <p:nvPr/>
-        </p:nvCxnSpPr>
-        <p:spPr>
-          <a:xfrm flipH="1" flipV="1">
-            <a:off x="5666633" y="1059786"/>
-            <a:ext cx="271887" cy="66467"/>
-          </a:xfrm>
-          <a:prstGeom prst="straightConnector1">
-            <a:avLst/>
-          </a:prstGeom>
-          <a:ln w="38100" cmpd="sng">
-            <a:solidFill>
-              <a:srgbClr val="FF0000"/>
-            </a:solidFill>
-            <a:headEnd type="none"/>
-            <a:tailEnd type="triangle"/>
           </a:ln>
           <a:effectLst/>
         </p:spPr>
@@ -12396,73 +12329,24 @@
           </a:fontRef>
         </p:style>
       </p:cxnSp>
-      <p:sp>
-        <p:nvSpPr>
-          <p:cNvPr id="7" name="Rectangle 6"/>
-          <p:cNvSpPr/>
-          <p:nvPr/>
-        </p:nvSpPr>
-        <p:spPr>
-          <a:xfrm>
-            <a:off x="2931181" y="1431508"/>
-            <a:ext cx="2488733" cy="329062"/>
-          </a:xfrm>
-          <a:prstGeom prst="rect">
-            <a:avLst/>
-          </a:prstGeom>
-          <a:ln>
-            <a:solidFill>
-              <a:srgbClr val="000000"/>
-            </a:solidFill>
-            <a:prstDash val="sysDash"/>
-          </a:ln>
-        </p:spPr>
-        <p:txBody>
-          <a:bodyPr wrap="none" lIns="82040" tIns="41020" rIns="82040" bIns="41020">
-            <a:spAutoFit/>
-          </a:bodyPr>
-          <a:lstStyle/>
-          <a:p>
-            <a:r>
-              <a:rPr lang="en-US" dirty="0" smtClean="0"/>
-              <a:t>k</a:t>
-            </a:r>
-            <a:r>
-              <a:rPr lang="en-US" baseline="-25000" dirty="0"/>
-              <a:t>d</a:t>
-            </a:r>
-            <a:r>
-              <a:rPr lang="en-US" baseline="-25000" dirty="0" smtClean="0"/>
-              <a:t>TLR4</a:t>
-            </a:r>
-            <a:r>
-              <a:rPr lang="en-US" dirty="0" smtClean="0"/>
-              <a:t>:TLR4 degradation rate</a:t>
-            </a:r>
-            <a:endParaRPr lang="en-US" baseline="-25000" dirty="0"/>
-          </a:p>
-        </p:txBody>
-      </p:sp>
       <p:cxnSp>
         <p:nvCxnSpPr>
-          <p:cNvPr id="8" name="Straight Arrow Connector 7"/>
+          <p:cNvPr id="6" name="Straight Connector 5"/>
           <p:cNvCxnSpPr/>
           <p:nvPr/>
         </p:nvCxnSpPr>
         <p:spPr>
-          <a:xfrm flipH="1">
-            <a:off x="5546604" y="1634250"/>
-            <a:ext cx="240057" cy="0"/>
-          </a:xfrm>
-          <a:prstGeom prst="straightConnector1">
-            <a:avLst/>
-          </a:prstGeom>
-          <a:ln w="38100" cmpd="sng">
+          <a:xfrm>
+            <a:off x="3416846" y="2001055"/>
+            <a:ext cx="402433" cy="1385"/>
+          </a:xfrm>
+          <a:prstGeom prst="line">
+            <a:avLst/>
+          </a:prstGeom>
+          <a:ln>
             <a:solidFill>
               <a:schemeClr val="tx1"/>
             </a:solidFill>
-            <a:headEnd type="none"/>
-            <a:tailEnd type="triangle"/>
           </a:ln>
           <a:effectLst/>
         </p:spPr>
@@ -12483,6 +12367,2286 @@
       </p:cxnSp>
       <p:sp>
         <p:nvSpPr>
+          <p:cNvPr id="7" name="TextBox 6"/>
+          <p:cNvSpPr txBox="1"/>
+          <p:nvPr/>
+        </p:nvSpPr>
+        <p:spPr>
+          <a:xfrm>
+            <a:off x="2252421" y="1803549"/>
+            <a:ext cx="900853" cy="221341"/>
+          </a:xfrm>
+          <a:prstGeom prst="rect">
+            <a:avLst/>
+          </a:prstGeom>
+          <a:noFill/>
+        </p:spPr>
+        <p:txBody>
+          <a:bodyPr wrap="square" lIns="82040" tIns="41020" rIns="82040" bIns="41020" rtlCol="0">
+            <a:spAutoFit/>
+          </a:bodyPr>
+          <a:lstStyle/>
+          <a:p>
+            <a:pPr algn="ctr" defTabSz="410069"/>
+            <a:r>
+              <a:rPr lang="en-US" sz="900" b="1" i="1" dirty="0">
+                <a:solidFill>
+                  <a:prstClr val="black"/>
+                </a:solidFill>
+                <a:latin typeface="Arial"/>
+              </a:rPr>
+              <a:t>MyD88</a:t>
+            </a:r>
+            <a:r>
+              <a:rPr lang="en-US" sz="900" b="1" i="1" baseline="30000" dirty="0">
+                <a:solidFill>
+                  <a:prstClr val="black"/>
+                </a:solidFill>
+                <a:latin typeface="Arial"/>
+              </a:rPr>
+              <a:t>-/-</a:t>
+            </a:r>
+          </a:p>
+        </p:txBody>
+      </p:sp>
+      <p:sp>
+        <p:nvSpPr>
+          <p:cNvPr id="8" name="TextBox 7"/>
+          <p:cNvSpPr txBox="1"/>
+          <p:nvPr/>
+        </p:nvSpPr>
+        <p:spPr>
+          <a:xfrm>
+            <a:off x="2706802" y="1803549"/>
+            <a:ext cx="900853" cy="221341"/>
+          </a:xfrm>
+          <a:prstGeom prst="rect">
+            <a:avLst/>
+          </a:prstGeom>
+          <a:noFill/>
+        </p:spPr>
+        <p:txBody>
+          <a:bodyPr wrap="square" lIns="82040" tIns="41020" rIns="82040" bIns="41020" rtlCol="0">
+            <a:spAutoFit/>
+          </a:bodyPr>
+          <a:lstStyle/>
+          <a:p>
+            <a:pPr algn="ctr" defTabSz="410069"/>
+            <a:r>
+              <a:rPr lang="en-US" sz="900" b="1" i="1" dirty="0">
+                <a:solidFill>
+                  <a:prstClr val="black"/>
+                </a:solidFill>
+                <a:latin typeface="Arial"/>
+              </a:rPr>
+              <a:t>TRIF</a:t>
+            </a:r>
+            <a:r>
+              <a:rPr lang="en-US" sz="900" b="1" i="1" baseline="30000" dirty="0">
+                <a:solidFill>
+                  <a:prstClr val="black"/>
+                </a:solidFill>
+                <a:latin typeface="Arial"/>
+              </a:rPr>
+              <a:t>-/-</a:t>
+            </a:r>
+          </a:p>
+        </p:txBody>
+      </p:sp>
+      <p:sp>
+        <p:nvSpPr>
+          <p:cNvPr id="9" name="TextBox 8"/>
+          <p:cNvSpPr txBox="1"/>
+          <p:nvPr/>
+        </p:nvSpPr>
+        <p:spPr>
+          <a:xfrm>
+            <a:off x="2294770" y="1626406"/>
+            <a:ext cx="1118690" cy="221341"/>
+          </a:xfrm>
+          <a:prstGeom prst="rect">
+            <a:avLst/>
+          </a:prstGeom>
+          <a:noFill/>
+        </p:spPr>
+        <p:txBody>
+          <a:bodyPr wrap="square" lIns="82040" tIns="41020" rIns="82040" bIns="41020" rtlCol="0">
+            <a:spAutoFit/>
+          </a:bodyPr>
+          <a:lstStyle/>
+          <a:p>
+            <a:pPr algn="ctr" defTabSz="410069"/>
+            <a:r>
+              <a:rPr lang="en-US" sz="900" b="1" dirty="0">
+                <a:solidFill>
+                  <a:prstClr val="black"/>
+                </a:solidFill>
+                <a:latin typeface="Arial"/>
+              </a:rPr>
+              <a:t>+ 0.1 </a:t>
+            </a:r>
+            <a:r>
+              <a:rPr lang="en-US" sz="900" b="1" dirty="0" err="1">
+                <a:solidFill>
+                  <a:prstClr val="black"/>
+                </a:solidFill>
+                <a:latin typeface="Arial"/>
+              </a:rPr>
+              <a:t>ng</a:t>
+            </a:r>
+            <a:r>
+              <a:rPr lang="en-US" sz="900" b="1" dirty="0">
+                <a:solidFill>
+                  <a:prstClr val="black"/>
+                </a:solidFill>
+                <a:latin typeface="Arial"/>
+              </a:rPr>
+              <a:t> LPS</a:t>
+            </a:r>
+          </a:p>
+        </p:txBody>
+      </p:sp>
+      <p:sp>
+        <p:nvSpPr>
+          <p:cNvPr id="10" name="TextBox 9"/>
+          <p:cNvSpPr txBox="1"/>
+          <p:nvPr/>
+        </p:nvSpPr>
+        <p:spPr>
+          <a:xfrm>
+            <a:off x="3265297" y="1626406"/>
+            <a:ext cx="1118690" cy="221341"/>
+          </a:xfrm>
+          <a:prstGeom prst="rect">
+            <a:avLst/>
+          </a:prstGeom>
+          <a:noFill/>
+        </p:spPr>
+        <p:txBody>
+          <a:bodyPr wrap="square" lIns="82040" tIns="41020" rIns="82040" bIns="41020" rtlCol="0">
+            <a:spAutoFit/>
+          </a:bodyPr>
+          <a:lstStyle/>
+          <a:p>
+            <a:pPr algn="ctr" defTabSz="410069"/>
+            <a:r>
+              <a:rPr lang="en-US" sz="900" b="1" dirty="0">
+                <a:solidFill>
+                  <a:prstClr val="black"/>
+                </a:solidFill>
+                <a:latin typeface="Arial"/>
+              </a:rPr>
+              <a:t>+ 1 </a:t>
+            </a:r>
+            <a:r>
+              <a:rPr lang="en-US" sz="900" b="1" dirty="0" err="1">
+                <a:solidFill>
+                  <a:prstClr val="black"/>
+                </a:solidFill>
+                <a:latin typeface="Arial"/>
+              </a:rPr>
+              <a:t>ng</a:t>
+            </a:r>
+            <a:r>
+              <a:rPr lang="en-US" sz="900" b="1" dirty="0">
+                <a:solidFill>
+                  <a:prstClr val="black"/>
+                </a:solidFill>
+                <a:latin typeface="Arial"/>
+              </a:rPr>
+              <a:t> LPS</a:t>
+            </a:r>
+          </a:p>
+        </p:txBody>
+      </p:sp>
+      <p:sp>
+        <p:nvSpPr>
+          <p:cNvPr id="11" name="TextBox 10"/>
+          <p:cNvSpPr txBox="1"/>
+          <p:nvPr/>
+        </p:nvSpPr>
+        <p:spPr>
+          <a:xfrm>
+            <a:off x="3195019" y="1803549"/>
+            <a:ext cx="900853" cy="221341"/>
+          </a:xfrm>
+          <a:prstGeom prst="rect">
+            <a:avLst/>
+          </a:prstGeom>
+          <a:noFill/>
+        </p:spPr>
+        <p:txBody>
+          <a:bodyPr wrap="square" lIns="82040" tIns="41020" rIns="82040" bIns="41020" rtlCol="0">
+            <a:spAutoFit/>
+          </a:bodyPr>
+          <a:lstStyle/>
+          <a:p>
+            <a:pPr algn="ctr" defTabSz="410069"/>
+            <a:r>
+              <a:rPr lang="en-US" sz="900" b="1" i="1" dirty="0">
+                <a:solidFill>
+                  <a:prstClr val="black"/>
+                </a:solidFill>
+                <a:latin typeface="Arial"/>
+              </a:rPr>
+              <a:t>MyD88</a:t>
+            </a:r>
+            <a:r>
+              <a:rPr lang="en-US" sz="900" b="1" i="1" baseline="30000" dirty="0">
+                <a:solidFill>
+                  <a:prstClr val="black"/>
+                </a:solidFill>
+                <a:latin typeface="Arial"/>
+              </a:rPr>
+              <a:t>-/-</a:t>
+            </a:r>
+          </a:p>
+        </p:txBody>
+      </p:sp>
+      <p:sp>
+        <p:nvSpPr>
+          <p:cNvPr id="12" name="TextBox 11"/>
+          <p:cNvSpPr txBox="1"/>
+          <p:nvPr/>
+        </p:nvSpPr>
+        <p:spPr>
+          <a:xfrm>
+            <a:off x="3639520" y="1803549"/>
+            <a:ext cx="900853" cy="221341"/>
+          </a:xfrm>
+          <a:prstGeom prst="rect">
+            <a:avLst/>
+          </a:prstGeom>
+          <a:noFill/>
+        </p:spPr>
+        <p:txBody>
+          <a:bodyPr wrap="square" lIns="82040" tIns="41020" rIns="82040" bIns="41020" rtlCol="0">
+            <a:spAutoFit/>
+          </a:bodyPr>
+          <a:lstStyle/>
+          <a:p>
+            <a:pPr algn="ctr" defTabSz="410069"/>
+            <a:r>
+              <a:rPr lang="en-US" sz="900" b="1" i="1" dirty="0">
+                <a:solidFill>
+                  <a:prstClr val="black"/>
+                </a:solidFill>
+                <a:latin typeface="Arial"/>
+              </a:rPr>
+              <a:t>TRIF</a:t>
+            </a:r>
+            <a:r>
+              <a:rPr lang="en-US" sz="900" b="1" i="1" baseline="30000" dirty="0">
+                <a:solidFill>
+                  <a:prstClr val="black"/>
+                </a:solidFill>
+                <a:latin typeface="Arial"/>
+              </a:rPr>
+              <a:t>-/-</a:t>
+            </a:r>
+          </a:p>
+        </p:txBody>
+      </p:sp>
+      <p:sp>
+        <p:nvSpPr>
+          <p:cNvPr id="13" name="TextBox 12"/>
+          <p:cNvSpPr txBox="1"/>
+          <p:nvPr/>
+        </p:nvSpPr>
+        <p:spPr>
+          <a:xfrm rot="16200000">
+            <a:off x="1772204" y="1595426"/>
+            <a:ext cx="841920" cy="229806"/>
+          </a:xfrm>
+          <a:prstGeom prst="rect">
+            <a:avLst/>
+          </a:prstGeom>
+          <a:noFill/>
+        </p:spPr>
+        <p:txBody>
+          <a:bodyPr wrap="square" lIns="82040" tIns="41020" rIns="82040" bIns="41020" rtlCol="0">
+            <a:spAutoFit/>
+          </a:bodyPr>
+          <a:lstStyle/>
+          <a:p>
+            <a:pPr defTabSz="410069"/>
+            <a:r>
+              <a:rPr lang="en-US" sz="900" b="1" i="1" dirty="0">
+                <a:solidFill>
+                  <a:prstClr val="black"/>
+                </a:solidFill>
+                <a:latin typeface="Arial"/>
+              </a:rPr>
+              <a:t>MyD88 -/-</a:t>
+            </a:r>
+          </a:p>
+        </p:txBody>
+      </p:sp>
+      <p:sp>
+        <p:nvSpPr>
+          <p:cNvPr id="14" name="TextBox 13"/>
+          <p:cNvSpPr txBox="1"/>
+          <p:nvPr/>
+        </p:nvSpPr>
+        <p:spPr>
+          <a:xfrm rot="16200000">
+            <a:off x="1938151" y="1589887"/>
+            <a:ext cx="841920" cy="229806"/>
+          </a:xfrm>
+          <a:prstGeom prst="rect">
+            <a:avLst/>
+          </a:prstGeom>
+          <a:noFill/>
+        </p:spPr>
+        <p:txBody>
+          <a:bodyPr wrap="square" lIns="82040" tIns="41020" rIns="82040" bIns="41020" rtlCol="0">
+            <a:spAutoFit/>
+          </a:bodyPr>
+          <a:lstStyle/>
+          <a:p>
+            <a:pPr defTabSz="410069"/>
+            <a:r>
+              <a:rPr lang="en-US" sz="900" b="1" i="1" dirty="0">
+                <a:solidFill>
+                  <a:prstClr val="black"/>
+                </a:solidFill>
+                <a:latin typeface="Arial"/>
+              </a:rPr>
+              <a:t>TRIF -/-</a:t>
+            </a:r>
+          </a:p>
+        </p:txBody>
+      </p:sp>
+      <p:sp>
+        <p:nvSpPr>
+          <p:cNvPr id="15" name="Rectangle 14"/>
+          <p:cNvSpPr/>
+          <p:nvPr/>
+        </p:nvSpPr>
+        <p:spPr>
+          <a:xfrm rot="16200000">
+            <a:off x="2086882" y="2029369"/>
+            <a:ext cx="229871" cy="221341"/>
+          </a:xfrm>
+          <a:prstGeom prst="rect">
+            <a:avLst/>
+          </a:prstGeom>
+        </p:spPr>
+        <p:txBody>
+          <a:bodyPr wrap="none" lIns="82040" tIns="41020" rIns="82040" bIns="41020">
+            <a:spAutoFit/>
+          </a:bodyPr>
+          <a:lstStyle/>
+          <a:p>
+            <a:r>
+              <a:rPr lang="en-US" sz="900" b="1" dirty="0">
+                <a:latin typeface="Arial"/>
+                <a:cs typeface="Arial"/>
+              </a:rPr>
+              <a:t>0</a:t>
+            </a:r>
+          </a:p>
+        </p:txBody>
+      </p:sp>
+      <p:sp>
+        <p:nvSpPr>
+          <p:cNvPr id="16" name="Rectangle 15"/>
+          <p:cNvSpPr/>
+          <p:nvPr/>
+        </p:nvSpPr>
+        <p:spPr>
+          <a:xfrm rot="16200000">
+            <a:off x="2258755" y="2029369"/>
+            <a:ext cx="229871" cy="221341"/>
+          </a:xfrm>
+          <a:prstGeom prst="rect">
+            <a:avLst/>
+          </a:prstGeom>
+        </p:spPr>
+        <p:txBody>
+          <a:bodyPr wrap="none" lIns="82040" tIns="41020" rIns="82040" bIns="41020">
+            <a:spAutoFit/>
+          </a:bodyPr>
+          <a:lstStyle/>
+          <a:p>
+            <a:r>
+              <a:rPr lang="en-US" sz="900" b="1" dirty="0">
+                <a:latin typeface="Arial"/>
+                <a:cs typeface="Arial"/>
+              </a:rPr>
+              <a:t>0</a:t>
+            </a:r>
+          </a:p>
+        </p:txBody>
+      </p:sp>
+      <p:sp>
+        <p:nvSpPr>
+          <p:cNvPr id="17" name="Rectangle 16"/>
+          <p:cNvSpPr/>
+          <p:nvPr/>
+        </p:nvSpPr>
+        <p:spPr>
+          <a:xfrm rot="16200000">
+            <a:off x="2394587" y="1998263"/>
+            <a:ext cx="294060" cy="221341"/>
+          </a:xfrm>
+          <a:prstGeom prst="rect">
+            <a:avLst/>
+          </a:prstGeom>
+        </p:spPr>
+        <p:txBody>
+          <a:bodyPr wrap="none" lIns="82040" tIns="41020" rIns="82040" bIns="41020">
+            <a:spAutoFit/>
+          </a:bodyPr>
+          <a:lstStyle/>
+          <a:p>
+            <a:r>
+              <a:rPr lang="en-US" sz="900" b="1" dirty="0">
+                <a:latin typeface="Arial"/>
+                <a:cs typeface="Arial"/>
+              </a:rPr>
+              <a:t>15</a:t>
+            </a:r>
+          </a:p>
+        </p:txBody>
+      </p:sp>
+      <p:sp>
+        <p:nvSpPr>
+          <p:cNvPr id="18" name="Rectangle 17"/>
+          <p:cNvSpPr/>
+          <p:nvPr/>
+        </p:nvSpPr>
+        <p:spPr>
+          <a:xfrm rot="16200000">
+            <a:off x="2556583" y="1998263"/>
+            <a:ext cx="294060" cy="221341"/>
+          </a:xfrm>
+          <a:prstGeom prst="rect">
+            <a:avLst/>
+          </a:prstGeom>
+        </p:spPr>
+        <p:txBody>
+          <a:bodyPr wrap="none" lIns="82040" tIns="41020" rIns="82040" bIns="41020">
+            <a:spAutoFit/>
+          </a:bodyPr>
+          <a:lstStyle/>
+          <a:p>
+            <a:r>
+              <a:rPr lang="en-US" sz="900" b="1" dirty="0">
+                <a:latin typeface="Arial"/>
+                <a:cs typeface="Arial"/>
+              </a:rPr>
+              <a:t>30</a:t>
+            </a:r>
+          </a:p>
+        </p:txBody>
+      </p:sp>
+      <p:sp>
+        <p:nvSpPr>
+          <p:cNvPr id="19" name="Rectangle 18"/>
+          <p:cNvSpPr/>
+          <p:nvPr/>
+        </p:nvSpPr>
+        <p:spPr>
+          <a:xfrm rot="16200000">
+            <a:off x="2684989" y="1998263"/>
+            <a:ext cx="294060" cy="221341"/>
+          </a:xfrm>
+          <a:prstGeom prst="rect">
+            <a:avLst/>
+          </a:prstGeom>
+        </p:spPr>
+        <p:txBody>
+          <a:bodyPr wrap="none" lIns="82040" tIns="41020" rIns="82040" bIns="41020">
+            <a:spAutoFit/>
+          </a:bodyPr>
+          <a:lstStyle/>
+          <a:p>
+            <a:r>
+              <a:rPr lang="en-US" sz="900" b="1" dirty="0">
+                <a:latin typeface="Arial"/>
+                <a:cs typeface="Arial"/>
+              </a:rPr>
+              <a:t>45</a:t>
+            </a:r>
+          </a:p>
+        </p:txBody>
+      </p:sp>
+      <p:sp>
+        <p:nvSpPr>
+          <p:cNvPr id="20" name="Rectangle 19"/>
+          <p:cNvSpPr/>
+          <p:nvPr/>
+        </p:nvSpPr>
+        <p:spPr>
+          <a:xfrm rot="16200000">
+            <a:off x="2846985" y="1998263"/>
+            <a:ext cx="294060" cy="221341"/>
+          </a:xfrm>
+          <a:prstGeom prst="rect">
+            <a:avLst/>
+          </a:prstGeom>
+        </p:spPr>
+        <p:txBody>
+          <a:bodyPr wrap="none" lIns="82040" tIns="41020" rIns="82040" bIns="41020">
+            <a:spAutoFit/>
+          </a:bodyPr>
+          <a:lstStyle/>
+          <a:p>
+            <a:r>
+              <a:rPr lang="en-US" sz="900" b="1" dirty="0">
+                <a:latin typeface="Arial"/>
+                <a:cs typeface="Arial"/>
+              </a:rPr>
+              <a:t>15</a:t>
+            </a:r>
+          </a:p>
+        </p:txBody>
+      </p:sp>
+      <p:sp>
+        <p:nvSpPr>
+          <p:cNvPr id="21" name="Rectangle 20"/>
+          <p:cNvSpPr/>
+          <p:nvPr/>
+        </p:nvSpPr>
+        <p:spPr>
+          <a:xfrm rot="16200000">
+            <a:off x="3005035" y="1998263"/>
+            <a:ext cx="294060" cy="221341"/>
+          </a:xfrm>
+          <a:prstGeom prst="rect">
+            <a:avLst/>
+          </a:prstGeom>
+        </p:spPr>
+        <p:txBody>
+          <a:bodyPr wrap="none" lIns="82040" tIns="41020" rIns="82040" bIns="41020">
+            <a:spAutoFit/>
+          </a:bodyPr>
+          <a:lstStyle/>
+          <a:p>
+            <a:r>
+              <a:rPr lang="en-US" sz="900" b="1" dirty="0">
+                <a:latin typeface="Arial"/>
+                <a:cs typeface="Arial"/>
+              </a:rPr>
+              <a:t>30</a:t>
+            </a:r>
+          </a:p>
+        </p:txBody>
+      </p:sp>
+      <p:sp>
+        <p:nvSpPr>
+          <p:cNvPr id="22" name="Rectangle 21"/>
+          <p:cNvSpPr/>
+          <p:nvPr/>
+        </p:nvSpPr>
+        <p:spPr>
+          <a:xfrm rot="16200000">
+            <a:off x="3163074" y="1998263"/>
+            <a:ext cx="294060" cy="221341"/>
+          </a:xfrm>
+          <a:prstGeom prst="rect">
+            <a:avLst/>
+          </a:prstGeom>
+        </p:spPr>
+        <p:txBody>
+          <a:bodyPr wrap="none" lIns="82040" tIns="41020" rIns="82040" bIns="41020">
+            <a:spAutoFit/>
+          </a:bodyPr>
+          <a:lstStyle/>
+          <a:p>
+            <a:r>
+              <a:rPr lang="en-US" sz="900" b="1" dirty="0">
+                <a:latin typeface="Arial"/>
+                <a:cs typeface="Arial"/>
+              </a:rPr>
+              <a:t>45</a:t>
+            </a:r>
+          </a:p>
+        </p:txBody>
+      </p:sp>
+      <p:sp>
+        <p:nvSpPr>
+          <p:cNvPr id="23" name="Rectangle 22"/>
+          <p:cNvSpPr/>
+          <p:nvPr/>
+        </p:nvSpPr>
+        <p:spPr>
+          <a:xfrm rot="16200000">
+            <a:off x="3315196" y="1998263"/>
+            <a:ext cx="294060" cy="221341"/>
+          </a:xfrm>
+          <a:prstGeom prst="rect">
+            <a:avLst/>
+          </a:prstGeom>
+        </p:spPr>
+        <p:txBody>
+          <a:bodyPr wrap="none" lIns="82040" tIns="41020" rIns="82040" bIns="41020">
+            <a:spAutoFit/>
+          </a:bodyPr>
+          <a:lstStyle/>
+          <a:p>
+            <a:r>
+              <a:rPr lang="en-US" sz="900" b="1" dirty="0">
+                <a:latin typeface="Arial"/>
+                <a:cs typeface="Arial"/>
+              </a:rPr>
+              <a:t>15</a:t>
+            </a:r>
+          </a:p>
+        </p:txBody>
+      </p:sp>
+      <p:sp>
+        <p:nvSpPr>
+          <p:cNvPr id="24" name="Rectangle 23"/>
+          <p:cNvSpPr/>
+          <p:nvPr/>
+        </p:nvSpPr>
+        <p:spPr>
+          <a:xfrm rot="16200000">
+            <a:off x="3473245" y="1998263"/>
+            <a:ext cx="294060" cy="221341"/>
+          </a:xfrm>
+          <a:prstGeom prst="rect">
+            <a:avLst/>
+          </a:prstGeom>
+        </p:spPr>
+        <p:txBody>
+          <a:bodyPr wrap="none" lIns="82040" tIns="41020" rIns="82040" bIns="41020">
+            <a:spAutoFit/>
+          </a:bodyPr>
+          <a:lstStyle/>
+          <a:p>
+            <a:r>
+              <a:rPr lang="en-US" sz="900" b="1" dirty="0">
+                <a:latin typeface="Arial"/>
+                <a:cs typeface="Arial"/>
+              </a:rPr>
+              <a:t>30</a:t>
+            </a:r>
+          </a:p>
+        </p:txBody>
+      </p:sp>
+      <p:sp>
+        <p:nvSpPr>
+          <p:cNvPr id="25" name="Rectangle 24"/>
+          <p:cNvSpPr/>
+          <p:nvPr/>
+        </p:nvSpPr>
+        <p:spPr>
+          <a:xfrm rot="16200000">
+            <a:off x="3631284" y="1998263"/>
+            <a:ext cx="294060" cy="221341"/>
+          </a:xfrm>
+          <a:prstGeom prst="rect">
+            <a:avLst/>
+          </a:prstGeom>
+        </p:spPr>
+        <p:txBody>
+          <a:bodyPr wrap="none" lIns="82040" tIns="41020" rIns="82040" bIns="41020">
+            <a:spAutoFit/>
+          </a:bodyPr>
+          <a:lstStyle/>
+          <a:p>
+            <a:r>
+              <a:rPr lang="en-US" sz="900" b="1" dirty="0">
+                <a:latin typeface="Arial"/>
+                <a:cs typeface="Arial"/>
+              </a:rPr>
+              <a:t>45</a:t>
+            </a:r>
+          </a:p>
+        </p:txBody>
+      </p:sp>
+      <p:sp>
+        <p:nvSpPr>
+          <p:cNvPr id="26" name="Rectangle 25"/>
+          <p:cNvSpPr/>
+          <p:nvPr/>
+        </p:nvSpPr>
+        <p:spPr>
+          <a:xfrm rot="16200000">
+            <a:off x="3793270" y="1998263"/>
+            <a:ext cx="294060" cy="221341"/>
+          </a:xfrm>
+          <a:prstGeom prst="rect">
+            <a:avLst/>
+          </a:prstGeom>
+        </p:spPr>
+        <p:txBody>
+          <a:bodyPr wrap="none" lIns="82040" tIns="41020" rIns="82040" bIns="41020">
+            <a:spAutoFit/>
+          </a:bodyPr>
+          <a:lstStyle/>
+          <a:p>
+            <a:r>
+              <a:rPr lang="en-US" sz="900" b="1" dirty="0">
+                <a:latin typeface="Arial"/>
+                <a:cs typeface="Arial"/>
+              </a:rPr>
+              <a:t>15</a:t>
+            </a:r>
+          </a:p>
+        </p:txBody>
+      </p:sp>
+      <p:sp>
+        <p:nvSpPr>
+          <p:cNvPr id="27" name="Rectangle 26"/>
+          <p:cNvSpPr/>
+          <p:nvPr/>
+        </p:nvSpPr>
+        <p:spPr>
+          <a:xfrm rot="16200000">
+            <a:off x="3951319" y="1998263"/>
+            <a:ext cx="294060" cy="221341"/>
+          </a:xfrm>
+          <a:prstGeom prst="rect">
+            <a:avLst/>
+          </a:prstGeom>
+        </p:spPr>
+        <p:txBody>
+          <a:bodyPr wrap="none" lIns="82040" tIns="41020" rIns="82040" bIns="41020">
+            <a:spAutoFit/>
+          </a:bodyPr>
+          <a:lstStyle/>
+          <a:p>
+            <a:r>
+              <a:rPr lang="en-US" sz="900" b="1" dirty="0">
+                <a:latin typeface="Arial"/>
+                <a:cs typeface="Arial"/>
+              </a:rPr>
+              <a:t>30</a:t>
+            </a:r>
+          </a:p>
+        </p:txBody>
+      </p:sp>
+      <p:sp>
+        <p:nvSpPr>
+          <p:cNvPr id="28" name="Rectangle 27"/>
+          <p:cNvSpPr/>
+          <p:nvPr/>
+        </p:nvSpPr>
+        <p:spPr>
+          <a:xfrm rot="16200000">
+            <a:off x="4109358" y="1998263"/>
+            <a:ext cx="294060" cy="221341"/>
+          </a:xfrm>
+          <a:prstGeom prst="rect">
+            <a:avLst/>
+          </a:prstGeom>
+        </p:spPr>
+        <p:txBody>
+          <a:bodyPr wrap="none" lIns="82040" tIns="41020" rIns="82040" bIns="41020">
+            <a:spAutoFit/>
+          </a:bodyPr>
+          <a:lstStyle/>
+          <a:p>
+            <a:r>
+              <a:rPr lang="en-US" sz="900" b="1" dirty="0">
+                <a:latin typeface="Arial"/>
+                <a:cs typeface="Arial"/>
+              </a:rPr>
+              <a:t>45</a:t>
+            </a:r>
+          </a:p>
+        </p:txBody>
+      </p:sp>
+      <p:cxnSp>
+        <p:nvCxnSpPr>
+          <p:cNvPr id="29" name="Straight Connector 28"/>
+          <p:cNvCxnSpPr/>
+          <p:nvPr/>
+        </p:nvCxnSpPr>
+        <p:spPr>
+          <a:xfrm>
+            <a:off x="3894931" y="2001055"/>
+            <a:ext cx="402433" cy="1385"/>
+          </a:xfrm>
+          <a:prstGeom prst="line">
+            <a:avLst/>
+          </a:prstGeom>
+          <a:ln>
+            <a:solidFill>
+              <a:schemeClr val="tx1"/>
+            </a:solidFill>
+          </a:ln>
+          <a:effectLst/>
+        </p:spPr>
+        <p:style>
+          <a:lnRef idx="2">
+            <a:schemeClr val="accent1"/>
+          </a:lnRef>
+          <a:fillRef idx="0">
+            <a:schemeClr val="accent1"/>
+          </a:fillRef>
+          <a:effectRef idx="1">
+            <a:schemeClr val="accent1"/>
+          </a:effectRef>
+          <a:fontRef idx="minor">
+            <a:schemeClr val="tx1"/>
+          </a:fontRef>
+        </p:style>
+      </p:cxnSp>
+      <p:cxnSp>
+        <p:nvCxnSpPr>
+          <p:cNvPr id="30" name="Straight Connector 29"/>
+          <p:cNvCxnSpPr/>
+          <p:nvPr/>
+        </p:nvCxnSpPr>
+        <p:spPr>
+          <a:xfrm>
+            <a:off x="2470591" y="3001756"/>
+            <a:ext cx="535639" cy="1385"/>
+          </a:xfrm>
+          <a:prstGeom prst="line">
+            <a:avLst/>
+          </a:prstGeom>
+          <a:ln>
+            <a:solidFill>
+              <a:schemeClr val="tx1"/>
+            </a:solidFill>
+          </a:ln>
+          <a:effectLst/>
+        </p:spPr>
+        <p:style>
+          <a:lnRef idx="2">
+            <a:schemeClr val="accent1"/>
+          </a:lnRef>
+          <a:fillRef idx="0">
+            <a:schemeClr val="accent1"/>
+          </a:fillRef>
+          <a:effectRef idx="1">
+            <a:schemeClr val="accent1"/>
+          </a:effectRef>
+          <a:fontRef idx="minor">
+            <a:schemeClr val="tx1"/>
+          </a:fontRef>
+        </p:style>
+      </p:cxnSp>
+      <p:cxnSp>
+        <p:nvCxnSpPr>
+          <p:cNvPr id="31" name="Straight Connector 30"/>
+          <p:cNvCxnSpPr/>
+          <p:nvPr/>
+        </p:nvCxnSpPr>
+        <p:spPr>
+          <a:xfrm>
+            <a:off x="3058921" y="3001756"/>
+            <a:ext cx="535639" cy="1385"/>
+          </a:xfrm>
+          <a:prstGeom prst="line">
+            <a:avLst/>
+          </a:prstGeom>
+          <a:ln>
+            <a:solidFill>
+              <a:schemeClr val="tx1"/>
+            </a:solidFill>
+          </a:ln>
+          <a:effectLst/>
+        </p:spPr>
+        <p:style>
+          <a:lnRef idx="2">
+            <a:schemeClr val="accent1"/>
+          </a:lnRef>
+          <a:fillRef idx="0">
+            <a:schemeClr val="accent1"/>
+          </a:fillRef>
+          <a:effectRef idx="1">
+            <a:schemeClr val="accent1"/>
+          </a:effectRef>
+          <a:fontRef idx="minor">
+            <a:schemeClr val="tx1"/>
+          </a:fontRef>
+        </p:style>
+      </p:cxnSp>
+      <p:cxnSp>
+        <p:nvCxnSpPr>
+          <p:cNvPr id="32" name="Straight Connector 31"/>
+          <p:cNvCxnSpPr/>
+          <p:nvPr/>
+        </p:nvCxnSpPr>
+        <p:spPr>
+          <a:xfrm>
+            <a:off x="3657129" y="3001756"/>
+            <a:ext cx="535639" cy="1385"/>
+          </a:xfrm>
+          <a:prstGeom prst="line">
+            <a:avLst/>
+          </a:prstGeom>
+          <a:ln>
+            <a:solidFill>
+              <a:schemeClr val="tx1"/>
+            </a:solidFill>
+          </a:ln>
+          <a:effectLst/>
+        </p:spPr>
+        <p:style>
+          <a:lnRef idx="2">
+            <a:schemeClr val="accent1"/>
+          </a:lnRef>
+          <a:fillRef idx="0">
+            <a:schemeClr val="accent1"/>
+          </a:fillRef>
+          <a:effectRef idx="1">
+            <a:schemeClr val="accent1"/>
+          </a:effectRef>
+          <a:fontRef idx="minor">
+            <a:schemeClr val="tx1"/>
+          </a:fontRef>
+        </p:style>
+      </p:cxnSp>
+      <p:sp>
+        <p:nvSpPr>
+          <p:cNvPr id="33" name="TextBox 32"/>
+          <p:cNvSpPr txBox="1"/>
+          <p:nvPr/>
+        </p:nvSpPr>
+        <p:spPr>
+          <a:xfrm>
+            <a:off x="2305766" y="2804250"/>
+            <a:ext cx="900853" cy="221341"/>
+          </a:xfrm>
+          <a:prstGeom prst="rect">
+            <a:avLst/>
+          </a:prstGeom>
+          <a:noFill/>
+        </p:spPr>
+        <p:txBody>
+          <a:bodyPr wrap="square" lIns="82040" tIns="41020" rIns="82040" bIns="41020" rtlCol="0">
+            <a:spAutoFit/>
+          </a:bodyPr>
+          <a:lstStyle/>
+          <a:p>
+            <a:pPr algn="ctr" defTabSz="410069"/>
+            <a:r>
+              <a:rPr lang="en-US" sz="900" b="1" i="1" dirty="0">
+                <a:solidFill>
+                  <a:prstClr val="black"/>
+                </a:solidFill>
+                <a:latin typeface="Arial"/>
+              </a:rPr>
+              <a:t>MyD88</a:t>
+            </a:r>
+            <a:r>
+              <a:rPr lang="en-US" sz="900" b="1" i="1" baseline="30000" dirty="0">
+                <a:solidFill>
+                  <a:prstClr val="black"/>
+                </a:solidFill>
+                <a:latin typeface="Arial"/>
+              </a:rPr>
+              <a:t>-/-</a:t>
+            </a:r>
+          </a:p>
+        </p:txBody>
+      </p:sp>
+      <p:sp>
+        <p:nvSpPr>
+          <p:cNvPr id="34" name="TextBox 33"/>
+          <p:cNvSpPr txBox="1"/>
+          <p:nvPr/>
+        </p:nvSpPr>
+        <p:spPr>
+          <a:xfrm>
+            <a:off x="2878688" y="2804250"/>
+            <a:ext cx="900853" cy="221341"/>
+          </a:xfrm>
+          <a:prstGeom prst="rect">
+            <a:avLst/>
+          </a:prstGeom>
+          <a:noFill/>
+        </p:spPr>
+        <p:txBody>
+          <a:bodyPr wrap="square" lIns="82040" tIns="41020" rIns="82040" bIns="41020" rtlCol="0">
+            <a:spAutoFit/>
+          </a:bodyPr>
+          <a:lstStyle/>
+          <a:p>
+            <a:pPr algn="ctr" defTabSz="410069"/>
+            <a:r>
+              <a:rPr lang="en-US" sz="900" b="1" i="1" dirty="0">
+                <a:solidFill>
+                  <a:prstClr val="black"/>
+                </a:solidFill>
+                <a:latin typeface="Arial"/>
+              </a:rPr>
+              <a:t>TRIF</a:t>
+            </a:r>
+            <a:r>
+              <a:rPr lang="en-US" sz="900" b="1" i="1" baseline="30000" dirty="0">
+                <a:solidFill>
+                  <a:prstClr val="black"/>
+                </a:solidFill>
+                <a:latin typeface="Arial"/>
+              </a:rPr>
+              <a:t>-/-</a:t>
+            </a:r>
+          </a:p>
+        </p:txBody>
+      </p:sp>
+      <p:sp>
+        <p:nvSpPr>
+          <p:cNvPr id="35" name="TextBox 34"/>
+          <p:cNvSpPr txBox="1"/>
+          <p:nvPr/>
+        </p:nvSpPr>
+        <p:spPr>
+          <a:xfrm>
+            <a:off x="2453484" y="2627107"/>
+            <a:ext cx="1118690" cy="221341"/>
+          </a:xfrm>
+          <a:prstGeom prst="rect">
+            <a:avLst/>
+          </a:prstGeom>
+          <a:noFill/>
+        </p:spPr>
+        <p:txBody>
+          <a:bodyPr wrap="square" lIns="82040" tIns="41020" rIns="82040" bIns="41020" rtlCol="0">
+            <a:spAutoFit/>
+          </a:bodyPr>
+          <a:lstStyle/>
+          <a:p>
+            <a:pPr algn="ctr" defTabSz="410069"/>
+            <a:r>
+              <a:rPr lang="en-US" sz="900" b="1" dirty="0">
+                <a:solidFill>
+                  <a:prstClr val="black"/>
+                </a:solidFill>
+                <a:latin typeface="Arial"/>
+              </a:rPr>
+              <a:t>+ 10 ng LPS</a:t>
+            </a:r>
+          </a:p>
+        </p:txBody>
+      </p:sp>
+      <p:sp>
+        <p:nvSpPr>
+          <p:cNvPr id="36" name="TextBox 35"/>
+          <p:cNvSpPr txBox="1"/>
+          <p:nvPr/>
+        </p:nvSpPr>
+        <p:spPr>
+          <a:xfrm>
+            <a:off x="3634751" y="2627107"/>
+            <a:ext cx="1118690" cy="221341"/>
+          </a:xfrm>
+          <a:prstGeom prst="rect">
+            <a:avLst/>
+          </a:prstGeom>
+          <a:noFill/>
+        </p:spPr>
+        <p:txBody>
+          <a:bodyPr wrap="square" lIns="82040" tIns="41020" rIns="82040" bIns="41020" rtlCol="0">
+            <a:spAutoFit/>
+          </a:bodyPr>
+          <a:lstStyle/>
+          <a:p>
+            <a:pPr algn="ctr" defTabSz="410069"/>
+            <a:r>
+              <a:rPr lang="en-US" sz="900" b="1" dirty="0">
+                <a:solidFill>
+                  <a:prstClr val="black"/>
+                </a:solidFill>
+                <a:latin typeface="Arial"/>
+              </a:rPr>
+              <a:t>+ 100 ng LPS</a:t>
+            </a:r>
+          </a:p>
+        </p:txBody>
+      </p:sp>
+      <p:sp>
+        <p:nvSpPr>
+          <p:cNvPr id="37" name="TextBox 36"/>
+          <p:cNvSpPr txBox="1"/>
+          <p:nvPr/>
+        </p:nvSpPr>
+        <p:spPr>
+          <a:xfrm>
+            <a:off x="3469633" y="2804250"/>
+            <a:ext cx="900853" cy="221341"/>
+          </a:xfrm>
+          <a:prstGeom prst="rect">
+            <a:avLst/>
+          </a:prstGeom>
+          <a:noFill/>
+        </p:spPr>
+        <p:txBody>
+          <a:bodyPr wrap="square" lIns="82040" tIns="41020" rIns="82040" bIns="41020" rtlCol="0">
+            <a:spAutoFit/>
+          </a:bodyPr>
+          <a:lstStyle/>
+          <a:p>
+            <a:pPr algn="ctr" defTabSz="410069"/>
+            <a:r>
+              <a:rPr lang="en-US" sz="900" b="1" i="1" dirty="0">
+                <a:solidFill>
+                  <a:prstClr val="black"/>
+                </a:solidFill>
+                <a:latin typeface="Arial"/>
+              </a:rPr>
+              <a:t>MyD88</a:t>
+            </a:r>
+            <a:r>
+              <a:rPr lang="en-US" sz="900" b="1" i="1" baseline="30000" dirty="0">
+                <a:solidFill>
+                  <a:prstClr val="black"/>
+                </a:solidFill>
+                <a:latin typeface="Arial"/>
+              </a:rPr>
+              <a:t>-/-</a:t>
+            </a:r>
+          </a:p>
+        </p:txBody>
+      </p:sp>
+      <p:sp>
+        <p:nvSpPr>
+          <p:cNvPr id="38" name="TextBox 37"/>
+          <p:cNvSpPr txBox="1"/>
+          <p:nvPr/>
+        </p:nvSpPr>
+        <p:spPr>
+          <a:xfrm>
+            <a:off x="4119601" y="2804250"/>
+            <a:ext cx="900853" cy="221341"/>
+          </a:xfrm>
+          <a:prstGeom prst="rect">
+            <a:avLst/>
+          </a:prstGeom>
+          <a:noFill/>
+        </p:spPr>
+        <p:txBody>
+          <a:bodyPr wrap="square" lIns="82040" tIns="41020" rIns="82040" bIns="41020" rtlCol="0">
+            <a:spAutoFit/>
+          </a:bodyPr>
+          <a:lstStyle/>
+          <a:p>
+            <a:pPr algn="ctr" defTabSz="410069"/>
+            <a:r>
+              <a:rPr lang="en-US" sz="900" b="1" i="1" dirty="0">
+                <a:solidFill>
+                  <a:prstClr val="black"/>
+                </a:solidFill>
+                <a:latin typeface="Arial"/>
+              </a:rPr>
+              <a:t>TRIF</a:t>
+            </a:r>
+            <a:r>
+              <a:rPr lang="en-US" sz="900" b="1" i="1" baseline="30000" dirty="0">
+                <a:solidFill>
+                  <a:prstClr val="black"/>
+                </a:solidFill>
+                <a:latin typeface="Arial"/>
+              </a:rPr>
+              <a:t>-/-</a:t>
+            </a:r>
+          </a:p>
+        </p:txBody>
+      </p:sp>
+      <p:sp>
+        <p:nvSpPr>
+          <p:cNvPr id="39" name="TextBox 38"/>
+          <p:cNvSpPr txBox="1"/>
+          <p:nvPr/>
+        </p:nvSpPr>
+        <p:spPr>
+          <a:xfrm rot="16200000">
+            <a:off x="1786035" y="2596126"/>
+            <a:ext cx="841920" cy="229806"/>
+          </a:xfrm>
+          <a:prstGeom prst="rect">
+            <a:avLst/>
+          </a:prstGeom>
+          <a:noFill/>
+        </p:spPr>
+        <p:txBody>
+          <a:bodyPr wrap="square" lIns="82040" tIns="41020" rIns="82040" bIns="41020" rtlCol="0">
+            <a:spAutoFit/>
+          </a:bodyPr>
+          <a:lstStyle/>
+          <a:p>
+            <a:pPr defTabSz="410069"/>
+            <a:r>
+              <a:rPr lang="en-US" sz="900" b="1" i="1" dirty="0">
+                <a:solidFill>
+                  <a:prstClr val="black"/>
+                </a:solidFill>
+                <a:latin typeface="Arial"/>
+              </a:rPr>
+              <a:t>MyD88 -/-</a:t>
+            </a:r>
+          </a:p>
+        </p:txBody>
+      </p:sp>
+      <p:sp>
+        <p:nvSpPr>
+          <p:cNvPr id="40" name="TextBox 39"/>
+          <p:cNvSpPr txBox="1"/>
+          <p:nvPr/>
+        </p:nvSpPr>
+        <p:spPr>
+          <a:xfrm rot="16200000">
+            <a:off x="1951982" y="2590588"/>
+            <a:ext cx="841920" cy="229806"/>
+          </a:xfrm>
+          <a:prstGeom prst="rect">
+            <a:avLst/>
+          </a:prstGeom>
+          <a:noFill/>
+        </p:spPr>
+        <p:txBody>
+          <a:bodyPr wrap="square" lIns="82040" tIns="41020" rIns="82040" bIns="41020" rtlCol="0">
+            <a:spAutoFit/>
+          </a:bodyPr>
+          <a:lstStyle/>
+          <a:p>
+            <a:pPr defTabSz="410069"/>
+            <a:r>
+              <a:rPr lang="en-US" sz="900" b="1" i="1" dirty="0">
+                <a:solidFill>
+                  <a:prstClr val="black"/>
+                </a:solidFill>
+                <a:latin typeface="Arial"/>
+              </a:rPr>
+              <a:t>TRIF -/-</a:t>
+            </a:r>
+          </a:p>
+        </p:txBody>
+      </p:sp>
+      <p:sp>
+        <p:nvSpPr>
+          <p:cNvPr id="41" name="Rectangle 40"/>
+          <p:cNvSpPr/>
+          <p:nvPr/>
+        </p:nvSpPr>
+        <p:spPr>
+          <a:xfrm rot="16200000">
+            <a:off x="2100713" y="3030070"/>
+            <a:ext cx="229871" cy="221341"/>
+          </a:xfrm>
+          <a:prstGeom prst="rect">
+            <a:avLst/>
+          </a:prstGeom>
+        </p:spPr>
+        <p:txBody>
+          <a:bodyPr wrap="none" lIns="82040" tIns="41020" rIns="82040" bIns="41020">
+            <a:spAutoFit/>
+          </a:bodyPr>
+          <a:lstStyle/>
+          <a:p>
+            <a:r>
+              <a:rPr lang="en-US" sz="900" b="1" dirty="0">
+                <a:latin typeface="Arial"/>
+                <a:cs typeface="Arial"/>
+              </a:rPr>
+              <a:t>0</a:t>
+            </a:r>
+          </a:p>
+        </p:txBody>
+      </p:sp>
+      <p:sp>
+        <p:nvSpPr>
+          <p:cNvPr id="42" name="Rectangle 41"/>
+          <p:cNvSpPr/>
+          <p:nvPr/>
+        </p:nvSpPr>
+        <p:spPr>
+          <a:xfrm rot="16200000">
+            <a:off x="2272586" y="3030070"/>
+            <a:ext cx="229871" cy="221341"/>
+          </a:xfrm>
+          <a:prstGeom prst="rect">
+            <a:avLst/>
+          </a:prstGeom>
+        </p:spPr>
+        <p:txBody>
+          <a:bodyPr wrap="none" lIns="82040" tIns="41020" rIns="82040" bIns="41020">
+            <a:spAutoFit/>
+          </a:bodyPr>
+          <a:lstStyle/>
+          <a:p>
+            <a:r>
+              <a:rPr lang="en-US" sz="900" b="1" dirty="0">
+                <a:latin typeface="Arial"/>
+                <a:cs typeface="Arial"/>
+              </a:rPr>
+              <a:t>0</a:t>
+            </a:r>
+          </a:p>
+        </p:txBody>
+      </p:sp>
+      <p:sp>
+        <p:nvSpPr>
+          <p:cNvPr id="43" name="Rectangle 42"/>
+          <p:cNvSpPr/>
+          <p:nvPr/>
+        </p:nvSpPr>
+        <p:spPr>
+          <a:xfrm rot="16200000">
+            <a:off x="2372631" y="2998964"/>
+            <a:ext cx="326127" cy="221341"/>
+          </a:xfrm>
+          <a:prstGeom prst="rect">
+            <a:avLst/>
+          </a:prstGeom>
+        </p:spPr>
+        <p:txBody>
+          <a:bodyPr wrap="none" lIns="82040" tIns="41020" rIns="82040" bIns="41020">
+            <a:spAutoFit/>
+          </a:bodyPr>
+          <a:lstStyle/>
+          <a:p>
+            <a:r>
+              <a:rPr lang="en-US" sz="900" b="1" dirty="0">
+                <a:latin typeface="Arial"/>
+                <a:cs typeface="Arial"/>
+              </a:rPr>
+              <a:t>7.5</a:t>
+            </a:r>
+          </a:p>
+        </p:txBody>
+      </p:sp>
+      <p:sp>
+        <p:nvSpPr>
+          <p:cNvPr id="44" name="Rectangle 43"/>
+          <p:cNvSpPr/>
+          <p:nvPr/>
+        </p:nvSpPr>
+        <p:spPr>
+          <a:xfrm rot="16200000">
+            <a:off x="2521027" y="2998964"/>
+            <a:ext cx="294060" cy="221341"/>
+          </a:xfrm>
+          <a:prstGeom prst="rect">
+            <a:avLst/>
+          </a:prstGeom>
+        </p:spPr>
+        <p:txBody>
+          <a:bodyPr wrap="none" lIns="82040" tIns="41020" rIns="82040" bIns="41020">
+            <a:spAutoFit/>
+          </a:bodyPr>
+          <a:lstStyle/>
+          <a:p>
+            <a:r>
+              <a:rPr lang="en-US" sz="900" b="1" dirty="0">
+                <a:latin typeface="Arial"/>
+                <a:cs typeface="Arial"/>
+              </a:rPr>
+              <a:t>10</a:t>
+            </a:r>
+          </a:p>
+        </p:txBody>
+      </p:sp>
+      <p:sp>
+        <p:nvSpPr>
+          <p:cNvPr id="45" name="Rectangle 44"/>
+          <p:cNvSpPr/>
+          <p:nvPr/>
+        </p:nvSpPr>
+        <p:spPr>
+          <a:xfrm rot="16200000">
+            <a:off x="2659311" y="2998964"/>
+            <a:ext cx="294060" cy="221341"/>
+          </a:xfrm>
+          <a:prstGeom prst="rect">
+            <a:avLst/>
+          </a:prstGeom>
+        </p:spPr>
+        <p:txBody>
+          <a:bodyPr wrap="none" lIns="82040" tIns="41020" rIns="82040" bIns="41020">
+            <a:spAutoFit/>
+          </a:bodyPr>
+          <a:lstStyle/>
+          <a:p>
+            <a:r>
+              <a:rPr lang="en-US" sz="900" b="1" dirty="0">
+                <a:latin typeface="Arial"/>
+                <a:cs typeface="Arial"/>
+              </a:rPr>
+              <a:t>15</a:t>
+            </a:r>
+          </a:p>
+        </p:txBody>
+      </p:sp>
+      <p:sp>
+        <p:nvSpPr>
+          <p:cNvPr id="46" name="Rectangle 45"/>
+          <p:cNvSpPr/>
+          <p:nvPr/>
+        </p:nvSpPr>
+        <p:spPr>
+          <a:xfrm rot="16200000">
+            <a:off x="2801552" y="2998964"/>
+            <a:ext cx="294060" cy="221341"/>
+          </a:xfrm>
+          <a:prstGeom prst="rect">
+            <a:avLst/>
+          </a:prstGeom>
+        </p:spPr>
+        <p:txBody>
+          <a:bodyPr wrap="none" lIns="82040" tIns="41020" rIns="82040" bIns="41020">
+            <a:spAutoFit/>
+          </a:bodyPr>
+          <a:lstStyle/>
+          <a:p>
+            <a:r>
+              <a:rPr lang="en-US" sz="900" b="1" dirty="0">
+                <a:latin typeface="Arial"/>
+                <a:cs typeface="Arial"/>
+              </a:rPr>
+              <a:t>30</a:t>
+            </a:r>
+          </a:p>
+        </p:txBody>
+      </p:sp>
+      <p:sp>
+        <p:nvSpPr>
+          <p:cNvPr id="47" name="Rectangle 46"/>
+          <p:cNvSpPr/>
+          <p:nvPr/>
+        </p:nvSpPr>
+        <p:spPr>
+          <a:xfrm rot="16200000">
+            <a:off x="2933691" y="2998964"/>
+            <a:ext cx="326127" cy="221341"/>
+          </a:xfrm>
+          <a:prstGeom prst="rect">
+            <a:avLst/>
+          </a:prstGeom>
+        </p:spPr>
+        <p:txBody>
+          <a:bodyPr wrap="none" lIns="82040" tIns="41020" rIns="82040" bIns="41020">
+            <a:spAutoFit/>
+          </a:bodyPr>
+          <a:lstStyle/>
+          <a:p>
+            <a:r>
+              <a:rPr lang="en-US" sz="900" b="1" dirty="0">
+                <a:latin typeface="Arial"/>
+                <a:cs typeface="Arial"/>
+              </a:rPr>
+              <a:t>7.5</a:t>
+            </a:r>
+          </a:p>
+        </p:txBody>
+      </p:sp>
+      <p:sp>
+        <p:nvSpPr>
+          <p:cNvPr id="48" name="Rectangle 47"/>
+          <p:cNvSpPr/>
+          <p:nvPr/>
+        </p:nvSpPr>
+        <p:spPr>
+          <a:xfrm rot="16200000">
+            <a:off x="3088007" y="2998964"/>
+            <a:ext cx="294060" cy="221341"/>
+          </a:xfrm>
+          <a:prstGeom prst="rect">
+            <a:avLst/>
+          </a:prstGeom>
+        </p:spPr>
+        <p:txBody>
+          <a:bodyPr wrap="none" lIns="82040" tIns="41020" rIns="82040" bIns="41020">
+            <a:spAutoFit/>
+          </a:bodyPr>
+          <a:lstStyle/>
+          <a:p>
+            <a:r>
+              <a:rPr lang="en-US" sz="900" b="1" dirty="0">
+                <a:latin typeface="Arial"/>
+                <a:cs typeface="Arial"/>
+              </a:rPr>
+              <a:t>10</a:t>
+            </a:r>
+          </a:p>
+        </p:txBody>
+      </p:sp>
+      <p:sp>
+        <p:nvSpPr>
+          <p:cNvPr id="49" name="Rectangle 48"/>
+          <p:cNvSpPr/>
+          <p:nvPr/>
+        </p:nvSpPr>
+        <p:spPr>
+          <a:xfrm rot="16200000">
+            <a:off x="3240130" y="2998964"/>
+            <a:ext cx="294060" cy="221341"/>
+          </a:xfrm>
+          <a:prstGeom prst="rect">
+            <a:avLst/>
+          </a:prstGeom>
+        </p:spPr>
+        <p:txBody>
+          <a:bodyPr wrap="none" lIns="82040" tIns="41020" rIns="82040" bIns="41020">
+            <a:spAutoFit/>
+          </a:bodyPr>
+          <a:lstStyle/>
+          <a:p>
+            <a:r>
+              <a:rPr lang="en-US" sz="900" b="1" dirty="0">
+                <a:latin typeface="Arial"/>
+                <a:cs typeface="Arial"/>
+              </a:rPr>
+              <a:t>15</a:t>
+            </a:r>
+          </a:p>
+        </p:txBody>
+      </p:sp>
+      <p:sp>
+        <p:nvSpPr>
+          <p:cNvPr id="50" name="Rectangle 49"/>
+          <p:cNvSpPr/>
+          <p:nvPr/>
+        </p:nvSpPr>
+        <p:spPr>
+          <a:xfrm rot="16200000">
+            <a:off x="3398179" y="2998964"/>
+            <a:ext cx="294060" cy="221341"/>
+          </a:xfrm>
+          <a:prstGeom prst="rect">
+            <a:avLst/>
+          </a:prstGeom>
+        </p:spPr>
+        <p:txBody>
+          <a:bodyPr wrap="none" lIns="82040" tIns="41020" rIns="82040" bIns="41020">
+            <a:spAutoFit/>
+          </a:bodyPr>
+          <a:lstStyle/>
+          <a:p>
+            <a:r>
+              <a:rPr lang="en-US" sz="900" b="1" dirty="0">
+                <a:latin typeface="Arial"/>
+                <a:cs typeface="Arial"/>
+              </a:rPr>
+              <a:t>30</a:t>
+            </a:r>
+          </a:p>
+        </p:txBody>
+      </p:sp>
+      <p:sp>
+        <p:nvSpPr>
+          <p:cNvPr id="51" name="Rectangle 50"/>
+          <p:cNvSpPr/>
+          <p:nvPr/>
+        </p:nvSpPr>
+        <p:spPr>
+          <a:xfrm rot="16200000">
+            <a:off x="3540185" y="2998964"/>
+            <a:ext cx="326127" cy="221341"/>
+          </a:xfrm>
+          <a:prstGeom prst="rect">
+            <a:avLst/>
+          </a:prstGeom>
+        </p:spPr>
+        <p:txBody>
+          <a:bodyPr wrap="none" lIns="82040" tIns="41020" rIns="82040" bIns="41020">
+            <a:spAutoFit/>
+          </a:bodyPr>
+          <a:lstStyle/>
+          <a:p>
+            <a:r>
+              <a:rPr lang="en-US" sz="900" b="1" dirty="0">
+                <a:latin typeface="Arial"/>
+                <a:cs typeface="Arial"/>
+              </a:rPr>
+              <a:t>7.5</a:t>
+            </a:r>
+          </a:p>
+        </p:txBody>
+      </p:sp>
+      <p:sp>
+        <p:nvSpPr>
+          <p:cNvPr id="52" name="Rectangle 51"/>
+          <p:cNvSpPr/>
+          <p:nvPr/>
+        </p:nvSpPr>
+        <p:spPr>
+          <a:xfrm rot="16200000">
+            <a:off x="3708326" y="2998964"/>
+            <a:ext cx="294060" cy="221341"/>
+          </a:xfrm>
+          <a:prstGeom prst="rect">
+            <a:avLst/>
+          </a:prstGeom>
+        </p:spPr>
+        <p:txBody>
+          <a:bodyPr wrap="none" lIns="82040" tIns="41020" rIns="82040" bIns="41020">
+            <a:spAutoFit/>
+          </a:bodyPr>
+          <a:lstStyle/>
+          <a:p>
+            <a:r>
+              <a:rPr lang="en-US" sz="900" b="1" dirty="0">
+                <a:latin typeface="Arial"/>
+                <a:cs typeface="Arial"/>
+              </a:rPr>
+              <a:t>10</a:t>
+            </a:r>
+          </a:p>
+        </p:txBody>
+      </p:sp>
+      <p:sp>
+        <p:nvSpPr>
+          <p:cNvPr id="53" name="Rectangle 52"/>
+          <p:cNvSpPr/>
+          <p:nvPr/>
+        </p:nvSpPr>
+        <p:spPr>
+          <a:xfrm rot="16200000">
+            <a:off x="3866376" y="2998964"/>
+            <a:ext cx="294060" cy="221341"/>
+          </a:xfrm>
+          <a:prstGeom prst="rect">
+            <a:avLst/>
+          </a:prstGeom>
+        </p:spPr>
+        <p:txBody>
+          <a:bodyPr wrap="none" lIns="82040" tIns="41020" rIns="82040" bIns="41020">
+            <a:spAutoFit/>
+          </a:bodyPr>
+          <a:lstStyle/>
+          <a:p>
+            <a:r>
+              <a:rPr lang="en-US" sz="900" b="1" dirty="0">
+                <a:latin typeface="Arial"/>
+                <a:cs typeface="Arial"/>
+              </a:rPr>
+              <a:t>15</a:t>
+            </a:r>
+          </a:p>
+        </p:txBody>
+      </p:sp>
+      <p:sp>
+        <p:nvSpPr>
+          <p:cNvPr id="54" name="Rectangle 53"/>
+          <p:cNvSpPr/>
+          <p:nvPr/>
+        </p:nvSpPr>
+        <p:spPr>
+          <a:xfrm rot="16200000">
+            <a:off x="4014537" y="2998964"/>
+            <a:ext cx="294060" cy="221341"/>
+          </a:xfrm>
+          <a:prstGeom prst="rect">
+            <a:avLst/>
+          </a:prstGeom>
+        </p:spPr>
+        <p:txBody>
+          <a:bodyPr wrap="none" lIns="82040" tIns="41020" rIns="82040" bIns="41020">
+            <a:spAutoFit/>
+          </a:bodyPr>
+          <a:lstStyle/>
+          <a:p>
+            <a:r>
+              <a:rPr lang="en-US" sz="900" b="1" dirty="0">
+                <a:latin typeface="Arial"/>
+                <a:cs typeface="Arial"/>
+              </a:rPr>
+              <a:t>30</a:t>
+            </a:r>
+          </a:p>
+        </p:txBody>
+      </p:sp>
+      <p:cxnSp>
+        <p:nvCxnSpPr>
+          <p:cNvPr id="55" name="Straight Connector 54"/>
+          <p:cNvCxnSpPr/>
+          <p:nvPr/>
+        </p:nvCxnSpPr>
+        <p:spPr>
+          <a:xfrm>
+            <a:off x="4296523" y="3001756"/>
+            <a:ext cx="535639" cy="1385"/>
+          </a:xfrm>
+          <a:prstGeom prst="line">
+            <a:avLst/>
+          </a:prstGeom>
+          <a:ln>
+            <a:solidFill>
+              <a:schemeClr val="tx1"/>
+            </a:solidFill>
+          </a:ln>
+          <a:effectLst/>
+        </p:spPr>
+        <p:style>
+          <a:lnRef idx="2">
+            <a:schemeClr val="accent1"/>
+          </a:lnRef>
+          <a:fillRef idx="0">
+            <a:schemeClr val="accent1"/>
+          </a:fillRef>
+          <a:effectRef idx="1">
+            <a:schemeClr val="accent1"/>
+          </a:effectRef>
+          <a:fontRef idx="minor">
+            <a:schemeClr val="tx1"/>
+          </a:fontRef>
+        </p:style>
+      </p:cxnSp>
+      <p:sp>
+        <p:nvSpPr>
+          <p:cNvPr id="56" name="Rectangle 55"/>
+          <p:cNvSpPr/>
+          <p:nvPr/>
+        </p:nvSpPr>
+        <p:spPr>
+          <a:xfrm rot="16200000">
+            <a:off x="4176298" y="2993429"/>
+            <a:ext cx="326127" cy="221341"/>
+          </a:xfrm>
+          <a:prstGeom prst="rect">
+            <a:avLst/>
+          </a:prstGeom>
+        </p:spPr>
+        <p:txBody>
+          <a:bodyPr wrap="none" lIns="82040" tIns="41020" rIns="82040" bIns="41020">
+            <a:spAutoFit/>
+          </a:bodyPr>
+          <a:lstStyle/>
+          <a:p>
+            <a:r>
+              <a:rPr lang="en-US" sz="900" b="1" dirty="0">
+                <a:latin typeface="Arial"/>
+                <a:cs typeface="Arial"/>
+              </a:rPr>
+              <a:t>7.5</a:t>
+            </a:r>
+          </a:p>
+        </p:txBody>
+      </p:sp>
+      <p:sp>
+        <p:nvSpPr>
+          <p:cNvPr id="57" name="Rectangle 56"/>
+          <p:cNvSpPr/>
+          <p:nvPr/>
+        </p:nvSpPr>
+        <p:spPr>
+          <a:xfrm rot="16200000">
+            <a:off x="4344439" y="2998964"/>
+            <a:ext cx="294060" cy="221341"/>
+          </a:xfrm>
+          <a:prstGeom prst="rect">
+            <a:avLst/>
+          </a:prstGeom>
+        </p:spPr>
+        <p:txBody>
+          <a:bodyPr wrap="none" lIns="82040" tIns="41020" rIns="82040" bIns="41020">
+            <a:spAutoFit/>
+          </a:bodyPr>
+          <a:lstStyle/>
+          <a:p>
+            <a:r>
+              <a:rPr lang="en-US" sz="900" b="1" dirty="0">
+                <a:latin typeface="Arial"/>
+                <a:cs typeface="Arial"/>
+              </a:rPr>
+              <a:t>10</a:t>
+            </a:r>
+          </a:p>
+        </p:txBody>
+      </p:sp>
+      <p:sp>
+        <p:nvSpPr>
+          <p:cNvPr id="58" name="Rectangle 57"/>
+          <p:cNvSpPr/>
+          <p:nvPr/>
+        </p:nvSpPr>
+        <p:spPr>
+          <a:xfrm rot="16200000">
+            <a:off x="4502489" y="2998964"/>
+            <a:ext cx="294060" cy="221341"/>
+          </a:xfrm>
+          <a:prstGeom prst="rect">
+            <a:avLst/>
+          </a:prstGeom>
+        </p:spPr>
+        <p:txBody>
+          <a:bodyPr wrap="none" lIns="82040" tIns="41020" rIns="82040" bIns="41020">
+            <a:spAutoFit/>
+          </a:bodyPr>
+          <a:lstStyle/>
+          <a:p>
+            <a:r>
+              <a:rPr lang="en-US" sz="900" b="1" dirty="0">
+                <a:latin typeface="Arial"/>
+                <a:cs typeface="Arial"/>
+              </a:rPr>
+              <a:t>15</a:t>
+            </a:r>
+          </a:p>
+        </p:txBody>
+      </p:sp>
+      <p:sp>
+        <p:nvSpPr>
+          <p:cNvPr id="59" name="Rectangle 58"/>
+          <p:cNvSpPr/>
+          <p:nvPr/>
+        </p:nvSpPr>
+        <p:spPr>
+          <a:xfrm rot="16200000">
+            <a:off x="4650650" y="2998964"/>
+            <a:ext cx="294060" cy="221341"/>
+          </a:xfrm>
+          <a:prstGeom prst="rect">
+            <a:avLst/>
+          </a:prstGeom>
+        </p:spPr>
+        <p:txBody>
+          <a:bodyPr wrap="none" lIns="82040" tIns="41020" rIns="82040" bIns="41020">
+            <a:spAutoFit/>
+          </a:bodyPr>
+          <a:lstStyle/>
+          <a:p>
+            <a:r>
+              <a:rPr lang="en-US" sz="900" b="1" dirty="0">
+                <a:latin typeface="Arial"/>
+                <a:cs typeface="Arial"/>
+              </a:rPr>
+              <a:t>30</a:t>
+            </a:r>
+          </a:p>
+        </p:txBody>
+      </p:sp>
+      <p:sp>
+        <p:nvSpPr>
+          <p:cNvPr id="60" name="Rectangle 59"/>
+          <p:cNvSpPr/>
+          <p:nvPr/>
+        </p:nvSpPr>
+        <p:spPr>
+          <a:xfrm>
+            <a:off x="275304" y="4377348"/>
+            <a:ext cx="6271491" cy="252118"/>
+          </a:xfrm>
+          <a:prstGeom prst="rect">
+            <a:avLst/>
+          </a:prstGeom>
+        </p:spPr>
+        <p:txBody>
+          <a:bodyPr wrap="square" lIns="82040" tIns="41020" rIns="82040" bIns="41020">
+            <a:spAutoFit/>
+          </a:bodyPr>
+          <a:lstStyle/>
+          <a:p>
+            <a:r>
+              <a:rPr lang="en-US" sz="1100" b="1" dirty="0">
+                <a:latin typeface="Arial"/>
+                <a:cs typeface="Arial"/>
+              </a:rPr>
+              <a:t>Figure S4. </a:t>
+            </a:r>
+            <a:r>
+              <a:rPr lang="en-US" sz="1100" dirty="0">
+                <a:latin typeface="Arial"/>
+                <a:cs typeface="Arial"/>
+              </a:rPr>
+              <a:t>The measurements of IKK activity (</a:t>
+            </a:r>
+            <a:r>
+              <a:rPr lang="en-US" sz="1100" i="1" dirty="0">
+                <a:latin typeface="Arial"/>
+                <a:cs typeface="Arial"/>
+              </a:rPr>
+              <a:t>left</a:t>
+            </a:r>
+            <a:r>
+              <a:rPr lang="en-US" sz="1100" dirty="0">
+                <a:latin typeface="Arial"/>
+                <a:cs typeface="Arial"/>
+              </a:rPr>
+              <a:t>) and quantification of the peak level (</a:t>
+            </a:r>
+            <a:r>
+              <a:rPr lang="en-US" sz="1100" i="1" dirty="0">
+                <a:latin typeface="Arial"/>
+                <a:cs typeface="Arial"/>
+              </a:rPr>
+              <a:t>right</a:t>
+            </a:r>
+            <a:r>
+              <a:rPr lang="en-US" sz="1100" dirty="0">
+                <a:latin typeface="Arial"/>
+                <a:cs typeface="Arial"/>
+              </a:rPr>
+              <a:t>).</a:t>
+            </a:r>
+          </a:p>
+        </p:txBody>
+      </p:sp>
+      <p:sp>
+        <p:nvSpPr>
+          <p:cNvPr id="61" name="Rectangle 60"/>
+          <p:cNvSpPr/>
+          <p:nvPr/>
+        </p:nvSpPr>
+        <p:spPr>
+          <a:xfrm>
+            <a:off x="5456061" y="8318604"/>
+            <a:ext cx="927009" cy="329062"/>
+          </a:xfrm>
+          <a:prstGeom prst="rect">
+            <a:avLst/>
+          </a:prstGeom>
+        </p:spPr>
+        <p:txBody>
+          <a:bodyPr wrap="none" lIns="82040" tIns="41020" rIns="82040" bIns="41020">
+            <a:spAutoFit/>
+          </a:bodyPr>
+          <a:lstStyle/>
+          <a:p>
+            <a:r>
+              <a:rPr lang="en-US" dirty="0">
+                <a:solidFill>
+                  <a:schemeClr val="bg1">
+                    <a:lumMod val="50000"/>
+                  </a:schemeClr>
+                </a:solidFill>
+              </a:rPr>
+              <a:t>Figure </a:t>
+            </a:r>
+            <a:r>
+              <a:rPr lang="en-US" dirty="0" smtClean="0">
+                <a:solidFill>
+                  <a:schemeClr val="bg1">
+                    <a:lumMod val="50000"/>
+                  </a:schemeClr>
+                </a:solidFill>
+              </a:rPr>
+              <a:t>S4</a:t>
+            </a:r>
+            <a:endParaRPr lang="en-US" dirty="0">
+              <a:solidFill>
+                <a:schemeClr val="bg1">
+                  <a:lumMod val="50000"/>
+                </a:schemeClr>
+              </a:solidFill>
+            </a:endParaRPr>
+          </a:p>
+        </p:txBody>
+      </p:sp>
+    </p:spTree>
+    <p:extLst>
+      <p:ext uri="{BB962C8B-B14F-4D97-AF65-F5344CB8AC3E}">
+        <p14:creationId xmlns:p14="http://schemas.microsoft.com/office/powerpoint/2010/main" val="4158610182"/>
+      </p:ext>
+    </p:extLst>
+  </p:cSld>
+  <p:clrMapOvr>
+    <a:masterClrMapping/>
+  </p:clrMapOvr>
+</p:sld>
+</file>
+
+<file path=ppt/slides/slide11.xml><?xml version="1.0" encoding="utf-8"?>
+<p:sld xmlns:a="http://schemas.openxmlformats.org/drawingml/2006/main" xmlns:r="http://schemas.openxmlformats.org/officeDocument/2006/relationships" xmlns:p="http://schemas.openxmlformats.org/presentationml/2006/main">
+  <p:cSld>
+    <p:spTree>
+      <p:nvGrpSpPr>
+        <p:cNvPr id="1" name=""/>
+        <p:cNvGrpSpPr/>
+        <p:nvPr/>
+      </p:nvGrpSpPr>
+      <p:grpSpPr>
+        <a:xfrm>
+          <a:off x="0" y="0"/>
+          <a:ext cx="0" cy="0"/>
+          <a:chOff x="0" y="0"/>
+          <a:chExt cx="0" cy="0"/>
+        </a:xfrm>
+      </p:grpSpPr>
+      <p:pic>
+        <p:nvPicPr>
+          <p:cNvPr id="2" name="Picture 1" descr="halfPeakSens.eps"/>
+          <p:cNvPicPr>
+            <a:picLocks noChangeAspect="1"/>
+          </p:cNvPicPr>
+          <p:nvPr/>
+        </p:nvPicPr>
+        <p:blipFill>
+          <a:blip r:embed="rId2">
+            <a:extLst>
+              <a:ext uri="{28A0092B-C50C-407E-A947-70E740481C1C}">
+                <a14:useLocalDpi xmlns:a14="http://schemas.microsoft.com/office/drawing/2010/main"/>
+              </a:ext>
+            </a:extLst>
+          </a:blip>
+          <a:stretch>
+            <a:fillRect/>
+          </a:stretch>
+        </p:blipFill>
+        <p:spPr>
+          <a:xfrm>
+            <a:off x="0" y="461579"/>
+            <a:ext cx="6187440" cy="4830225"/>
+          </a:xfrm>
+          <a:prstGeom prst="rect">
+            <a:avLst/>
+          </a:prstGeom>
+        </p:spPr>
+      </p:pic>
+      <p:sp>
+        <p:nvSpPr>
+          <p:cNvPr id="3" name="Rectangle 2"/>
+          <p:cNvSpPr/>
+          <p:nvPr/>
+        </p:nvSpPr>
+        <p:spPr>
+          <a:xfrm>
+            <a:off x="1102360" y="4383157"/>
+            <a:ext cx="2375555" cy="329062"/>
+          </a:xfrm>
+          <a:prstGeom prst="rect">
+            <a:avLst/>
+          </a:prstGeom>
+          <a:ln>
+            <a:solidFill>
+              <a:srgbClr val="000000"/>
+            </a:solidFill>
+            <a:prstDash val="sysDash"/>
+          </a:ln>
+        </p:spPr>
+        <p:txBody>
+          <a:bodyPr wrap="none" lIns="82040" tIns="41020" rIns="82040" bIns="41020">
+            <a:spAutoFit/>
+          </a:bodyPr>
+          <a:lstStyle/>
+          <a:p>
+            <a:r>
+              <a:rPr lang="en-US" dirty="0" smtClean="0"/>
+              <a:t>k</a:t>
+            </a:r>
+            <a:r>
+              <a:rPr lang="en-US" baseline="-25000" dirty="0" smtClean="0"/>
+              <a:t>gTLR4</a:t>
+            </a:r>
+            <a:r>
+              <a:rPr lang="en-US" dirty="0" smtClean="0"/>
+              <a:t>:TLR4 generation rate</a:t>
+            </a:r>
+            <a:endParaRPr lang="en-US" baseline="-25000" dirty="0"/>
+          </a:p>
+        </p:txBody>
+      </p:sp>
+      <p:cxnSp>
+        <p:nvCxnSpPr>
+          <p:cNvPr id="4" name="Straight Arrow Connector 3"/>
+          <p:cNvCxnSpPr/>
+          <p:nvPr/>
+        </p:nvCxnSpPr>
+        <p:spPr>
+          <a:xfrm>
+            <a:off x="892522" y="4485726"/>
+            <a:ext cx="209839" cy="67136"/>
+          </a:xfrm>
+          <a:prstGeom prst="straightConnector1">
+            <a:avLst/>
+          </a:prstGeom>
+          <a:ln w="38100" cmpd="sng">
+            <a:solidFill>
+              <a:schemeClr val="tx1"/>
+            </a:solidFill>
+            <a:headEnd type="none"/>
+            <a:tailEnd type="triangle"/>
+          </a:ln>
+          <a:effectLst/>
+        </p:spPr>
+        <p:style>
+          <a:lnRef idx="2">
+            <a:schemeClr val="accent1"/>
+          </a:lnRef>
+          <a:fillRef idx="0">
+            <a:schemeClr val="accent1"/>
+          </a:fillRef>
+          <a:effectRef idx="1">
+            <a:schemeClr val="accent1"/>
+          </a:effectRef>
+          <a:fontRef idx="minor">
+            <a:schemeClr val="tx1"/>
+          </a:fontRef>
+        </p:style>
+      </p:cxnSp>
+      <p:sp>
+        <p:nvSpPr>
+          <p:cNvPr id="5" name="Rectangle 4"/>
+          <p:cNvSpPr/>
+          <p:nvPr/>
+        </p:nvSpPr>
+        <p:spPr>
+          <a:xfrm>
+            <a:off x="2667000" y="882135"/>
+            <a:ext cx="2752928" cy="329062"/>
+          </a:xfrm>
+          <a:prstGeom prst="rect">
+            <a:avLst/>
+          </a:prstGeom>
+          <a:ln>
+            <a:solidFill>
+              <a:srgbClr val="FF0000"/>
+            </a:solidFill>
+            <a:prstDash val="sysDash"/>
+          </a:ln>
+        </p:spPr>
+        <p:txBody>
+          <a:bodyPr wrap="none" lIns="82040" tIns="41020" rIns="82040" bIns="41020">
+            <a:spAutoFit/>
+          </a:bodyPr>
+          <a:lstStyle/>
+          <a:p>
+            <a:r>
+              <a:rPr lang="en-US" dirty="0" smtClean="0">
+                <a:solidFill>
+                  <a:srgbClr val="FF0000"/>
+                </a:solidFill>
+              </a:rPr>
+              <a:t>k</a:t>
+            </a:r>
+            <a:r>
+              <a:rPr lang="en-US" baseline="-25000" dirty="0" smtClean="0">
+                <a:solidFill>
+                  <a:srgbClr val="FF0000"/>
+                </a:solidFill>
+              </a:rPr>
+              <a:t>mMyD88</a:t>
+            </a:r>
+            <a:r>
+              <a:rPr lang="en-US" dirty="0" smtClean="0">
+                <a:solidFill>
+                  <a:srgbClr val="FF0000"/>
+                </a:solidFill>
+              </a:rPr>
+              <a:t>:MyD88 activation EC50</a:t>
+            </a:r>
+            <a:endParaRPr lang="en-US" baseline="-25000" dirty="0">
+              <a:solidFill>
+                <a:srgbClr val="FF0000"/>
+              </a:solidFill>
+            </a:endParaRPr>
+          </a:p>
+        </p:txBody>
+      </p:sp>
+      <p:cxnSp>
+        <p:nvCxnSpPr>
+          <p:cNvPr id="6" name="Straight Arrow Connector 5"/>
+          <p:cNvCxnSpPr/>
+          <p:nvPr/>
+        </p:nvCxnSpPr>
+        <p:spPr>
+          <a:xfrm flipH="1" flipV="1">
+            <a:off x="5666633" y="1059786"/>
+            <a:ext cx="271887" cy="66467"/>
+          </a:xfrm>
+          <a:prstGeom prst="straightConnector1">
+            <a:avLst/>
+          </a:prstGeom>
+          <a:ln w="38100" cmpd="sng">
+            <a:solidFill>
+              <a:srgbClr val="FF0000"/>
+            </a:solidFill>
+            <a:headEnd type="none"/>
+            <a:tailEnd type="triangle"/>
+          </a:ln>
+          <a:effectLst/>
+        </p:spPr>
+        <p:style>
+          <a:lnRef idx="2">
+            <a:schemeClr val="accent1"/>
+          </a:lnRef>
+          <a:fillRef idx="0">
+            <a:schemeClr val="accent1"/>
+          </a:fillRef>
+          <a:effectRef idx="1">
+            <a:schemeClr val="accent1"/>
+          </a:effectRef>
+          <a:fontRef idx="minor">
+            <a:schemeClr val="tx1"/>
+          </a:fontRef>
+        </p:style>
+      </p:cxnSp>
+      <p:sp>
+        <p:nvSpPr>
+          <p:cNvPr id="7" name="Rectangle 6"/>
+          <p:cNvSpPr/>
+          <p:nvPr/>
+        </p:nvSpPr>
+        <p:spPr>
+          <a:xfrm>
+            <a:off x="2931181" y="1431508"/>
+            <a:ext cx="2488733" cy="329062"/>
+          </a:xfrm>
+          <a:prstGeom prst="rect">
+            <a:avLst/>
+          </a:prstGeom>
+          <a:ln>
+            <a:solidFill>
+              <a:srgbClr val="000000"/>
+            </a:solidFill>
+            <a:prstDash val="sysDash"/>
+          </a:ln>
+        </p:spPr>
+        <p:txBody>
+          <a:bodyPr wrap="none" lIns="82040" tIns="41020" rIns="82040" bIns="41020">
+            <a:spAutoFit/>
+          </a:bodyPr>
+          <a:lstStyle/>
+          <a:p>
+            <a:r>
+              <a:rPr lang="en-US" dirty="0" smtClean="0"/>
+              <a:t>k</a:t>
+            </a:r>
+            <a:r>
+              <a:rPr lang="en-US" baseline="-25000" dirty="0"/>
+              <a:t>d</a:t>
+            </a:r>
+            <a:r>
+              <a:rPr lang="en-US" baseline="-25000" dirty="0" smtClean="0"/>
+              <a:t>TLR4</a:t>
+            </a:r>
+            <a:r>
+              <a:rPr lang="en-US" dirty="0" smtClean="0"/>
+              <a:t>:TLR4 degradation rate</a:t>
+            </a:r>
+            <a:endParaRPr lang="en-US" baseline="-25000" dirty="0"/>
+          </a:p>
+        </p:txBody>
+      </p:sp>
+      <p:cxnSp>
+        <p:nvCxnSpPr>
+          <p:cNvPr id="8" name="Straight Arrow Connector 7"/>
+          <p:cNvCxnSpPr/>
+          <p:nvPr/>
+        </p:nvCxnSpPr>
+        <p:spPr>
+          <a:xfrm flipH="1">
+            <a:off x="5546604" y="1634250"/>
+            <a:ext cx="240057" cy="0"/>
+          </a:xfrm>
+          <a:prstGeom prst="straightConnector1">
+            <a:avLst/>
+          </a:prstGeom>
+          <a:ln w="38100" cmpd="sng">
+            <a:solidFill>
+              <a:schemeClr val="tx1"/>
+            </a:solidFill>
+            <a:headEnd type="none"/>
+            <a:tailEnd type="triangle"/>
+          </a:ln>
+          <a:effectLst/>
+        </p:spPr>
+        <p:style>
+          <a:lnRef idx="2">
+            <a:schemeClr val="accent1"/>
+          </a:lnRef>
+          <a:fillRef idx="0">
+            <a:schemeClr val="accent1"/>
+          </a:fillRef>
+          <a:effectRef idx="1">
+            <a:schemeClr val="accent1"/>
+          </a:effectRef>
+          <a:fontRef idx="minor">
+            <a:schemeClr val="tx1"/>
+          </a:fontRef>
+        </p:style>
+      </p:cxnSp>
+      <p:sp>
+        <p:nvSpPr>
           <p:cNvPr id="9" name="Rectangle 8"/>
           <p:cNvSpPr/>
           <p:nvPr/>
@@ -12597,7 +14761,7 @@
 </p:sld>
 </file>
 
-<file path=ppt/slides/slide11.xml><?xml version="1.0" encoding="utf-8"?>
+<file path=ppt/slides/slide12.xml><?xml version="1.0" encoding="utf-8"?>
 <p:sld xmlns:a="http://schemas.openxmlformats.org/drawingml/2006/main" xmlns:r="http://schemas.openxmlformats.org/officeDocument/2006/relationships" xmlns:p="http://schemas.openxmlformats.org/presentationml/2006/main">
   <p:cSld>
     <p:spTree>
@@ -17168,20 +19332,55 @@
                 <a:latin typeface="Arial"/>
                 <a:cs typeface="Arial"/>
               </a:rPr>
-              <a:t> </a:t>
+              <a:t> response duration (i.e. time when </a:t>
+            </a:r>
+            <a:r>
+              <a:rPr lang="en-US" sz="1100" dirty="0" err="1" smtClean="0">
+                <a:latin typeface="Arial"/>
+                <a:cs typeface="Arial"/>
+              </a:rPr>
+              <a:t>NFκBn</a:t>
             </a:r>
             <a:r>
               <a:rPr lang="en-US" sz="1100" dirty="0" smtClean="0">
                 <a:latin typeface="Arial"/>
                 <a:cs typeface="Arial"/>
               </a:rPr>
-              <a:t>response duration (i.e. time when </a:t>
+              <a:t> &gt; 50 </a:t>
             </a:r>
             <a:r>
               <a:rPr lang="en-US" sz="1100" dirty="0" err="1" smtClean="0">
                 <a:latin typeface="Arial"/>
                 <a:cs typeface="Arial"/>
               </a:rPr>
+              <a:t>nM</a:t>
+            </a:r>
+            <a:r>
+              <a:rPr lang="en-US" sz="1100" dirty="0" smtClean="0">
+                <a:latin typeface="Arial"/>
+                <a:cs typeface="Arial"/>
+              </a:rPr>
+              <a:t>) vs. the LPS doses. (</a:t>
+            </a:r>
+            <a:r>
+              <a:rPr lang="en-US" sz="1100" i="1" dirty="0" smtClean="0">
+                <a:latin typeface="Arial"/>
+                <a:cs typeface="Arial"/>
+              </a:rPr>
+              <a:t>C</a:t>
+            </a:r>
+            <a:r>
+              <a:rPr lang="en-US" sz="1100" dirty="0" smtClean="0">
+                <a:latin typeface="Arial"/>
+                <a:cs typeface="Arial"/>
+              </a:rPr>
+              <a:t>) The </a:t>
+            </a:r>
+            <a:r>
+              <a:rPr lang="en-US" sz="1100" dirty="0" err="1" smtClean="0">
+                <a:latin typeface="Arial"/>
+                <a:cs typeface="Arial"/>
+              </a:rPr>
               <a:t>NFκBn</a:t>
             </a:r>
             <a:r>
@@ -17189,84 +19388,21 @@
                 <a:latin typeface="Arial"/>
                 <a:cs typeface="Arial"/>
               </a:rPr>
-              <a:t> </a:t>
+              <a:t> response speed (defined by the time </a:t>
+            </a:r>
+            <a:r>
+              <a:rPr lang="en-US" sz="1100" dirty="0" err="1" smtClean="0">
+                <a:latin typeface="Arial"/>
+                <a:cs typeface="Arial"/>
+              </a:rPr>
+              <a:t>NFκBn</a:t>
             </a:r>
             <a:r>
               <a:rPr lang="en-US" sz="1100" dirty="0" smtClean="0">
                 <a:latin typeface="Arial"/>
                 <a:cs typeface="Arial"/>
               </a:rPr>
-              <a:t>&gt; 50 </a:t>
-            </a:r>
-            <a:r>
-              <a:rPr lang="en-US" sz="1100" dirty="0" err="1" smtClean="0">
-                <a:latin typeface="Arial"/>
-                <a:cs typeface="Arial"/>
-              </a:rPr>
-              <a:t>nM</a:t>
-            </a:r>
-            <a:r>
-              <a:rPr lang="en-US" sz="1100" dirty="0" smtClean="0">
-                <a:latin typeface="Arial"/>
-                <a:cs typeface="Arial"/>
-              </a:rPr>
-              <a:t>) vs. the LPS doses. (</a:t>
-            </a:r>
-            <a:r>
-              <a:rPr lang="en-US" sz="1100" i="1" dirty="0" smtClean="0">
-                <a:latin typeface="Arial"/>
-                <a:cs typeface="Arial"/>
-              </a:rPr>
-              <a:t>C</a:t>
-            </a:r>
-            <a:r>
-              <a:rPr lang="en-US" sz="1100" dirty="0" smtClean="0">
-                <a:latin typeface="Arial"/>
-                <a:cs typeface="Arial"/>
-              </a:rPr>
-              <a:t>) The </a:t>
-            </a:r>
-            <a:r>
-              <a:rPr lang="en-US" sz="1100" dirty="0" err="1" smtClean="0">
-                <a:latin typeface="Arial"/>
-                <a:cs typeface="Arial"/>
-              </a:rPr>
-              <a:t>NFκBn</a:t>
-            </a:r>
-            <a:r>
-              <a:rPr lang="en-US" sz="1100" dirty="0" smtClean="0">
-                <a:latin typeface="Arial"/>
-                <a:cs typeface="Arial"/>
-              </a:rPr>
-              <a:t> </a:t>
-            </a:r>
-            <a:r>
-              <a:rPr lang="en-US" sz="1100" dirty="0" smtClean="0">
-                <a:latin typeface="Arial"/>
-                <a:cs typeface="Arial"/>
-              </a:rPr>
-              <a:t>response speed (defined by the time </a:t>
-            </a:r>
-            <a:r>
-              <a:rPr lang="en-US" sz="1100" dirty="0" err="1" smtClean="0">
-                <a:latin typeface="Arial"/>
-                <a:cs typeface="Arial"/>
-              </a:rPr>
-              <a:t>NFκBn</a:t>
-            </a:r>
-            <a:r>
-              <a:rPr lang="en-US" sz="1100" dirty="0" smtClean="0">
-                <a:latin typeface="Arial"/>
-                <a:cs typeface="Arial"/>
-              </a:rPr>
-              <a:t> </a:t>
-            </a:r>
-            <a:r>
-              <a:rPr lang="en-US" sz="1100" dirty="0" smtClean="0">
-                <a:latin typeface="Arial"/>
-                <a:cs typeface="Arial"/>
-              </a:rPr>
-              <a:t>level first reaches half of the peak level) vs. LPS doses. (</a:t>
+              <a:t> level first reaches half of the peak level) vs. LPS doses. (</a:t>
             </a:r>
             <a:r>
               <a:rPr lang="en-US" sz="1100" i="1" dirty="0" smtClean="0">
@@ -19928,6 +22064,206 @@
 </file>
 
 <file path=ppt/slides/slide4.xml><?xml version="1.0" encoding="utf-8"?>
+<p:sld xmlns:a="http://schemas.openxmlformats.org/drawingml/2006/main" xmlns:r="http://schemas.openxmlformats.org/officeDocument/2006/relationships" xmlns:p="http://schemas.openxmlformats.org/presentationml/2006/main">
+  <p:cSld>
+    <p:spTree>
+      <p:nvGrpSpPr>
+        <p:cNvPr id="1" name=""/>
+        <p:cNvGrpSpPr/>
+        <p:nvPr/>
+      </p:nvGrpSpPr>
+      <p:grpSpPr>
+        <a:xfrm>
+          <a:off x="0" y="0"/>
+          <a:ext cx="0" cy="0"/>
+          <a:chOff x="0" y="0"/>
+          <a:chExt cx="0" cy="0"/>
+        </a:xfrm>
+      </p:grpSpPr>
+      <p:pic>
+        <p:nvPicPr>
+          <p:cNvPr id="2" name="Picture 1" descr="fig3b.pdf"/>
+          <p:cNvPicPr>
+            <a:picLocks noChangeAspect="1"/>
+          </p:cNvPicPr>
+          <p:nvPr/>
+        </p:nvPicPr>
+        <p:blipFill rotWithShape="1">
+          <a:blip r:embed="rId2">
+            <a:extLst>
+              <a:ext uri="{28A0092B-C50C-407E-A947-70E740481C1C}">
+                <a14:useLocalDpi xmlns:a14="http://schemas.microsoft.com/office/drawing/2010/main" val="0"/>
+              </a:ext>
+            </a:extLst>
+          </a:blip>
+          <a:srcRect t="20185" r="2549" b="18704"/>
+          <a:stretch/>
+        </p:blipFill>
+        <p:spPr>
+          <a:xfrm>
+            <a:off x="-191330" y="567261"/>
+            <a:ext cx="6256482" cy="5077359"/>
+          </a:xfrm>
+          <a:prstGeom prst="rect">
+            <a:avLst/>
+          </a:prstGeom>
+        </p:spPr>
+      </p:pic>
+      <p:sp>
+        <p:nvSpPr>
+          <p:cNvPr id="3" name="Right Triangle 2"/>
+          <p:cNvSpPr/>
+          <p:nvPr/>
+        </p:nvSpPr>
+        <p:spPr>
+          <a:xfrm>
+            <a:off x="545675" y="5644620"/>
+            <a:ext cx="1854200" cy="364592"/>
+          </a:xfrm>
+          <a:prstGeom prst="rtTriangle">
+            <a:avLst/>
+          </a:prstGeom>
+          <a:gradFill flip="none" rotWithShape="1">
+            <a:gsLst>
+              <a:gs pos="0">
+                <a:srgbClr val="FF0000"/>
+              </a:gs>
+              <a:gs pos="100000">
+                <a:srgbClr val="FFFFFF"/>
+              </a:gs>
+            </a:gsLst>
+            <a:lin ang="0" scaled="1"/>
+            <a:tileRect/>
+          </a:gradFill>
+          <a:ln>
+            <a:noFill/>
+          </a:ln>
+        </p:spPr>
+        <p:style>
+          <a:lnRef idx="1">
+            <a:schemeClr val="accent1"/>
+          </a:lnRef>
+          <a:fillRef idx="3">
+            <a:schemeClr val="accent1"/>
+          </a:fillRef>
+          <a:effectRef idx="2">
+            <a:schemeClr val="accent1"/>
+          </a:effectRef>
+          <a:fontRef idx="minor">
+            <a:schemeClr val="lt1"/>
+          </a:fontRef>
+        </p:style>
+        <p:txBody>
+          <a:bodyPr rtlCol="0" anchor="ctr"/>
+          <a:lstStyle/>
+          <a:p>
+            <a:pPr algn="ctr"/>
+            <a:endParaRPr lang="en-US"/>
+          </a:p>
+        </p:txBody>
+      </p:sp>
+      <p:sp>
+        <p:nvSpPr>
+          <p:cNvPr id="4" name="Rectangle 3"/>
+          <p:cNvSpPr/>
+          <p:nvPr/>
+        </p:nvSpPr>
+        <p:spPr>
+          <a:xfrm>
+            <a:off x="2066038" y="5947339"/>
+            <a:ext cx="642273" cy="369332"/>
+          </a:xfrm>
+          <a:prstGeom prst="rect">
+            <a:avLst/>
+          </a:prstGeom>
+        </p:spPr>
+        <p:txBody>
+          <a:bodyPr wrap="none">
+            <a:spAutoFit/>
+          </a:bodyPr>
+          <a:lstStyle/>
+          <a:p>
+            <a:r>
+              <a:rPr lang="en-US" dirty="0"/>
+              <a:t>n = 2</a:t>
+            </a:r>
+          </a:p>
+        </p:txBody>
+      </p:sp>
+      <p:sp>
+        <p:nvSpPr>
+          <p:cNvPr id="5" name="Rectangle 4"/>
+          <p:cNvSpPr/>
+          <p:nvPr/>
+        </p:nvSpPr>
+        <p:spPr>
+          <a:xfrm>
+            <a:off x="249938" y="5979089"/>
+            <a:ext cx="817539" cy="369332"/>
+          </a:xfrm>
+          <a:prstGeom prst="rect">
+            <a:avLst/>
+          </a:prstGeom>
+        </p:spPr>
+        <p:txBody>
+          <a:bodyPr wrap="none">
+            <a:spAutoFit/>
+          </a:bodyPr>
+          <a:lstStyle/>
+          <a:p>
+            <a:r>
+              <a:rPr lang="en-US" dirty="0"/>
+              <a:t>n = </a:t>
+            </a:r>
+            <a:r>
+              <a:rPr lang="en-US" dirty="0" smtClean="0"/>
+              <a:t>3.2</a:t>
+            </a:r>
+            <a:endParaRPr lang="en-US" dirty="0"/>
+          </a:p>
+        </p:txBody>
+      </p:sp>
+      <p:pic>
+        <p:nvPicPr>
+          <p:cNvPr id="6" name="Picture 5"/>
+          <p:cNvPicPr>
+            <a:picLocks noChangeAspect="1"/>
+          </p:cNvPicPr>
+          <p:nvPr/>
+        </p:nvPicPr>
+        <p:blipFill>
+          <a:blip r:embed="rId3"/>
+          <a:stretch>
+            <a:fillRect/>
+          </a:stretch>
+        </p:blipFill>
+        <p:spPr>
+          <a:xfrm>
+            <a:off x="3171269" y="5499188"/>
+            <a:ext cx="1281680" cy="754193"/>
+          </a:xfrm>
+          <a:prstGeom prst="rect">
+            <a:avLst/>
+          </a:prstGeom>
+          <a:solidFill>
+            <a:schemeClr val="bg1"/>
+          </a:solidFill>
+        </p:spPr>
+      </p:pic>
+    </p:spTree>
+    <p:extLst>
+      <p:ext uri="{BB962C8B-B14F-4D97-AF65-F5344CB8AC3E}">
+        <p14:creationId xmlns:p14="http://schemas.microsoft.com/office/powerpoint/2010/main" val="1095519684"/>
+      </p:ext>
+    </p:extLst>
+  </p:cSld>
+  <p:clrMapOvr>
+    <a:masterClrMapping/>
+  </p:clrMapOvr>
+</p:sld>
+</file>
+
+<file path=ppt/slides/slide5.xml><?xml version="1.0" encoding="utf-8"?>
 <p:sld xmlns:a="http://schemas.openxmlformats.org/drawingml/2006/main" xmlns:r="http://schemas.openxmlformats.org/officeDocument/2006/relationships" xmlns:p="http://schemas.openxmlformats.org/presentationml/2006/main">
   <p:cSld>
     <p:spTree>
@@ -27572,7 +29908,7 @@
 </p:sld>
 </file>
 
-<file path=ppt/slides/slide5.xml><?xml version="1.0" encoding="utf-8"?>
+<file path=ppt/slides/slide6.xml><?xml version="1.0" encoding="utf-8"?>
 <p:sld xmlns:a="http://schemas.openxmlformats.org/drawingml/2006/main" xmlns:r="http://schemas.openxmlformats.org/officeDocument/2006/relationships" xmlns:p="http://schemas.openxmlformats.org/presentationml/2006/main">
   <p:cSld>
     <p:spTree>
@@ -29858,7 +32194,7 @@
         </p:nvSpPr>
         <p:spPr>
           <a:xfrm>
-            <a:off x="1" y="6730223"/>
+            <a:off x="0" y="6730223"/>
             <a:ext cx="6271491" cy="590672"/>
           </a:xfrm>
           <a:prstGeom prst="rect">
@@ -32057,149 +34393,6 @@
 </p:sld>
 </file>
 
-<file path=ppt/slides/slide6.xml><?xml version="1.0" encoding="utf-8"?>
-<p:sld xmlns:a="http://schemas.openxmlformats.org/drawingml/2006/main" xmlns:r="http://schemas.openxmlformats.org/officeDocument/2006/relationships" xmlns:p="http://schemas.openxmlformats.org/presentationml/2006/main">
-  <p:cSld>
-    <p:spTree>
-      <p:nvGrpSpPr>
-        <p:cNvPr id="1" name=""/>
-        <p:cNvGrpSpPr/>
-        <p:nvPr/>
-      </p:nvGrpSpPr>
-      <p:grpSpPr>
-        <a:xfrm>
-          <a:off x="0" y="0"/>
-          <a:ext cx="0" cy="0"/>
-          <a:chOff x="0" y="0"/>
-          <a:chExt cx="0" cy="0"/>
-        </a:xfrm>
-      </p:grpSpPr>
-      <p:sp>
-        <p:nvSpPr>
-          <p:cNvPr id="3" name="Rectangle 2"/>
-          <p:cNvSpPr/>
-          <p:nvPr/>
-        </p:nvSpPr>
-        <p:spPr>
-          <a:xfrm>
-            <a:off x="5456061" y="8318604"/>
-            <a:ext cx="927009" cy="329062"/>
-          </a:xfrm>
-          <a:prstGeom prst="rect">
-            <a:avLst/>
-          </a:prstGeom>
-        </p:spPr>
-        <p:txBody>
-          <a:bodyPr wrap="none" lIns="82040" tIns="41020" rIns="82040" bIns="41020">
-            <a:spAutoFit/>
-          </a:bodyPr>
-          <a:lstStyle/>
-          <a:p>
-            <a:r>
-              <a:rPr lang="en-US" dirty="0">
-                <a:solidFill>
-                  <a:schemeClr val="bg1">
-                    <a:lumMod val="50000"/>
-                  </a:schemeClr>
-                </a:solidFill>
-              </a:rPr>
-              <a:t>Figure </a:t>
-            </a:r>
-            <a:r>
-              <a:rPr lang="en-US" dirty="0" smtClean="0">
-                <a:solidFill>
-                  <a:schemeClr val="bg1">
-                    <a:lumMod val="50000"/>
-                  </a:schemeClr>
-                </a:solidFill>
-              </a:rPr>
-              <a:t>S1</a:t>
-            </a:r>
-            <a:endParaRPr lang="en-US" dirty="0">
-              <a:solidFill>
-                <a:schemeClr val="bg1">
-                  <a:lumMod val="50000"/>
-                </a:schemeClr>
-              </a:solidFill>
-            </a:endParaRPr>
-          </a:p>
-        </p:txBody>
-      </p:sp>
-      <p:pic>
-        <p:nvPicPr>
-          <p:cNvPr id="2" name="Picture 1"/>
-          <p:cNvPicPr>
-            <a:picLocks noChangeAspect="1"/>
-          </p:cNvPicPr>
-          <p:nvPr/>
-        </p:nvPicPr>
-        <p:blipFill>
-          <a:blip r:embed="rId2"/>
-          <a:stretch>
-            <a:fillRect/>
-          </a:stretch>
-        </p:blipFill>
-        <p:spPr>
-          <a:xfrm>
-            <a:off x="26342" y="321259"/>
-            <a:ext cx="6400800" cy="4001573"/>
-          </a:xfrm>
-          <a:prstGeom prst="rect">
-            <a:avLst/>
-          </a:prstGeom>
-        </p:spPr>
-      </p:pic>
-      <p:sp>
-        <p:nvSpPr>
-          <p:cNvPr id="4" name="Rectangle 3"/>
-          <p:cNvSpPr/>
-          <p:nvPr/>
-        </p:nvSpPr>
-        <p:spPr>
-          <a:xfrm>
-            <a:off x="1" y="4985831"/>
-            <a:ext cx="6271491" cy="590672"/>
-          </a:xfrm>
-          <a:prstGeom prst="rect">
-            <a:avLst/>
-          </a:prstGeom>
-        </p:spPr>
-        <p:txBody>
-          <a:bodyPr wrap="square" lIns="82040" tIns="41020" rIns="82040" bIns="41020">
-            <a:spAutoFit/>
-          </a:bodyPr>
-          <a:lstStyle/>
-          <a:p>
-            <a:r>
-              <a:rPr lang="en-US" sz="1100" b="1" dirty="0">
-                <a:latin typeface="Arial"/>
-                <a:cs typeface="Arial"/>
-              </a:rPr>
-              <a:t>Figure S1. Schematic diagram of the model reaction network. </a:t>
-            </a:r>
-            <a:r>
-              <a:rPr lang="en-US" sz="1100" dirty="0">
-                <a:latin typeface="Arial"/>
-                <a:cs typeface="Arial"/>
-              </a:rPr>
-              <a:t>The model is comprised of four modules that are colored by square blocks. The numbers adjacent to the reaction arrows indicate model parameters, which are listed in supplemental table. </a:t>
-            </a:r>
-          </a:p>
-        </p:txBody>
-      </p:sp>
-    </p:spTree>
-    <p:extLst>
-      <p:ext uri="{BB962C8B-B14F-4D97-AF65-F5344CB8AC3E}">
-        <p14:creationId xmlns:p14="http://schemas.microsoft.com/office/powerpoint/2010/main" val="1858746103"/>
-      </p:ext>
-    </p:extLst>
-  </p:cSld>
-  <p:clrMapOvr>
-    <a:masterClrMapping/>
-  </p:clrMapOvr>
-</p:sld>
-</file>
-
 <file path=ppt/slides/slide7.xml><?xml version="1.0" encoding="utf-8"?>
 <p:sld xmlns:a="http://schemas.openxmlformats.org/drawingml/2006/main" xmlns:r="http://schemas.openxmlformats.org/officeDocument/2006/relationships" xmlns:p="http://schemas.openxmlformats.org/presentationml/2006/main">
   <p:cSld>
@@ -32256,7 +34449,7 @@
                   </a:schemeClr>
                 </a:solidFill>
               </a:rPr>
-              <a:t>S2</a:t>
+              <a:t>S1</a:t>
             </a:r>
             <a:endParaRPr lang="en-US" dirty="0">
               <a:solidFill>
@@ -32270,7 +34463,7 @@
       </p:sp>
       <p:pic>
         <p:nvPicPr>
-          <p:cNvPr id="4" name="Picture 3"/>
+          <p:cNvPr id="2" name="Picture 1"/>
           <p:cNvPicPr>
             <a:picLocks noChangeAspect="1"/>
           </p:cNvPicPr>
@@ -32284,8 +34477,8 @@
         </p:blipFill>
         <p:spPr>
           <a:xfrm>
-            <a:off x="0" y="596362"/>
-            <a:ext cx="6400800" cy="3357622"/>
+            <a:off x="26342" y="321259"/>
+            <a:ext cx="6400800" cy="4001573"/>
           </a:xfrm>
           <a:prstGeom prst="rect">
             <a:avLst/>
@@ -32294,13 +34487,13 @@
       </p:pic>
       <p:sp>
         <p:nvSpPr>
-          <p:cNvPr id="6" name="Rectangle 5"/>
-          <p:cNvSpPr/>
-          <p:nvPr/>
-        </p:nvSpPr>
-        <p:spPr>
-          <a:xfrm>
-            <a:off x="1" y="4502432"/>
+          <p:cNvPr id="4" name="Rectangle 3"/>
+          <p:cNvSpPr/>
+          <p:nvPr/>
+        </p:nvSpPr>
+        <p:spPr>
+          <a:xfrm>
+            <a:off x="1" y="4985831"/>
             <a:ext cx="6271491" cy="590672"/>
           </a:xfrm>
           <a:prstGeom prst="rect">
@@ -32318,196 +34511,14 @@
                 <a:latin typeface="Arial"/>
                 <a:cs typeface="Arial"/>
               </a:rPr>
-              <a:t>Figure S2. Dose-responses predicted by the model for </a:t>
-            </a:r>
-            <a:r>
-              <a:rPr lang="en-US" sz="1100" b="1" dirty="0" err="1">
-                <a:latin typeface="Arial"/>
-                <a:cs typeface="Arial"/>
-              </a:rPr>
-              <a:t>wt</a:t>
-            </a:r>
-            <a:r>
-              <a:rPr lang="en-US" sz="1100" b="1" dirty="0">
-                <a:latin typeface="Arial"/>
-                <a:cs typeface="Arial"/>
-              </a:rPr>
-              <a:t>,</a:t>
-            </a:r>
-            <a:r>
-              <a:rPr lang="en-US" sz="1100" b="1" i="1" dirty="0">
-                <a:latin typeface="Arial"/>
-                <a:cs typeface="Arial"/>
-              </a:rPr>
-              <a:t> trif</a:t>
-            </a:r>
-            <a:r>
-              <a:rPr lang="en-US" sz="1100" b="1" i="1" baseline="30000" dirty="0">
-                <a:latin typeface="Arial"/>
-                <a:cs typeface="Arial"/>
-              </a:rPr>
-              <a:t>−/−</a:t>
-            </a:r>
-            <a:r>
-              <a:rPr lang="en-US" sz="1100" b="1" dirty="0">
-                <a:latin typeface="Arial"/>
-                <a:cs typeface="Arial"/>
-              </a:rPr>
-              <a:t>,</a:t>
-            </a:r>
-            <a:r>
-              <a:rPr lang="en-US" sz="1100" b="1" i="1" dirty="0">
-                <a:latin typeface="Arial"/>
-                <a:cs typeface="Arial"/>
-              </a:rPr>
-              <a:t> </a:t>
-            </a:r>
-            <a:r>
-              <a:rPr lang="en-US" sz="1100" b="1" dirty="0">
-                <a:latin typeface="Arial"/>
-                <a:cs typeface="Arial"/>
-              </a:rPr>
-              <a:t>and </a:t>
-            </a:r>
-            <a:r>
-              <a:rPr lang="en-US" sz="1100" b="1" i="1" dirty="0">
-                <a:latin typeface="Arial"/>
-                <a:cs typeface="Arial"/>
-              </a:rPr>
-              <a:t>myd88</a:t>
-            </a:r>
-            <a:r>
-              <a:rPr lang="en-US" sz="1100" b="1" i="1" baseline="30000" dirty="0">
-                <a:latin typeface="Arial"/>
-                <a:cs typeface="Arial"/>
-              </a:rPr>
-              <a:t>−/−</a:t>
-            </a:r>
-            <a:r>
-              <a:rPr lang="en-US" sz="1100" b="1" dirty="0">
-                <a:latin typeface="Arial"/>
-                <a:cs typeface="Arial"/>
-              </a:rPr>
-              <a:t>. </a:t>
+              <a:t>Figure S1. Schematic diagram of the model reaction network. </a:t>
             </a:r>
             <a:r>
               <a:rPr lang="en-US" sz="1100" dirty="0">
                 <a:latin typeface="Arial"/>
                 <a:cs typeface="Arial"/>
               </a:rPr>
-              <a:t>Simulated time-course dose response of IKK (</a:t>
-            </a:r>
-            <a:r>
-              <a:rPr lang="en-US" sz="1100" i="1" dirty="0">
-                <a:latin typeface="Arial"/>
-                <a:cs typeface="Arial"/>
-              </a:rPr>
-              <a:t>A</a:t>
-            </a:r>
-            <a:r>
-              <a:rPr lang="en-US" sz="1100" dirty="0">
-                <a:latin typeface="Arial"/>
-                <a:cs typeface="Arial"/>
-              </a:rPr>
-              <a:t>), nuclear </a:t>
-            </a:r>
-            <a:r>
-              <a:rPr lang="en-US" sz="1100" dirty="0" smtClean="0">
-                <a:latin typeface="Arial"/>
-                <a:cs typeface="Arial"/>
-              </a:rPr>
-              <a:t>NFκB </a:t>
-            </a:r>
-            <a:r>
-              <a:rPr lang="en-US" sz="1100" dirty="0">
-                <a:latin typeface="Arial"/>
-                <a:cs typeface="Arial"/>
-              </a:rPr>
-              <a:t>(</a:t>
-            </a:r>
-            <a:r>
-              <a:rPr lang="en-US" sz="1100" i="1" dirty="0">
-                <a:latin typeface="Arial"/>
-                <a:cs typeface="Arial"/>
-              </a:rPr>
-              <a:t>B</a:t>
-            </a:r>
-            <a:r>
-              <a:rPr lang="en-US" sz="1100" dirty="0">
-                <a:latin typeface="Arial"/>
-                <a:cs typeface="Arial"/>
-              </a:rPr>
-              <a:t>) and IRF3 (</a:t>
-            </a:r>
-            <a:r>
-              <a:rPr lang="en-US" sz="1100" i="1" dirty="0">
-                <a:latin typeface="Arial"/>
-                <a:cs typeface="Arial"/>
-              </a:rPr>
-              <a:t>C</a:t>
-            </a:r>
-            <a:r>
-              <a:rPr lang="en-US" sz="1100" dirty="0">
-                <a:latin typeface="Arial"/>
-                <a:cs typeface="Arial"/>
-              </a:rPr>
-              <a:t>) activities in </a:t>
-            </a:r>
-            <a:r>
-              <a:rPr lang="en-US" sz="1100" i="1" dirty="0">
-                <a:latin typeface="Arial"/>
-                <a:cs typeface="Arial"/>
-              </a:rPr>
-              <a:t>trif</a:t>
-            </a:r>
-            <a:r>
-              <a:rPr lang="en-US" sz="1100" i="1" baseline="30000" dirty="0">
-                <a:latin typeface="Arial"/>
-                <a:cs typeface="Arial"/>
-              </a:rPr>
-              <a:t>−/−</a:t>
-            </a:r>
-            <a:r>
-              <a:rPr lang="en-US" sz="1100" dirty="0">
-                <a:latin typeface="Arial"/>
-                <a:cs typeface="Arial"/>
-              </a:rPr>
-              <a:t>, </a:t>
-            </a:r>
-            <a:r>
-              <a:rPr lang="en-US" sz="1100" i="1" dirty="0">
-                <a:latin typeface="Arial"/>
-                <a:cs typeface="Arial"/>
-              </a:rPr>
-              <a:t>myd88</a:t>
-            </a:r>
-            <a:r>
-              <a:rPr lang="en-US" sz="1100" i="1" baseline="30000" dirty="0">
-                <a:latin typeface="Arial"/>
-                <a:cs typeface="Arial"/>
-              </a:rPr>
-              <a:t>−/−</a:t>
-            </a:r>
-            <a:r>
-              <a:rPr lang="en-US" sz="1100" dirty="0">
-                <a:latin typeface="Arial"/>
-                <a:cs typeface="Arial"/>
-              </a:rPr>
-              <a:t> and </a:t>
-            </a:r>
-            <a:r>
-              <a:rPr lang="en-US" sz="1100" dirty="0" err="1">
-                <a:latin typeface="Arial"/>
-                <a:cs typeface="Arial"/>
-              </a:rPr>
-              <a:t>wt</a:t>
-            </a:r>
-            <a:r>
-              <a:rPr lang="en-US" sz="1100" dirty="0">
-                <a:latin typeface="Arial"/>
-                <a:cs typeface="Arial"/>
-              </a:rPr>
-              <a:t> conditions for LPS concentration ranging from 0.1 ng/ml to 100 ng/ml.</a:t>
+              <a:t>The model is comprised of four modules that are colored by square blocks. The numbers adjacent to the reaction arrows indicate model parameters, which are listed in supplemental table. </a:t>
             </a:r>
           </a:p>
         </p:txBody>
@@ -32515,7 +34526,7 @@
     </p:spTree>
     <p:extLst>
       <p:ext uri="{BB962C8B-B14F-4D97-AF65-F5344CB8AC3E}">
-        <p14:creationId xmlns:p14="http://schemas.microsoft.com/office/powerpoint/2010/main" val="788576916"/>
+        <p14:creationId xmlns:p14="http://schemas.microsoft.com/office/powerpoint/2010/main" val="1858746103"/>
       </p:ext>
     </p:extLst>
   </p:cSld>
@@ -32542,6 +34553,331 @@
           <a:chExt cx="0" cy="0"/>
         </a:xfrm>
       </p:grpSpPr>
+      <p:sp>
+        <p:nvSpPr>
+          <p:cNvPr id="3" name="Rectangle 2"/>
+          <p:cNvSpPr/>
+          <p:nvPr/>
+        </p:nvSpPr>
+        <p:spPr>
+          <a:xfrm>
+            <a:off x="5456061" y="8318604"/>
+            <a:ext cx="927009" cy="329062"/>
+          </a:xfrm>
+          <a:prstGeom prst="rect">
+            <a:avLst/>
+          </a:prstGeom>
+        </p:spPr>
+        <p:txBody>
+          <a:bodyPr wrap="none" lIns="82040" tIns="41020" rIns="82040" bIns="41020">
+            <a:spAutoFit/>
+          </a:bodyPr>
+          <a:lstStyle/>
+          <a:p>
+            <a:r>
+              <a:rPr lang="en-US" dirty="0">
+                <a:solidFill>
+                  <a:schemeClr val="bg1">
+                    <a:lumMod val="50000"/>
+                  </a:schemeClr>
+                </a:solidFill>
+              </a:rPr>
+              <a:t>Figure </a:t>
+            </a:r>
+            <a:r>
+              <a:rPr lang="en-US" dirty="0" smtClean="0">
+                <a:solidFill>
+                  <a:schemeClr val="bg1">
+                    <a:lumMod val="50000"/>
+                  </a:schemeClr>
+                </a:solidFill>
+              </a:rPr>
+              <a:t>S2</a:t>
+            </a:r>
+            <a:endParaRPr lang="en-US" dirty="0">
+              <a:solidFill>
+                <a:schemeClr val="bg1">
+                  <a:lumMod val="50000"/>
+                </a:schemeClr>
+              </a:solidFill>
+            </a:endParaRPr>
+          </a:p>
+        </p:txBody>
+      </p:sp>
+      <p:pic>
+        <p:nvPicPr>
+          <p:cNvPr id="4" name="Picture 3"/>
+          <p:cNvPicPr>
+            <a:picLocks noChangeAspect="1"/>
+          </p:cNvPicPr>
+          <p:nvPr/>
+        </p:nvPicPr>
+        <p:blipFill>
+          <a:blip r:embed="rId2"/>
+          <a:stretch>
+            <a:fillRect/>
+          </a:stretch>
+        </p:blipFill>
+        <p:spPr>
+          <a:xfrm>
+            <a:off x="0" y="596362"/>
+            <a:ext cx="6400800" cy="3357622"/>
+          </a:xfrm>
+          <a:prstGeom prst="rect">
+            <a:avLst/>
+          </a:prstGeom>
+        </p:spPr>
+      </p:pic>
+      <p:sp>
+        <p:nvSpPr>
+          <p:cNvPr id="6" name="Rectangle 5"/>
+          <p:cNvSpPr/>
+          <p:nvPr/>
+        </p:nvSpPr>
+        <p:spPr>
+          <a:xfrm>
+            <a:off x="1" y="4502432"/>
+            <a:ext cx="6271491" cy="590672"/>
+          </a:xfrm>
+          <a:prstGeom prst="rect">
+            <a:avLst/>
+          </a:prstGeom>
+        </p:spPr>
+        <p:txBody>
+          <a:bodyPr wrap="square" lIns="82040" tIns="41020" rIns="82040" bIns="41020">
+            <a:spAutoFit/>
+          </a:bodyPr>
+          <a:lstStyle/>
+          <a:p>
+            <a:r>
+              <a:rPr lang="en-US" sz="1100" b="1" dirty="0">
+                <a:latin typeface="Arial"/>
+                <a:cs typeface="Arial"/>
+              </a:rPr>
+              <a:t>Figure S2. Dose-responses predicted by the model for </a:t>
+            </a:r>
+            <a:r>
+              <a:rPr lang="en-US" sz="1100" b="1" dirty="0" err="1">
+                <a:latin typeface="Arial"/>
+                <a:cs typeface="Arial"/>
+              </a:rPr>
+              <a:t>wt</a:t>
+            </a:r>
+            <a:r>
+              <a:rPr lang="en-US" sz="1100" b="1" dirty="0">
+                <a:latin typeface="Arial"/>
+                <a:cs typeface="Arial"/>
+              </a:rPr>
+              <a:t>,</a:t>
+            </a:r>
+            <a:r>
+              <a:rPr lang="en-US" sz="1100" b="1" i="1" dirty="0">
+                <a:latin typeface="Arial"/>
+                <a:cs typeface="Arial"/>
+              </a:rPr>
+              <a:t> trif</a:t>
+            </a:r>
+            <a:r>
+              <a:rPr lang="en-US" sz="1100" b="1" i="1" baseline="30000" dirty="0">
+                <a:latin typeface="Arial"/>
+                <a:cs typeface="Arial"/>
+              </a:rPr>
+              <a:t>−/−</a:t>
+            </a:r>
+            <a:r>
+              <a:rPr lang="en-US" sz="1100" b="1" dirty="0">
+                <a:latin typeface="Arial"/>
+                <a:cs typeface="Arial"/>
+              </a:rPr>
+              <a:t>,</a:t>
+            </a:r>
+            <a:r>
+              <a:rPr lang="en-US" sz="1100" b="1" i="1" dirty="0">
+                <a:latin typeface="Arial"/>
+                <a:cs typeface="Arial"/>
+              </a:rPr>
+              <a:t> </a:t>
+            </a:r>
+            <a:r>
+              <a:rPr lang="en-US" sz="1100" b="1" dirty="0">
+                <a:latin typeface="Arial"/>
+                <a:cs typeface="Arial"/>
+              </a:rPr>
+              <a:t>and </a:t>
+            </a:r>
+            <a:r>
+              <a:rPr lang="en-US" sz="1100" b="1" i="1" dirty="0">
+                <a:latin typeface="Arial"/>
+                <a:cs typeface="Arial"/>
+              </a:rPr>
+              <a:t>myd88</a:t>
+            </a:r>
+            <a:r>
+              <a:rPr lang="en-US" sz="1100" b="1" i="1" baseline="30000" dirty="0">
+                <a:latin typeface="Arial"/>
+                <a:cs typeface="Arial"/>
+              </a:rPr>
+              <a:t>−/−</a:t>
+            </a:r>
+            <a:r>
+              <a:rPr lang="en-US" sz="1100" b="1" dirty="0">
+                <a:latin typeface="Arial"/>
+                <a:cs typeface="Arial"/>
+              </a:rPr>
+              <a:t>. </a:t>
+            </a:r>
+            <a:r>
+              <a:rPr lang="en-US" sz="1100" dirty="0">
+                <a:latin typeface="Arial"/>
+                <a:cs typeface="Arial"/>
+              </a:rPr>
+              <a:t>Simulated time-course dose response of IKK (</a:t>
+            </a:r>
+            <a:r>
+              <a:rPr lang="en-US" sz="1100" i="1" dirty="0">
+                <a:latin typeface="Arial"/>
+                <a:cs typeface="Arial"/>
+              </a:rPr>
+              <a:t>A</a:t>
+            </a:r>
+            <a:r>
+              <a:rPr lang="en-US" sz="1100" dirty="0">
+                <a:latin typeface="Arial"/>
+                <a:cs typeface="Arial"/>
+              </a:rPr>
+              <a:t>), nuclear </a:t>
+            </a:r>
+            <a:r>
+              <a:rPr lang="en-US" sz="1100" dirty="0" smtClean="0">
+                <a:latin typeface="Arial"/>
+                <a:cs typeface="Arial"/>
+              </a:rPr>
+              <a:t>NFκB </a:t>
+            </a:r>
+            <a:r>
+              <a:rPr lang="en-US" sz="1100" dirty="0">
+                <a:latin typeface="Arial"/>
+                <a:cs typeface="Arial"/>
+              </a:rPr>
+              <a:t>(</a:t>
+            </a:r>
+            <a:r>
+              <a:rPr lang="en-US" sz="1100" i="1" dirty="0">
+                <a:latin typeface="Arial"/>
+                <a:cs typeface="Arial"/>
+              </a:rPr>
+              <a:t>B</a:t>
+            </a:r>
+            <a:r>
+              <a:rPr lang="en-US" sz="1100" dirty="0">
+                <a:latin typeface="Arial"/>
+                <a:cs typeface="Arial"/>
+              </a:rPr>
+              <a:t>) and IRF3 (</a:t>
+            </a:r>
+            <a:r>
+              <a:rPr lang="en-US" sz="1100" i="1" dirty="0">
+                <a:latin typeface="Arial"/>
+                <a:cs typeface="Arial"/>
+              </a:rPr>
+              <a:t>C</a:t>
+            </a:r>
+            <a:r>
+              <a:rPr lang="en-US" sz="1100" dirty="0">
+                <a:latin typeface="Arial"/>
+                <a:cs typeface="Arial"/>
+              </a:rPr>
+              <a:t>) activities in </a:t>
+            </a:r>
+            <a:r>
+              <a:rPr lang="en-US" sz="1100" i="1" dirty="0">
+                <a:latin typeface="Arial"/>
+                <a:cs typeface="Arial"/>
+              </a:rPr>
+              <a:t>trif</a:t>
+            </a:r>
+            <a:r>
+              <a:rPr lang="en-US" sz="1100" i="1" baseline="30000" dirty="0">
+                <a:latin typeface="Arial"/>
+                <a:cs typeface="Arial"/>
+              </a:rPr>
+              <a:t>−/−</a:t>
+            </a:r>
+            <a:r>
+              <a:rPr lang="en-US" sz="1100" dirty="0">
+                <a:latin typeface="Arial"/>
+                <a:cs typeface="Arial"/>
+              </a:rPr>
+              <a:t>, </a:t>
+            </a:r>
+            <a:r>
+              <a:rPr lang="en-US" sz="1100" i="1" dirty="0">
+                <a:latin typeface="Arial"/>
+                <a:cs typeface="Arial"/>
+              </a:rPr>
+              <a:t>myd88</a:t>
+            </a:r>
+            <a:r>
+              <a:rPr lang="en-US" sz="1100" i="1" baseline="30000" dirty="0">
+                <a:latin typeface="Arial"/>
+                <a:cs typeface="Arial"/>
+              </a:rPr>
+              <a:t>−/−</a:t>
+            </a:r>
+            <a:r>
+              <a:rPr lang="en-US" sz="1100" dirty="0">
+                <a:latin typeface="Arial"/>
+                <a:cs typeface="Arial"/>
+              </a:rPr>
+              <a:t> and </a:t>
+            </a:r>
+            <a:r>
+              <a:rPr lang="en-US" sz="1100" dirty="0" err="1">
+                <a:latin typeface="Arial"/>
+                <a:cs typeface="Arial"/>
+              </a:rPr>
+              <a:t>wt</a:t>
+            </a:r>
+            <a:r>
+              <a:rPr lang="en-US" sz="1100" dirty="0">
+                <a:latin typeface="Arial"/>
+                <a:cs typeface="Arial"/>
+              </a:rPr>
+              <a:t> conditions for LPS concentration ranging from 0.1 ng/ml to 100 ng/ml.</a:t>
+            </a:r>
+          </a:p>
+        </p:txBody>
+      </p:sp>
+    </p:spTree>
+    <p:extLst>
+      <p:ext uri="{BB962C8B-B14F-4D97-AF65-F5344CB8AC3E}">
+        <p14:creationId xmlns:p14="http://schemas.microsoft.com/office/powerpoint/2010/main" val="788576916"/>
+      </p:ext>
+    </p:extLst>
+  </p:cSld>
+  <p:clrMapOvr>
+    <a:masterClrMapping/>
+  </p:clrMapOvr>
+</p:sld>
+</file>
+
+<file path=ppt/slides/slide9.xml><?xml version="1.0" encoding="utf-8"?>
+<p:sld xmlns:a="http://schemas.openxmlformats.org/drawingml/2006/main" xmlns:r="http://schemas.openxmlformats.org/officeDocument/2006/relationships" xmlns:p="http://schemas.openxmlformats.org/presentationml/2006/main">
+  <p:cSld>
+    <p:spTree>
+      <p:nvGrpSpPr>
+        <p:cNvPr id="1" name=""/>
+        <p:cNvGrpSpPr/>
+        <p:nvPr/>
+      </p:nvGrpSpPr>
+      <p:grpSpPr>
+        <a:xfrm>
+          <a:off x="0" y="0"/>
+          <a:ext cx="0" cy="0"/>
+          <a:chOff x="0" y="0"/>
+          <a:chExt cx="0" cy="0"/>
+        </a:xfrm>
+      </p:grpSpPr>
       <p:pic>
         <p:nvPicPr>
           <p:cNvPr id="3" name="Picture 2" descr="Rplot14.pdf"/>
@@ -34124,2169 +36460,6 @@
       </p:par>
     </p:tnLst>
   </p:timing>
-</p:sld>
-</file>
-
-<file path=ppt/slides/slide9.xml><?xml version="1.0" encoding="utf-8"?>
-<p:sld xmlns:a="http://schemas.openxmlformats.org/drawingml/2006/main" xmlns:r="http://schemas.openxmlformats.org/officeDocument/2006/relationships" xmlns:p="http://schemas.openxmlformats.org/presentationml/2006/main">
-  <p:cSld>
-    <p:spTree>
-      <p:nvGrpSpPr>
-        <p:cNvPr id="1" name=""/>
-        <p:cNvGrpSpPr/>
-        <p:nvPr/>
-      </p:nvGrpSpPr>
-      <p:grpSpPr>
-        <a:xfrm>
-          <a:off x="0" y="0"/>
-          <a:ext cx="0" cy="0"/>
-          <a:chOff x="0" y="0"/>
-          <a:chExt cx="0" cy="0"/>
-        </a:xfrm>
-      </p:grpSpPr>
-      <p:pic>
-        <p:nvPicPr>
-          <p:cNvPr id="2" name="Picture 1" descr="KA092811.tif"/>
-          <p:cNvPicPr>
-            <a:picLocks noChangeAspect="1"/>
-          </p:cNvPicPr>
-          <p:nvPr/>
-        </p:nvPicPr>
-        <p:blipFill rotWithShape="1">
-          <a:blip r:embed="rId2" cstate="print">
-            <a:extLst>
-              <a:ext uri="{28A0092B-C50C-407E-A947-70E740481C1C}">
-                <a14:useLocalDpi xmlns:a14="http://schemas.microsoft.com/office/drawing/2010/main"/>
-              </a:ext>
-            </a:extLst>
-          </a:blip>
-          <a:srcRect l="4002" t="-1" r="5053" b="9815"/>
-          <a:stretch/>
-        </p:blipFill>
-        <p:spPr>
-          <a:xfrm>
-            <a:off x="2129459" y="2197765"/>
-            <a:ext cx="2232377" cy="316502"/>
-          </a:xfrm>
-          <a:prstGeom prst="rect">
-            <a:avLst/>
-          </a:prstGeom>
-          <a:ln>
-            <a:solidFill>
-              <a:schemeClr val="tx1"/>
-            </a:solidFill>
-          </a:ln>
-        </p:spPr>
-      </p:pic>
-      <p:pic>
-        <p:nvPicPr>
-          <p:cNvPr id="3" name="Picture 2" descr="KA092811.tif"/>
-          <p:cNvPicPr>
-            <a:picLocks noChangeAspect="1"/>
-          </p:cNvPicPr>
-          <p:nvPr/>
-        </p:nvPicPr>
-        <p:blipFill rotWithShape="1">
-          <a:blip r:embed="rId3" cstate="print">
-            <a:extLst>
-              <a:ext uri="{28A0092B-C50C-407E-A947-70E740481C1C}">
-                <a14:useLocalDpi xmlns:a14="http://schemas.microsoft.com/office/drawing/2010/main"/>
-              </a:ext>
-            </a:extLst>
-          </a:blip>
-          <a:srcRect l="2988" t="-1" r="4750" b="3245"/>
-          <a:stretch/>
-        </p:blipFill>
-        <p:spPr>
-          <a:xfrm>
-            <a:off x="2129458" y="3205357"/>
-            <a:ext cx="2755900" cy="333608"/>
-          </a:xfrm>
-          <a:prstGeom prst="rect">
-            <a:avLst/>
-          </a:prstGeom>
-          <a:ln>
-            <a:solidFill>
-              <a:schemeClr val="tx1"/>
-            </a:solidFill>
-          </a:ln>
-        </p:spPr>
-      </p:pic>
-      <p:cxnSp>
-        <p:nvCxnSpPr>
-          <p:cNvPr id="4" name="Straight Connector 3"/>
-          <p:cNvCxnSpPr/>
-          <p:nvPr/>
-        </p:nvCxnSpPr>
-        <p:spPr>
-          <a:xfrm>
-            <a:off x="2473974" y="2001055"/>
-            <a:ext cx="402433" cy="1385"/>
-          </a:xfrm>
-          <a:prstGeom prst="line">
-            <a:avLst/>
-          </a:prstGeom>
-          <a:ln>
-            <a:solidFill>
-              <a:schemeClr val="tx1"/>
-            </a:solidFill>
-          </a:ln>
-          <a:effectLst/>
-        </p:spPr>
-        <p:style>
-          <a:lnRef idx="2">
-            <a:schemeClr val="accent1"/>
-          </a:lnRef>
-          <a:fillRef idx="0">
-            <a:schemeClr val="accent1"/>
-          </a:fillRef>
-          <a:effectRef idx="1">
-            <a:schemeClr val="accent1"/>
-          </a:effectRef>
-          <a:fontRef idx="minor">
-            <a:schemeClr val="tx1"/>
-          </a:fontRef>
-        </p:style>
-      </p:cxnSp>
-      <p:cxnSp>
-        <p:nvCxnSpPr>
-          <p:cNvPr id="5" name="Straight Connector 4"/>
-          <p:cNvCxnSpPr/>
-          <p:nvPr/>
-        </p:nvCxnSpPr>
-        <p:spPr>
-          <a:xfrm>
-            <a:off x="2950350" y="2001055"/>
-            <a:ext cx="402433" cy="1385"/>
-          </a:xfrm>
-          <a:prstGeom prst="line">
-            <a:avLst/>
-          </a:prstGeom>
-          <a:ln>
-            <a:solidFill>
-              <a:schemeClr val="tx1"/>
-            </a:solidFill>
-          </a:ln>
-          <a:effectLst/>
-        </p:spPr>
-        <p:style>
-          <a:lnRef idx="2">
-            <a:schemeClr val="accent1"/>
-          </a:lnRef>
-          <a:fillRef idx="0">
-            <a:schemeClr val="accent1"/>
-          </a:fillRef>
-          <a:effectRef idx="1">
-            <a:schemeClr val="accent1"/>
-          </a:effectRef>
-          <a:fontRef idx="minor">
-            <a:schemeClr val="tx1"/>
-          </a:fontRef>
-        </p:style>
-      </p:cxnSp>
-      <p:cxnSp>
-        <p:nvCxnSpPr>
-          <p:cNvPr id="6" name="Straight Connector 5"/>
-          <p:cNvCxnSpPr/>
-          <p:nvPr/>
-        </p:nvCxnSpPr>
-        <p:spPr>
-          <a:xfrm>
-            <a:off x="3416846" y="2001055"/>
-            <a:ext cx="402433" cy="1385"/>
-          </a:xfrm>
-          <a:prstGeom prst="line">
-            <a:avLst/>
-          </a:prstGeom>
-          <a:ln>
-            <a:solidFill>
-              <a:schemeClr val="tx1"/>
-            </a:solidFill>
-          </a:ln>
-          <a:effectLst/>
-        </p:spPr>
-        <p:style>
-          <a:lnRef idx="2">
-            <a:schemeClr val="accent1"/>
-          </a:lnRef>
-          <a:fillRef idx="0">
-            <a:schemeClr val="accent1"/>
-          </a:fillRef>
-          <a:effectRef idx="1">
-            <a:schemeClr val="accent1"/>
-          </a:effectRef>
-          <a:fontRef idx="minor">
-            <a:schemeClr val="tx1"/>
-          </a:fontRef>
-        </p:style>
-      </p:cxnSp>
-      <p:sp>
-        <p:nvSpPr>
-          <p:cNvPr id="7" name="TextBox 6"/>
-          <p:cNvSpPr txBox="1"/>
-          <p:nvPr/>
-        </p:nvSpPr>
-        <p:spPr>
-          <a:xfrm>
-            <a:off x="2252421" y="1803549"/>
-            <a:ext cx="900853" cy="221341"/>
-          </a:xfrm>
-          <a:prstGeom prst="rect">
-            <a:avLst/>
-          </a:prstGeom>
-          <a:noFill/>
-        </p:spPr>
-        <p:txBody>
-          <a:bodyPr wrap="square" lIns="82040" tIns="41020" rIns="82040" bIns="41020" rtlCol="0">
-            <a:spAutoFit/>
-          </a:bodyPr>
-          <a:lstStyle/>
-          <a:p>
-            <a:pPr algn="ctr" defTabSz="410069"/>
-            <a:r>
-              <a:rPr lang="en-US" sz="900" b="1" i="1" dirty="0">
-                <a:solidFill>
-                  <a:prstClr val="black"/>
-                </a:solidFill>
-                <a:latin typeface="Arial"/>
-              </a:rPr>
-              <a:t>MyD88</a:t>
-            </a:r>
-            <a:r>
-              <a:rPr lang="en-US" sz="900" b="1" i="1" baseline="30000" dirty="0">
-                <a:solidFill>
-                  <a:prstClr val="black"/>
-                </a:solidFill>
-                <a:latin typeface="Arial"/>
-              </a:rPr>
-              <a:t>-/-</a:t>
-            </a:r>
-          </a:p>
-        </p:txBody>
-      </p:sp>
-      <p:sp>
-        <p:nvSpPr>
-          <p:cNvPr id="8" name="TextBox 7"/>
-          <p:cNvSpPr txBox="1"/>
-          <p:nvPr/>
-        </p:nvSpPr>
-        <p:spPr>
-          <a:xfrm>
-            <a:off x="2706802" y="1803549"/>
-            <a:ext cx="900853" cy="221341"/>
-          </a:xfrm>
-          <a:prstGeom prst="rect">
-            <a:avLst/>
-          </a:prstGeom>
-          <a:noFill/>
-        </p:spPr>
-        <p:txBody>
-          <a:bodyPr wrap="square" lIns="82040" tIns="41020" rIns="82040" bIns="41020" rtlCol="0">
-            <a:spAutoFit/>
-          </a:bodyPr>
-          <a:lstStyle/>
-          <a:p>
-            <a:pPr algn="ctr" defTabSz="410069"/>
-            <a:r>
-              <a:rPr lang="en-US" sz="900" b="1" i="1" dirty="0">
-                <a:solidFill>
-                  <a:prstClr val="black"/>
-                </a:solidFill>
-                <a:latin typeface="Arial"/>
-              </a:rPr>
-              <a:t>TRIF</a:t>
-            </a:r>
-            <a:r>
-              <a:rPr lang="en-US" sz="900" b="1" i="1" baseline="30000" dirty="0">
-                <a:solidFill>
-                  <a:prstClr val="black"/>
-                </a:solidFill>
-                <a:latin typeface="Arial"/>
-              </a:rPr>
-              <a:t>-/-</a:t>
-            </a:r>
-          </a:p>
-        </p:txBody>
-      </p:sp>
-      <p:sp>
-        <p:nvSpPr>
-          <p:cNvPr id="9" name="TextBox 8"/>
-          <p:cNvSpPr txBox="1"/>
-          <p:nvPr/>
-        </p:nvSpPr>
-        <p:spPr>
-          <a:xfrm>
-            <a:off x="2294770" y="1626406"/>
-            <a:ext cx="1118690" cy="221341"/>
-          </a:xfrm>
-          <a:prstGeom prst="rect">
-            <a:avLst/>
-          </a:prstGeom>
-          <a:noFill/>
-        </p:spPr>
-        <p:txBody>
-          <a:bodyPr wrap="square" lIns="82040" tIns="41020" rIns="82040" bIns="41020" rtlCol="0">
-            <a:spAutoFit/>
-          </a:bodyPr>
-          <a:lstStyle/>
-          <a:p>
-            <a:pPr algn="ctr" defTabSz="410069"/>
-            <a:r>
-              <a:rPr lang="en-US" sz="900" b="1" dirty="0">
-                <a:solidFill>
-                  <a:prstClr val="black"/>
-                </a:solidFill>
-                <a:latin typeface="Arial"/>
-              </a:rPr>
-              <a:t>+ 0.1 </a:t>
-            </a:r>
-            <a:r>
-              <a:rPr lang="en-US" sz="900" b="1" dirty="0" err="1">
-                <a:solidFill>
-                  <a:prstClr val="black"/>
-                </a:solidFill>
-                <a:latin typeface="Arial"/>
-              </a:rPr>
-              <a:t>ng</a:t>
-            </a:r>
-            <a:r>
-              <a:rPr lang="en-US" sz="900" b="1" dirty="0">
-                <a:solidFill>
-                  <a:prstClr val="black"/>
-                </a:solidFill>
-                <a:latin typeface="Arial"/>
-              </a:rPr>
-              <a:t> LPS</a:t>
-            </a:r>
-          </a:p>
-        </p:txBody>
-      </p:sp>
-      <p:sp>
-        <p:nvSpPr>
-          <p:cNvPr id="10" name="TextBox 9"/>
-          <p:cNvSpPr txBox="1"/>
-          <p:nvPr/>
-        </p:nvSpPr>
-        <p:spPr>
-          <a:xfrm>
-            <a:off x="3265297" y="1626406"/>
-            <a:ext cx="1118690" cy="221341"/>
-          </a:xfrm>
-          <a:prstGeom prst="rect">
-            <a:avLst/>
-          </a:prstGeom>
-          <a:noFill/>
-        </p:spPr>
-        <p:txBody>
-          <a:bodyPr wrap="square" lIns="82040" tIns="41020" rIns="82040" bIns="41020" rtlCol="0">
-            <a:spAutoFit/>
-          </a:bodyPr>
-          <a:lstStyle/>
-          <a:p>
-            <a:pPr algn="ctr" defTabSz="410069"/>
-            <a:r>
-              <a:rPr lang="en-US" sz="900" b="1" dirty="0">
-                <a:solidFill>
-                  <a:prstClr val="black"/>
-                </a:solidFill>
-                <a:latin typeface="Arial"/>
-              </a:rPr>
-              <a:t>+ 1 </a:t>
-            </a:r>
-            <a:r>
-              <a:rPr lang="en-US" sz="900" b="1" dirty="0" err="1">
-                <a:solidFill>
-                  <a:prstClr val="black"/>
-                </a:solidFill>
-                <a:latin typeface="Arial"/>
-              </a:rPr>
-              <a:t>ng</a:t>
-            </a:r>
-            <a:r>
-              <a:rPr lang="en-US" sz="900" b="1" dirty="0">
-                <a:solidFill>
-                  <a:prstClr val="black"/>
-                </a:solidFill>
-                <a:latin typeface="Arial"/>
-              </a:rPr>
-              <a:t> LPS</a:t>
-            </a:r>
-          </a:p>
-        </p:txBody>
-      </p:sp>
-      <p:sp>
-        <p:nvSpPr>
-          <p:cNvPr id="11" name="TextBox 10"/>
-          <p:cNvSpPr txBox="1"/>
-          <p:nvPr/>
-        </p:nvSpPr>
-        <p:spPr>
-          <a:xfrm>
-            <a:off x="3195019" y="1803549"/>
-            <a:ext cx="900853" cy="221341"/>
-          </a:xfrm>
-          <a:prstGeom prst="rect">
-            <a:avLst/>
-          </a:prstGeom>
-          <a:noFill/>
-        </p:spPr>
-        <p:txBody>
-          <a:bodyPr wrap="square" lIns="82040" tIns="41020" rIns="82040" bIns="41020" rtlCol="0">
-            <a:spAutoFit/>
-          </a:bodyPr>
-          <a:lstStyle/>
-          <a:p>
-            <a:pPr algn="ctr" defTabSz="410069"/>
-            <a:r>
-              <a:rPr lang="en-US" sz="900" b="1" i="1" dirty="0">
-                <a:solidFill>
-                  <a:prstClr val="black"/>
-                </a:solidFill>
-                <a:latin typeface="Arial"/>
-              </a:rPr>
-              <a:t>MyD88</a:t>
-            </a:r>
-            <a:r>
-              <a:rPr lang="en-US" sz="900" b="1" i="1" baseline="30000" dirty="0">
-                <a:solidFill>
-                  <a:prstClr val="black"/>
-                </a:solidFill>
-                <a:latin typeface="Arial"/>
-              </a:rPr>
-              <a:t>-/-</a:t>
-            </a:r>
-          </a:p>
-        </p:txBody>
-      </p:sp>
-      <p:sp>
-        <p:nvSpPr>
-          <p:cNvPr id="12" name="TextBox 11"/>
-          <p:cNvSpPr txBox="1"/>
-          <p:nvPr/>
-        </p:nvSpPr>
-        <p:spPr>
-          <a:xfrm>
-            <a:off x="3639520" y="1803549"/>
-            <a:ext cx="900853" cy="221341"/>
-          </a:xfrm>
-          <a:prstGeom prst="rect">
-            <a:avLst/>
-          </a:prstGeom>
-          <a:noFill/>
-        </p:spPr>
-        <p:txBody>
-          <a:bodyPr wrap="square" lIns="82040" tIns="41020" rIns="82040" bIns="41020" rtlCol="0">
-            <a:spAutoFit/>
-          </a:bodyPr>
-          <a:lstStyle/>
-          <a:p>
-            <a:pPr algn="ctr" defTabSz="410069"/>
-            <a:r>
-              <a:rPr lang="en-US" sz="900" b="1" i="1" dirty="0">
-                <a:solidFill>
-                  <a:prstClr val="black"/>
-                </a:solidFill>
-                <a:latin typeface="Arial"/>
-              </a:rPr>
-              <a:t>TRIF</a:t>
-            </a:r>
-            <a:r>
-              <a:rPr lang="en-US" sz="900" b="1" i="1" baseline="30000" dirty="0">
-                <a:solidFill>
-                  <a:prstClr val="black"/>
-                </a:solidFill>
-                <a:latin typeface="Arial"/>
-              </a:rPr>
-              <a:t>-/-</a:t>
-            </a:r>
-          </a:p>
-        </p:txBody>
-      </p:sp>
-      <p:sp>
-        <p:nvSpPr>
-          <p:cNvPr id="13" name="TextBox 12"/>
-          <p:cNvSpPr txBox="1"/>
-          <p:nvPr/>
-        </p:nvSpPr>
-        <p:spPr>
-          <a:xfrm rot="16200000">
-            <a:off x="1772204" y="1595426"/>
-            <a:ext cx="841920" cy="229806"/>
-          </a:xfrm>
-          <a:prstGeom prst="rect">
-            <a:avLst/>
-          </a:prstGeom>
-          <a:noFill/>
-        </p:spPr>
-        <p:txBody>
-          <a:bodyPr wrap="square" lIns="82040" tIns="41020" rIns="82040" bIns="41020" rtlCol="0">
-            <a:spAutoFit/>
-          </a:bodyPr>
-          <a:lstStyle/>
-          <a:p>
-            <a:pPr defTabSz="410069"/>
-            <a:r>
-              <a:rPr lang="en-US" sz="900" b="1" i="1" dirty="0">
-                <a:solidFill>
-                  <a:prstClr val="black"/>
-                </a:solidFill>
-                <a:latin typeface="Arial"/>
-              </a:rPr>
-              <a:t>MyD88 -/-</a:t>
-            </a:r>
-          </a:p>
-        </p:txBody>
-      </p:sp>
-      <p:sp>
-        <p:nvSpPr>
-          <p:cNvPr id="14" name="TextBox 13"/>
-          <p:cNvSpPr txBox="1"/>
-          <p:nvPr/>
-        </p:nvSpPr>
-        <p:spPr>
-          <a:xfrm rot="16200000">
-            <a:off x="1938151" y="1589887"/>
-            <a:ext cx="841920" cy="229806"/>
-          </a:xfrm>
-          <a:prstGeom prst="rect">
-            <a:avLst/>
-          </a:prstGeom>
-          <a:noFill/>
-        </p:spPr>
-        <p:txBody>
-          <a:bodyPr wrap="square" lIns="82040" tIns="41020" rIns="82040" bIns="41020" rtlCol="0">
-            <a:spAutoFit/>
-          </a:bodyPr>
-          <a:lstStyle/>
-          <a:p>
-            <a:pPr defTabSz="410069"/>
-            <a:r>
-              <a:rPr lang="en-US" sz="900" b="1" i="1" dirty="0">
-                <a:solidFill>
-                  <a:prstClr val="black"/>
-                </a:solidFill>
-                <a:latin typeface="Arial"/>
-              </a:rPr>
-              <a:t>TRIF -/-</a:t>
-            </a:r>
-          </a:p>
-        </p:txBody>
-      </p:sp>
-      <p:sp>
-        <p:nvSpPr>
-          <p:cNvPr id="15" name="Rectangle 14"/>
-          <p:cNvSpPr/>
-          <p:nvPr/>
-        </p:nvSpPr>
-        <p:spPr>
-          <a:xfrm rot="16200000">
-            <a:off x="2086882" y="2029369"/>
-            <a:ext cx="229871" cy="221341"/>
-          </a:xfrm>
-          <a:prstGeom prst="rect">
-            <a:avLst/>
-          </a:prstGeom>
-        </p:spPr>
-        <p:txBody>
-          <a:bodyPr wrap="none" lIns="82040" tIns="41020" rIns="82040" bIns="41020">
-            <a:spAutoFit/>
-          </a:bodyPr>
-          <a:lstStyle/>
-          <a:p>
-            <a:r>
-              <a:rPr lang="en-US" sz="900" b="1" dirty="0">
-                <a:latin typeface="Arial"/>
-                <a:cs typeface="Arial"/>
-              </a:rPr>
-              <a:t>0</a:t>
-            </a:r>
-          </a:p>
-        </p:txBody>
-      </p:sp>
-      <p:sp>
-        <p:nvSpPr>
-          <p:cNvPr id="16" name="Rectangle 15"/>
-          <p:cNvSpPr/>
-          <p:nvPr/>
-        </p:nvSpPr>
-        <p:spPr>
-          <a:xfrm rot="16200000">
-            <a:off x="2258755" y="2029369"/>
-            <a:ext cx="229871" cy="221341"/>
-          </a:xfrm>
-          <a:prstGeom prst="rect">
-            <a:avLst/>
-          </a:prstGeom>
-        </p:spPr>
-        <p:txBody>
-          <a:bodyPr wrap="none" lIns="82040" tIns="41020" rIns="82040" bIns="41020">
-            <a:spAutoFit/>
-          </a:bodyPr>
-          <a:lstStyle/>
-          <a:p>
-            <a:r>
-              <a:rPr lang="en-US" sz="900" b="1" dirty="0">
-                <a:latin typeface="Arial"/>
-                <a:cs typeface="Arial"/>
-              </a:rPr>
-              <a:t>0</a:t>
-            </a:r>
-          </a:p>
-        </p:txBody>
-      </p:sp>
-      <p:sp>
-        <p:nvSpPr>
-          <p:cNvPr id="17" name="Rectangle 16"/>
-          <p:cNvSpPr/>
-          <p:nvPr/>
-        </p:nvSpPr>
-        <p:spPr>
-          <a:xfrm rot="16200000">
-            <a:off x="2394587" y="1998263"/>
-            <a:ext cx="294060" cy="221341"/>
-          </a:xfrm>
-          <a:prstGeom prst="rect">
-            <a:avLst/>
-          </a:prstGeom>
-        </p:spPr>
-        <p:txBody>
-          <a:bodyPr wrap="none" lIns="82040" tIns="41020" rIns="82040" bIns="41020">
-            <a:spAutoFit/>
-          </a:bodyPr>
-          <a:lstStyle/>
-          <a:p>
-            <a:r>
-              <a:rPr lang="en-US" sz="900" b="1" dirty="0">
-                <a:latin typeface="Arial"/>
-                <a:cs typeface="Arial"/>
-              </a:rPr>
-              <a:t>15</a:t>
-            </a:r>
-          </a:p>
-        </p:txBody>
-      </p:sp>
-      <p:sp>
-        <p:nvSpPr>
-          <p:cNvPr id="18" name="Rectangle 17"/>
-          <p:cNvSpPr/>
-          <p:nvPr/>
-        </p:nvSpPr>
-        <p:spPr>
-          <a:xfrm rot="16200000">
-            <a:off x="2556583" y="1998263"/>
-            <a:ext cx="294060" cy="221341"/>
-          </a:xfrm>
-          <a:prstGeom prst="rect">
-            <a:avLst/>
-          </a:prstGeom>
-        </p:spPr>
-        <p:txBody>
-          <a:bodyPr wrap="none" lIns="82040" tIns="41020" rIns="82040" bIns="41020">
-            <a:spAutoFit/>
-          </a:bodyPr>
-          <a:lstStyle/>
-          <a:p>
-            <a:r>
-              <a:rPr lang="en-US" sz="900" b="1" dirty="0">
-                <a:latin typeface="Arial"/>
-                <a:cs typeface="Arial"/>
-              </a:rPr>
-              <a:t>30</a:t>
-            </a:r>
-          </a:p>
-        </p:txBody>
-      </p:sp>
-      <p:sp>
-        <p:nvSpPr>
-          <p:cNvPr id="19" name="Rectangle 18"/>
-          <p:cNvSpPr/>
-          <p:nvPr/>
-        </p:nvSpPr>
-        <p:spPr>
-          <a:xfrm rot="16200000">
-            <a:off x="2684989" y="1998263"/>
-            <a:ext cx="294060" cy="221341"/>
-          </a:xfrm>
-          <a:prstGeom prst="rect">
-            <a:avLst/>
-          </a:prstGeom>
-        </p:spPr>
-        <p:txBody>
-          <a:bodyPr wrap="none" lIns="82040" tIns="41020" rIns="82040" bIns="41020">
-            <a:spAutoFit/>
-          </a:bodyPr>
-          <a:lstStyle/>
-          <a:p>
-            <a:r>
-              <a:rPr lang="en-US" sz="900" b="1" dirty="0">
-                <a:latin typeface="Arial"/>
-                <a:cs typeface="Arial"/>
-              </a:rPr>
-              <a:t>45</a:t>
-            </a:r>
-          </a:p>
-        </p:txBody>
-      </p:sp>
-      <p:sp>
-        <p:nvSpPr>
-          <p:cNvPr id="20" name="Rectangle 19"/>
-          <p:cNvSpPr/>
-          <p:nvPr/>
-        </p:nvSpPr>
-        <p:spPr>
-          <a:xfrm rot="16200000">
-            <a:off x="2846985" y="1998263"/>
-            <a:ext cx="294060" cy="221341"/>
-          </a:xfrm>
-          <a:prstGeom prst="rect">
-            <a:avLst/>
-          </a:prstGeom>
-        </p:spPr>
-        <p:txBody>
-          <a:bodyPr wrap="none" lIns="82040" tIns="41020" rIns="82040" bIns="41020">
-            <a:spAutoFit/>
-          </a:bodyPr>
-          <a:lstStyle/>
-          <a:p>
-            <a:r>
-              <a:rPr lang="en-US" sz="900" b="1" dirty="0">
-                <a:latin typeface="Arial"/>
-                <a:cs typeface="Arial"/>
-              </a:rPr>
-              <a:t>15</a:t>
-            </a:r>
-          </a:p>
-        </p:txBody>
-      </p:sp>
-      <p:sp>
-        <p:nvSpPr>
-          <p:cNvPr id="21" name="Rectangle 20"/>
-          <p:cNvSpPr/>
-          <p:nvPr/>
-        </p:nvSpPr>
-        <p:spPr>
-          <a:xfrm rot="16200000">
-            <a:off x="3005035" y="1998263"/>
-            <a:ext cx="294060" cy="221341"/>
-          </a:xfrm>
-          <a:prstGeom prst="rect">
-            <a:avLst/>
-          </a:prstGeom>
-        </p:spPr>
-        <p:txBody>
-          <a:bodyPr wrap="none" lIns="82040" tIns="41020" rIns="82040" bIns="41020">
-            <a:spAutoFit/>
-          </a:bodyPr>
-          <a:lstStyle/>
-          <a:p>
-            <a:r>
-              <a:rPr lang="en-US" sz="900" b="1" dirty="0">
-                <a:latin typeface="Arial"/>
-                <a:cs typeface="Arial"/>
-              </a:rPr>
-              <a:t>30</a:t>
-            </a:r>
-          </a:p>
-        </p:txBody>
-      </p:sp>
-      <p:sp>
-        <p:nvSpPr>
-          <p:cNvPr id="22" name="Rectangle 21"/>
-          <p:cNvSpPr/>
-          <p:nvPr/>
-        </p:nvSpPr>
-        <p:spPr>
-          <a:xfrm rot="16200000">
-            <a:off x="3163074" y="1998263"/>
-            <a:ext cx="294060" cy="221341"/>
-          </a:xfrm>
-          <a:prstGeom prst="rect">
-            <a:avLst/>
-          </a:prstGeom>
-        </p:spPr>
-        <p:txBody>
-          <a:bodyPr wrap="none" lIns="82040" tIns="41020" rIns="82040" bIns="41020">
-            <a:spAutoFit/>
-          </a:bodyPr>
-          <a:lstStyle/>
-          <a:p>
-            <a:r>
-              <a:rPr lang="en-US" sz="900" b="1" dirty="0">
-                <a:latin typeface="Arial"/>
-                <a:cs typeface="Arial"/>
-              </a:rPr>
-              <a:t>45</a:t>
-            </a:r>
-          </a:p>
-        </p:txBody>
-      </p:sp>
-      <p:sp>
-        <p:nvSpPr>
-          <p:cNvPr id="23" name="Rectangle 22"/>
-          <p:cNvSpPr/>
-          <p:nvPr/>
-        </p:nvSpPr>
-        <p:spPr>
-          <a:xfrm rot="16200000">
-            <a:off x="3315196" y="1998263"/>
-            <a:ext cx="294060" cy="221341"/>
-          </a:xfrm>
-          <a:prstGeom prst="rect">
-            <a:avLst/>
-          </a:prstGeom>
-        </p:spPr>
-        <p:txBody>
-          <a:bodyPr wrap="none" lIns="82040" tIns="41020" rIns="82040" bIns="41020">
-            <a:spAutoFit/>
-          </a:bodyPr>
-          <a:lstStyle/>
-          <a:p>
-            <a:r>
-              <a:rPr lang="en-US" sz="900" b="1" dirty="0">
-                <a:latin typeface="Arial"/>
-                <a:cs typeface="Arial"/>
-              </a:rPr>
-              <a:t>15</a:t>
-            </a:r>
-          </a:p>
-        </p:txBody>
-      </p:sp>
-      <p:sp>
-        <p:nvSpPr>
-          <p:cNvPr id="24" name="Rectangle 23"/>
-          <p:cNvSpPr/>
-          <p:nvPr/>
-        </p:nvSpPr>
-        <p:spPr>
-          <a:xfrm rot="16200000">
-            <a:off x="3473245" y="1998263"/>
-            <a:ext cx="294060" cy="221341"/>
-          </a:xfrm>
-          <a:prstGeom prst="rect">
-            <a:avLst/>
-          </a:prstGeom>
-        </p:spPr>
-        <p:txBody>
-          <a:bodyPr wrap="none" lIns="82040" tIns="41020" rIns="82040" bIns="41020">
-            <a:spAutoFit/>
-          </a:bodyPr>
-          <a:lstStyle/>
-          <a:p>
-            <a:r>
-              <a:rPr lang="en-US" sz="900" b="1" dirty="0">
-                <a:latin typeface="Arial"/>
-                <a:cs typeface="Arial"/>
-              </a:rPr>
-              <a:t>30</a:t>
-            </a:r>
-          </a:p>
-        </p:txBody>
-      </p:sp>
-      <p:sp>
-        <p:nvSpPr>
-          <p:cNvPr id="25" name="Rectangle 24"/>
-          <p:cNvSpPr/>
-          <p:nvPr/>
-        </p:nvSpPr>
-        <p:spPr>
-          <a:xfrm rot="16200000">
-            <a:off x="3631284" y="1998263"/>
-            <a:ext cx="294060" cy="221341"/>
-          </a:xfrm>
-          <a:prstGeom prst="rect">
-            <a:avLst/>
-          </a:prstGeom>
-        </p:spPr>
-        <p:txBody>
-          <a:bodyPr wrap="none" lIns="82040" tIns="41020" rIns="82040" bIns="41020">
-            <a:spAutoFit/>
-          </a:bodyPr>
-          <a:lstStyle/>
-          <a:p>
-            <a:r>
-              <a:rPr lang="en-US" sz="900" b="1" dirty="0">
-                <a:latin typeface="Arial"/>
-                <a:cs typeface="Arial"/>
-              </a:rPr>
-              <a:t>45</a:t>
-            </a:r>
-          </a:p>
-        </p:txBody>
-      </p:sp>
-      <p:sp>
-        <p:nvSpPr>
-          <p:cNvPr id="26" name="Rectangle 25"/>
-          <p:cNvSpPr/>
-          <p:nvPr/>
-        </p:nvSpPr>
-        <p:spPr>
-          <a:xfrm rot="16200000">
-            <a:off x="3793270" y="1998263"/>
-            <a:ext cx="294060" cy="221341"/>
-          </a:xfrm>
-          <a:prstGeom prst="rect">
-            <a:avLst/>
-          </a:prstGeom>
-        </p:spPr>
-        <p:txBody>
-          <a:bodyPr wrap="none" lIns="82040" tIns="41020" rIns="82040" bIns="41020">
-            <a:spAutoFit/>
-          </a:bodyPr>
-          <a:lstStyle/>
-          <a:p>
-            <a:r>
-              <a:rPr lang="en-US" sz="900" b="1" dirty="0">
-                <a:latin typeface="Arial"/>
-                <a:cs typeface="Arial"/>
-              </a:rPr>
-              <a:t>15</a:t>
-            </a:r>
-          </a:p>
-        </p:txBody>
-      </p:sp>
-      <p:sp>
-        <p:nvSpPr>
-          <p:cNvPr id="27" name="Rectangle 26"/>
-          <p:cNvSpPr/>
-          <p:nvPr/>
-        </p:nvSpPr>
-        <p:spPr>
-          <a:xfrm rot="16200000">
-            <a:off x="3951319" y="1998263"/>
-            <a:ext cx="294060" cy="221341"/>
-          </a:xfrm>
-          <a:prstGeom prst="rect">
-            <a:avLst/>
-          </a:prstGeom>
-        </p:spPr>
-        <p:txBody>
-          <a:bodyPr wrap="none" lIns="82040" tIns="41020" rIns="82040" bIns="41020">
-            <a:spAutoFit/>
-          </a:bodyPr>
-          <a:lstStyle/>
-          <a:p>
-            <a:r>
-              <a:rPr lang="en-US" sz="900" b="1" dirty="0">
-                <a:latin typeface="Arial"/>
-                <a:cs typeface="Arial"/>
-              </a:rPr>
-              <a:t>30</a:t>
-            </a:r>
-          </a:p>
-        </p:txBody>
-      </p:sp>
-      <p:sp>
-        <p:nvSpPr>
-          <p:cNvPr id="28" name="Rectangle 27"/>
-          <p:cNvSpPr/>
-          <p:nvPr/>
-        </p:nvSpPr>
-        <p:spPr>
-          <a:xfrm rot="16200000">
-            <a:off x="4109358" y="1998263"/>
-            <a:ext cx="294060" cy="221341"/>
-          </a:xfrm>
-          <a:prstGeom prst="rect">
-            <a:avLst/>
-          </a:prstGeom>
-        </p:spPr>
-        <p:txBody>
-          <a:bodyPr wrap="none" lIns="82040" tIns="41020" rIns="82040" bIns="41020">
-            <a:spAutoFit/>
-          </a:bodyPr>
-          <a:lstStyle/>
-          <a:p>
-            <a:r>
-              <a:rPr lang="en-US" sz="900" b="1" dirty="0">
-                <a:latin typeface="Arial"/>
-                <a:cs typeface="Arial"/>
-              </a:rPr>
-              <a:t>45</a:t>
-            </a:r>
-          </a:p>
-        </p:txBody>
-      </p:sp>
-      <p:cxnSp>
-        <p:nvCxnSpPr>
-          <p:cNvPr id="29" name="Straight Connector 28"/>
-          <p:cNvCxnSpPr/>
-          <p:nvPr/>
-        </p:nvCxnSpPr>
-        <p:spPr>
-          <a:xfrm>
-            <a:off x="3894931" y="2001055"/>
-            <a:ext cx="402433" cy="1385"/>
-          </a:xfrm>
-          <a:prstGeom prst="line">
-            <a:avLst/>
-          </a:prstGeom>
-          <a:ln>
-            <a:solidFill>
-              <a:schemeClr val="tx1"/>
-            </a:solidFill>
-          </a:ln>
-          <a:effectLst/>
-        </p:spPr>
-        <p:style>
-          <a:lnRef idx="2">
-            <a:schemeClr val="accent1"/>
-          </a:lnRef>
-          <a:fillRef idx="0">
-            <a:schemeClr val="accent1"/>
-          </a:fillRef>
-          <a:effectRef idx="1">
-            <a:schemeClr val="accent1"/>
-          </a:effectRef>
-          <a:fontRef idx="minor">
-            <a:schemeClr val="tx1"/>
-          </a:fontRef>
-        </p:style>
-      </p:cxnSp>
-      <p:cxnSp>
-        <p:nvCxnSpPr>
-          <p:cNvPr id="30" name="Straight Connector 29"/>
-          <p:cNvCxnSpPr/>
-          <p:nvPr/>
-        </p:nvCxnSpPr>
-        <p:spPr>
-          <a:xfrm>
-            <a:off x="2470591" y="3001756"/>
-            <a:ext cx="535639" cy="1385"/>
-          </a:xfrm>
-          <a:prstGeom prst="line">
-            <a:avLst/>
-          </a:prstGeom>
-          <a:ln>
-            <a:solidFill>
-              <a:schemeClr val="tx1"/>
-            </a:solidFill>
-          </a:ln>
-          <a:effectLst/>
-        </p:spPr>
-        <p:style>
-          <a:lnRef idx="2">
-            <a:schemeClr val="accent1"/>
-          </a:lnRef>
-          <a:fillRef idx="0">
-            <a:schemeClr val="accent1"/>
-          </a:fillRef>
-          <a:effectRef idx="1">
-            <a:schemeClr val="accent1"/>
-          </a:effectRef>
-          <a:fontRef idx="minor">
-            <a:schemeClr val="tx1"/>
-          </a:fontRef>
-        </p:style>
-      </p:cxnSp>
-      <p:cxnSp>
-        <p:nvCxnSpPr>
-          <p:cNvPr id="31" name="Straight Connector 30"/>
-          <p:cNvCxnSpPr/>
-          <p:nvPr/>
-        </p:nvCxnSpPr>
-        <p:spPr>
-          <a:xfrm>
-            <a:off x="3058921" y="3001756"/>
-            <a:ext cx="535639" cy="1385"/>
-          </a:xfrm>
-          <a:prstGeom prst="line">
-            <a:avLst/>
-          </a:prstGeom>
-          <a:ln>
-            <a:solidFill>
-              <a:schemeClr val="tx1"/>
-            </a:solidFill>
-          </a:ln>
-          <a:effectLst/>
-        </p:spPr>
-        <p:style>
-          <a:lnRef idx="2">
-            <a:schemeClr val="accent1"/>
-          </a:lnRef>
-          <a:fillRef idx="0">
-            <a:schemeClr val="accent1"/>
-          </a:fillRef>
-          <a:effectRef idx="1">
-            <a:schemeClr val="accent1"/>
-          </a:effectRef>
-          <a:fontRef idx="minor">
-            <a:schemeClr val="tx1"/>
-          </a:fontRef>
-        </p:style>
-      </p:cxnSp>
-      <p:cxnSp>
-        <p:nvCxnSpPr>
-          <p:cNvPr id="32" name="Straight Connector 31"/>
-          <p:cNvCxnSpPr/>
-          <p:nvPr/>
-        </p:nvCxnSpPr>
-        <p:spPr>
-          <a:xfrm>
-            <a:off x="3657129" y="3001756"/>
-            <a:ext cx="535639" cy="1385"/>
-          </a:xfrm>
-          <a:prstGeom prst="line">
-            <a:avLst/>
-          </a:prstGeom>
-          <a:ln>
-            <a:solidFill>
-              <a:schemeClr val="tx1"/>
-            </a:solidFill>
-          </a:ln>
-          <a:effectLst/>
-        </p:spPr>
-        <p:style>
-          <a:lnRef idx="2">
-            <a:schemeClr val="accent1"/>
-          </a:lnRef>
-          <a:fillRef idx="0">
-            <a:schemeClr val="accent1"/>
-          </a:fillRef>
-          <a:effectRef idx="1">
-            <a:schemeClr val="accent1"/>
-          </a:effectRef>
-          <a:fontRef idx="minor">
-            <a:schemeClr val="tx1"/>
-          </a:fontRef>
-        </p:style>
-      </p:cxnSp>
-      <p:sp>
-        <p:nvSpPr>
-          <p:cNvPr id="33" name="TextBox 32"/>
-          <p:cNvSpPr txBox="1"/>
-          <p:nvPr/>
-        </p:nvSpPr>
-        <p:spPr>
-          <a:xfrm>
-            <a:off x="2305766" y="2804250"/>
-            <a:ext cx="900853" cy="221341"/>
-          </a:xfrm>
-          <a:prstGeom prst="rect">
-            <a:avLst/>
-          </a:prstGeom>
-          <a:noFill/>
-        </p:spPr>
-        <p:txBody>
-          <a:bodyPr wrap="square" lIns="82040" tIns="41020" rIns="82040" bIns="41020" rtlCol="0">
-            <a:spAutoFit/>
-          </a:bodyPr>
-          <a:lstStyle/>
-          <a:p>
-            <a:pPr algn="ctr" defTabSz="410069"/>
-            <a:r>
-              <a:rPr lang="en-US" sz="900" b="1" i="1" dirty="0">
-                <a:solidFill>
-                  <a:prstClr val="black"/>
-                </a:solidFill>
-                <a:latin typeface="Arial"/>
-              </a:rPr>
-              <a:t>MyD88</a:t>
-            </a:r>
-            <a:r>
-              <a:rPr lang="en-US" sz="900" b="1" i="1" baseline="30000" dirty="0">
-                <a:solidFill>
-                  <a:prstClr val="black"/>
-                </a:solidFill>
-                <a:latin typeface="Arial"/>
-              </a:rPr>
-              <a:t>-/-</a:t>
-            </a:r>
-          </a:p>
-        </p:txBody>
-      </p:sp>
-      <p:sp>
-        <p:nvSpPr>
-          <p:cNvPr id="34" name="TextBox 33"/>
-          <p:cNvSpPr txBox="1"/>
-          <p:nvPr/>
-        </p:nvSpPr>
-        <p:spPr>
-          <a:xfrm>
-            <a:off x="2878688" y="2804250"/>
-            <a:ext cx="900853" cy="221341"/>
-          </a:xfrm>
-          <a:prstGeom prst="rect">
-            <a:avLst/>
-          </a:prstGeom>
-          <a:noFill/>
-        </p:spPr>
-        <p:txBody>
-          <a:bodyPr wrap="square" lIns="82040" tIns="41020" rIns="82040" bIns="41020" rtlCol="0">
-            <a:spAutoFit/>
-          </a:bodyPr>
-          <a:lstStyle/>
-          <a:p>
-            <a:pPr algn="ctr" defTabSz="410069"/>
-            <a:r>
-              <a:rPr lang="en-US" sz="900" b="1" i="1" dirty="0">
-                <a:solidFill>
-                  <a:prstClr val="black"/>
-                </a:solidFill>
-                <a:latin typeface="Arial"/>
-              </a:rPr>
-              <a:t>TRIF</a:t>
-            </a:r>
-            <a:r>
-              <a:rPr lang="en-US" sz="900" b="1" i="1" baseline="30000" dirty="0">
-                <a:solidFill>
-                  <a:prstClr val="black"/>
-                </a:solidFill>
-                <a:latin typeface="Arial"/>
-              </a:rPr>
-              <a:t>-/-</a:t>
-            </a:r>
-          </a:p>
-        </p:txBody>
-      </p:sp>
-      <p:sp>
-        <p:nvSpPr>
-          <p:cNvPr id="35" name="TextBox 34"/>
-          <p:cNvSpPr txBox="1"/>
-          <p:nvPr/>
-        </p:nvSpPr>
-        <p:spPr>
-          <a:xfrm>
-            <a:off x="2453484" y="2627107"/>
-            <a:ext cx="1118690" cy="221341"/>
-          </a:xfrm>
-          <a:prstGeom prst="rect">
-            <a:avLst/>
-          </a:prstGeom>
-          <a:noFill/>
-        </p:spPr>
-        <p:txBody>
-          <a:bodyPr wrap="square" lIns="82040" tIns="41020" rIns="82040" bIns="41020" rtlCol="0">
-            <a:spAutoFit/>
-          </a:bodyPr>
-          <a:lstStyle/>
-          <a:p>
-            <a:pPr algn="ctr" defTabSz="410069"/>
-            <a:r>
-              <a:rPr lang="en-US" sz="900" b="1" dirty="0">
-                <a:solidFill>
-                  <a:prstClr val="black"/>
-                </a:solidFill>
-                <a:latin typeface="Arial"/>
-              </a:rPr>
-              <a:t>+ 10 ng LPS</a:t>
-            </a:r>
-          </a:p>
-        </p:txBody>
-      </p:sp>
-      <p:sp>
-        <p:nvSpPr>
-          <p:cNvPr id="36" name="TextBox 35"/>
-          <p:cNvSpPr txBox="1"/>
-          <p:nvPr/>
-        </p:nvSpPr>
-        <p:spPr>
-          <a:xfrm>
-            <a:off x="3634751" y="2627107"/>
-            <a:ext cx="1118690" cy="221341"/>
-          </a:xfrm>
-          <a:prstGeom prst="rect">
-            <a:avLst/>
-          </a:prstGeom>
-          <a:noFill/>
-        </p:spPr>
-        <p:txBody>
-          <a:bodyPr wrap="square" lIns="82040" tIns="41020" rIns="82040" bIns="41020" rtlCol="0">
-            <a:spAutoFit/>
-          </a:bodyPr>
-          <a:lstStyle/>
-          <a:p>
-            <a:pPr algn="ctr" defTabSz="410069"/>
-            <a:r>
-              <a:rPr lang="en-US" sz="900" b="1" dirty="0">
-                <a:solidFill>
-                  <a:prstClr val="black"/>
-                </a:solidFill>
-                <a:latin typeface="Arial"/>
-              </a:rPr>
-              <a:t>+ 100 ng LPS</a:t>
-            </a:r>
-          </a:p>
-        </p:txBody>
-      </p:sp>
-      <p:sp>
-        <p:nvSpPr>
-          <p:cNvPr id="37" name="TextBox 36"/>
-          <p:cNvSpPr txBox="1"/>
-          <p:nvPr/>
-        </p:nvSpPr>
-        <p:spPr>
-          <a:xfrm>
-            <a:off x="3469633" y="2804250"/>
-            <a:ext cx="900853" cy="221341"/>
-          </a:xfrm>
-          <a:prstGeom prst="rect">
-            <a:avLst/>
-          </a:prstGeom>
-          <a:noFill/>
-        </p:spPr>
-        <p:txBody>
-          <a:bodyPr wrap="square" lIns="82040" tIns="41020" rIns="82040" bIns="41020" rtlCol="0">
-            <a:spAutoFit/>
-          </a:bodyPr>
-          <a:lstStyle/>
-          <a:p>
-            <a:pPr algn="ctr" defTabSz="410069"/>
-            <a:r>
-              <a:rPr lang="en-US" sz="900" b="1" i="1" dirty="0">
-                <a:solidFill>
-                  <a:prstClr val="black"/>
-                </a:solidFill>
-                <a:latin typeface="Arial"/>
-              </a:rPr>
-              <a:t>MyD88</a:t>
-            </a:r>
-            <a:r>
-              <a:rPr lang="en-US" sz="900" b="1" i="1" baseline="30000" dirty="0">
-                <a:solidFill>
-                  <a:prstClr val="black"/>
-                </a:solidFill>
-                <a:latin typeface="Arial"/>
-              </a:rPr>
-              <a:t>-/-</a:t>
-            </a:r>
-          </a:p>
-        </p:txBody>
-      </p:sp>
-      <p:sp>
-        <p:nvSpPr>
-          <p:cNvPr id="38" name="TextBox 37"/>
-          <p:cNvSpPr txBox="1"/>
-          <p:nvPr/>
-        </p:nvSpPr>
-        <p:spPr>
-          <a:xfrm>
-            <a:off x="4119601" y="2804250"/>
-            <a:ext cx="900853" cy="221341"/>
-          </a:xfrm>
-          <a:prstGeom prst="rect">
-            <a:avLst/>
-          </a:prstGeom>
-          <a:noFill/>
-        </p:spPr>
-        <p:txBody>
-          <a:bodyPr wrap="square" lIns="82040" tIns="41020" rIns="82040" bIns="41020" rtlCol="0">
-            <a:spAutoFit/>
-          </a:bodyPr>
-          <a:lstStyle/>
-          <a:p>
-            <a:pPr algn="ctr" defTabSz="410069"/>
-            <a:r>
-              <a:rPr lang="en-US" sz="900" b="1" i="1" dirty="0">
-                <a:solidFill>
-                  <a:prstClr val="black"/>
-                </a:solidFill>
-                <a:latin typeface="Arial"/>
-              </a:rPr>
-              <a:t>TRIF</a:t>
-            </a:r>
-            <a:r>
-              <a:rPr lang="en-US" sz="900" b="1" i="1" baseline="30000" dirty="0">
-                <a:solidFill>
-                  <a:prstClr val="black"/>
-                </a:solidFill>
-                <a:latin typeface="Arial"/>
-              </a:rPr>
-              <a:t>-/-</a:t>
-            </a:r>
-          </a:p>
-        </p:txBody>
-      </p:sp>
-      <p:sp>
-        <p:nvSpPr>
-          <p:cNvPr id="39" name="TextBox 38"/>
-          <p:cNvSpPr txBox="1"/>
-          <p:nvPr/>
-        </p:nvSpPr>
-        <p:spPr>
-          <a:xfrm rot="16200000">
-            <a:off x="1786035" y="2596126"/>
-            <a:ext cx="841920" cy="229806"/>
-          </a:xfrm>
-          <a:prstGeom prst="rect">
-            <a:avLst/>
-          </a:prstGeom>
-          <a:noFill/>
-        </p:spPr>
-        <p:txBody>
-          <a:bodyPr wrap="square" lIns="82040" tIns="41020" rIns="82040" bIns="41020" rtlCol="0">
-            <a:spAutoFit/>
-          </a:bodyPr>
-          <a:lstStyle/>
-          <a:p>
-            <a:pPr defTabSz="410069"/>
-            <a:r>
-              <a:rPr lang="en-US" sz="900" b="1" i="1" dirty="0">
-                <a:solidFill>
-                  <a:prstClr val="black"/>
-                </a:solidFill>
-                <a:latin typeface="Arial"/>
-              </a:rPr>
-              <a:t>MyD88 -/-</a:t>
-            </a:r>
-          </a:p>
-        </p:txBody>
-      </p:sp>
-      <p:sp>
-        <p:nvSpPr>
-          <p:cNvPr id="40" name="TextBox 39"/>
-          <p:cNvSpPr txBox="1"/>
-          <p:nvPr/>
-        </p:nvSpPr>
-        <p:spPr>
-          <a:xfrm rot="16200000">
-            <a:off x="1951982" y="2590588"/>
-            <a:ext cx="841920" cy="229806"/>
-          </a:xfrm>
-          <a:prstGeom prst="rect">
-            <a:avLst/>
-          </a:prstGeom>
-          <a:noFill/>
-        </p:spPr>
-        <p:txBody>
-          <a:bodyPr wrap="square" lIns="82040" tIns="41020" rIns="82040" bIns="41020" rtlCol="0">
-            <a:spAutoFit/>
-          </a:bodyPr>
-          <a:lstStyle/>
-          <a:p>
-            <a:pPr defTabSz="410069"/>
-            <a:r>
-              <a:rPr lang="en-US" sz="900" b="1" i="1" dirty="0">
-                <a:solidFill>
-                  <a:prstClr val="black"/>
-                </a:solidFill>
-                <a:latin typeface="Arial"/>
-              </a:rPr>
-              <a:t>TRIF -/-</a:t>
-            </a:r>
-          </a:p>
-        </p:txBody>
-      </p:sp>
-      <p:sp>
-        <p:nvSpPr>
-          <p:cNvPr id="41" name="Rectangle 40"/>
-          <p:cNvSpPr/>
-          <p:nvPr/>
-        </p:nvSpPr>
-        <p:spPr>
-          <a:xfrm rot="16200000">
-            <a:off x="2100713" y="3030070"/>
-            <a:ext cx="229871" cy="221341"/>
-          </a:xfrm>
-          <a:prstGeom prst="rect">
-            <a:avLst/>
-          </a:prstGeom>
-        </p:spPr>
-        <p:txBody>
-          <a:bodyPr wrap="none" lIns="82040" tIns="41020" rIns="82040" bIns="41020">
-            <a:spAutoFit/>
-          </a:bodyPr>
-          <a:lstStyle/>
-          <a:p>
-            <a:r>
-              <a:rPr lang="en-US" sz="900" b="1" dirty="0">
-                <a:latin typeface="Arial"/>
-                <a:cs typeface="Arial"/>
-              </a:rPr>
-              <a:t>0</a:t>
-            </a:r>
-          </a:p>
-        </p:txBody>
-      </p:sp>
-      <p:sp>
-        <p:nvSpPr>
-          <p:cNvPr id="42" name="Rectangle 41"/>
-          <p:cNvSpPr/>
-          <p:nvPr/>
-        </p:nvSpPr>
-        <p:spPr>
-          <a:xfrm rot="16200000">
-            <a:off x="2272586" y="3030070"/>
-            <a:ext cx="229871" cy="221341"/>
-          </a:xfrm>
-          <a:prstGeom prst="rect">
-            <a:avLst/>
-          </a:prstGeom>
-        </p:spPr>
-        <p:txBody>
-          <a:bodyPr wrap="none" lIns="82040" tIns="41020" rIns="82040" bIns="41020">
-            <a:spAutoFit/>
-          </a:bodyPr>
-          <a:lstStyle/>
-          <a:p>
-            <a:r>
-              <a:rPr lang="en-US" sz="900" b="1" dirty="0">
-                <a:latin typeface="Arial"/>
-                <a:cs typeface="Arial"/>
-              </a:rPr>
-              <a:t>0</a:t>
-            </a:r>
-          </a:p>
-        </p:txBody>
-      </p:sp>
-      <p:sp>
-        <p:nvSpPr>
-          <p:cNvPr id="43" name="Rectangle 42"/>
-          <p:cNvSpPr/>
-          <p:nvPr/>
-        </p:nvSpPr>
-        <p:spPr>
-          <a:xfrm rot="16200000">
-            <a:off x="2372631" y="2998964"/>
-            <a:ext cx="326127" cy="221341"/>
-          </a:xfrm>
-          <a:prstGeom prst="rect">
-            <a:avLst/>
-          </a:prstGeom>
-        </p:spPr>
-        <p:txBody>
-          <a:bodyPr wrap="none" lIns="82040" tIns="41020" rIns="82040" bIns="41020">
-            <a:spAutoFit/>
-          </a:bodyPr>
-          <a:lstStyle/>
-          <a:p>
-            <a:r>
-              <a:rPr lang="en-US" sz="900" b="1" dirty="0">
-                <a:latin typeface="Arial"/>
-                <a:cs typeface="Arial"/>
-              </a:rPr>
-              <a:t>7.5</a:t>
-            </a:r>
-          </a:p>
-        </p:txBody>
-      </p:sp>
-      <p:sp>
-        <p:nvSpPr>
-          <p:cNvPr id="44" name="Rectangle 43"/>
-          <p:cNvSpPr/>
-          <p:nvPr/>
-        </p:nvSpPr>
-        <p:spPr>
-          <a:xfrm rot="16200000">
-            <a:off x="2521027" y="2998964"/>
-            <a:ext cx="294060" cy="221341"/>
-          </a:xfrm>
-          <a:prstGeom prst="rect">
-            <a:avLst/>
-          </a:prstGeom>
-        </p:spPr>
-        <p:txBody>
-          <a:bodyPr wrap="none" lIns="82040" tIns="41020" rIns="82040" bIns="41020">
-            <a:spAutoFit/>
-          </a:bodyPr>
-          <a:lstStyle/>
-          <a:p>
-            <a:r>
-              <a:rPr lang="en-US" sz="900" b="1" dirty="0">
-                <a:latin typeface="Arial"/>
-                <a:cs typeface="Arial"/>
-              </a:rPr>
-              <a:t>10</a:t>
-            </a:r>
-          </a:p>
-        </p:txBody>
-      </p:sp>
-      <p:sp>
-        <p:nvSpPr>
-          <p:cNvPr id="45" name="Rectangle 44"/>
-          <p:cNvSpPr/>
-          <p:nvPr/>
-        </p:nvSpPr>
-        <p:spPr>
-          <a:xfrm rot="16200000">
-            <a:off x="2659311" y="2998964"/>
-            <a:ext cx="294060" cy="221341"/>
-          </a:xfrm>
-          <a:prstGeom prst="rect">
-            <a:avLst/>
-          </a:prstGeom>
-        </p:spPr>
-        <p:txBody>
-          <a:bodyPr wrap="none" lIns="82040" tIns="41020" rIns="82040" bIns="41020">
-            <a:spAutoFit/>
-          </a:bodyPr>
-          <a:lstStyle/>
-          <a:p>
-            <a:r>
-              <a:rPr lang="en-US" sz="900" b="1" dirty="0">
-                <a:latin typeface="Arial"/>
-                <a:cs typeface="Arial"/>
-              </a:rPr>
-              <a:t>15</a:t>
-            </a:r>
-          </a:p>
-        </p:txBody>
-      </p:sp>
-      <p:sp>
-        <p:nvSpPr>
-          <p:cNvPr id="46" name="Rectangle 45"/>
-          <p:cNvSpPr/>
-          <p:nvPr/>
-        </p:nvSpPr>
-        <p:spPr>
-          <a:xfrm rot="16200000">
-            <a:off x="2801552" y="2998964"/>
-            <a:ext cx="294060" cy="221341"/>
-          </a:xfrm>
-          <a:prstGeom prst="rect">
-            <a:avLst/>
-          </a:prstGeom>
-        </p:spPr>
-        <p:txBody>
-          <a:bodyPr wrap="none" lIns="82040" tIns="41020" rIns="82040" bIns="41020">
-            <a:spAutoFit/>
-          </a:bodyPr>
-          <a:lstStyle/>
-          <a:p>
-            <a:r>
-              <a:rPr lang="en-US" sz="900" b="1" dirty="0">
-                <a:latin typeface="Arial"/>
-                <a:cs typeface="Arial"/>
-              </a:rPr>
-              <a:t>30</a:t>
-            </a:r>
-          </a:p>
-        </p:txBody>
-      </p:sp>
-      <p:sp>
-        <p:nvSpPr>
-          <p:cNvPr id="47" name="Rectangle 46"/>
-          <p:cNvSpPr/>
-          <p:nvPr/>
-        </p:nvSpPr>
-        <p:spPr>
-          <a:xfrm rot="16200000">
-            <a:off x="2933691" y="2998964"/>
-            <a:ext cx="326127" cy="221341"/>
-          </a:xfrm>
-          <a:prstGeom prst="rect">
-            <a:avLst/>
-          </a:prstGeom>
-        </p:spPr>
-        <p:txBody>
-          <a:bodyPr wrap="none" lIns="82040" tIns="41020" rIns="82040" bIns="41020">
-            <a:spAutoFit/>
-          </a:bodyPr>
-          <a:lstStyle/>
-          <a:p>
-            <a:r>
-              <a:rPr lang="en-US" sz="900" b="1" dirty="0">
-                <a:latin typeface="Arial"/>
-                <a:cs typeface="Arial"/>
-              </a:rPr>
-              <a:t>7.5</a:t>
-            </a:r>
-          </a:p>
-        </p:txBody>
-      </p:sp>
-      <p:sp>
-        <p:nvSpPr>
-          <p:cNvPr id="48" name="Rectangle 47"/>
-          <p:cNvSpPr/>
-          <p:nvPr/>
-        </p:nvSpPr>
-        <p:spPr>
-          <a:xfrm rot="16200000">
-            <a:off x="3088007" y="2998964"/>
-            <a:ext cx="294060" cy="221341"/>
-          </a:xfrm>
-          <a:prstGeom prst="rect">
-            <a:avLst/>
-          </a:prstGeom>
-        </p:spPr>
-        <p:txBody>
-          <a:bodyPr wrap="none" lIns="82040" tIns="41020" rIns="82040" bIns="41020">
-            <a:spAutoFit/>
-          </a:bodyPr>
-          <a:lstStyle/>
-          <a:p>
-            <a:r>
-              <a:rPr lang="en-US" sz="900" b="1" dirty="0">
-                <a:latin typeface="Arial"/>
-                <a:cs typeface="Arial"/>
-              </a:rPr>
-              <a:t>10</a:t>
-            </a:r>
-          </a:p>
-        </p:txBody>
-      </p:sp>
-      <p:sp>
-        <p:nvSpPr>
-          <p:cNvPr id="49" name="Rectangle 48"/>
-          <p:cNvSpPr/>
-          <p:nvPr/>
-        </p:nvSpPr>
-        <p:spPr>
-          <a:xfrm rot="16200000">
-            <a:off x="3240130" y="2998964"/>
-            <a:ext cx="294060" cy="221341"/>
-          </a:xfrm>
-          <a:prstGeom prst="rect">
-            <a:avLst/>
-          </a:prstGeom>
-        </p:spPr>
-        <p:txBody>
-          <a:bodyPr wrap="none" lIns="82040" tIns="41020" rIns="82040" bIns="41020">
-            <a:spAutoFit/>
-          </a:bodyPr>
-          <a:lstStyle/>
-          <a:p>
-            <a:r>
-              <a:rPr lang="en-US" sz="900" b="1" dirty="0">
-                <a:latin typeface="Arial"/>
-                <a:cs typeface="Arial"/>
-              </a:rPr>
-              <a:t>15</a:t>
-            </a:r>
-          </a:p>
-        </p:txBody>
-      </p:sp>
-      <p:sp>
-        <p:nvSpPr>
-          <p:cNvPr id="50" name="Rectangle 49"/>
-          <p:cNvSpPr/>
-          <p:nvPr/>
-        </p:nvSpPr>
-        <p:spPr>
-          <a:xfrm rot="16200000">
-            <a:off x="3398179" y="2998964"/>
-            <a:ext cx="294060" cy="221341"/>
-          </a:xfrm>
-          <a:prstGeom prst="rect">
-            <a:avLst/>
-          </a:prstGeom>
-        </p:spPr>
-        <p:txBody>
-          <a:bodyPr wrap="none" lIns="82040" tIns="41020" rIns="82040" bIns="41020">
-            <a:spAutoFit/>
-          </a:bodyPr>
-          <a:lstStyle/>
-          <a:p>
-            <a:r>
-              <a:rPr lang="en-US" sz="900" b="1" dirty="0">
-                <a:latin typeface="Arial"/>
-                <a:cs typeface="Arial"/>
-              </a:rPr>
-              <a:t>30</a:t>
-            </a:r>
-          </a:p>
-        </p:txBody>
-      </p:sp>
-      <p:sp>
-        <p:nvSpPr>
-          <p:cNvPr id="51" name="Rectangle 50"/>
-          <p:cNvSpPr/>
-          <p:nvPr/>
-        </p:nvSpPr>
-        <p:spPr>
-          <a:xfrm rot="16200000">
-            <a:off x="3540185" y="2998964"/>
-            <a:ext cx="326127" cy="221341"/>
-          </a:xfrm>
-          <a:prstGeom prst="rect">
-            <a:avLst/>
-          </a:prstGeom>
-        </p:spPr>
-        <p:txBody>
-          <a:bodyPr wrap="none" lIns="82040" tIns="41020" rIns="82040" bIns="41020">
-            <a:spAutoFit/>
-          </a:bodyPr>
-          <a:lstStyle/>
-          <a:p>
-            <a:r>
-              <a:rPr lang="en-US" sz="900" b="1" dirty="0">
-                <a:latin typeface="Arial"/>
-                <a:cs typeface="Arial"/>
-              </a:rPr>
-              <a:t>7.5</a:t>
-            </a:r>
-          </a:p>
-        </p:txBody>
-      </p:sp>
-      <p:sp>
-        <p:nvSpPr>
-          <p:cNvPr id="52" name="Rectangle 51"/>
-          <p:cNvSpPr/>
-          <p:nvPr/>
-        </p:nvSpPr>
-        <p:spPr>
-          <a:xfrm rot="16200000">
-            <a:off x="3708326" y="2998964"/>
-            <a:ext cx="294060" cy="221341"/>
-          </a:xfrm>
-          <a:prstGeom prst="rect">
-            <a:avLst/>
-          </a:prstGeom>
-        </p:spPr>
-        <p:txBody>
-          <a:bodyPr wrap="none" lIns="82040" tIns="41020" rIns="82040" bIns="41020">
-            <a:spAutoFit/>
-          </a:bodyPr>
-          <a:lstStyle/>
-          <a:p>
-            <a:r>
-              <a:rPr lang="en-US" sz="900" b="1" dirty="0">
-                <a:latin typeface="Arial"/>
-                <a:cs typeface="Arial"/>
-              </a:rPr>
-              <a:t>10</a:t>
-            </a:r>
-          </a:p>
-        </p:txBody>
-      </p:sp>
-      <p:sp>
-        <p:nvSpPr>
-          <p:cNvPr id="53" name="Rectangle 52"/>
-          <p:cNvSpPr/>
-          <p:nvPr/>
-        </p:nvSpPr>
-        <p:spPr>
-          <a:xfrm rot="16200000">
-            <a:off x="3866376" y="2998964"/>
-            <a:ext cx="294060" cy="221341"/>
-          </a:xfrm>
-          <a:prstGeom prst="rect">
-            <a:avLst/>
-          </a:prstGeom>
-        </p:spPr>
-        <p:txBody>
-          <a:bodyPr wrap="none" lIns="82040" tIns="41020" rIns="82040" bIns="41020">
-            <a:spAutoFit/>
-          </a:bodyPr>
-          <a:lstStyle/>
-          <a:p>
-            <a:r>
-              <a:rPr lang="en-US" sz="900" b="1" dirty="0">
-                <a:latin typeface="Arial"/>
-                <a:cs typeface="Arial"/>
-              </a:rPr>
-              <a:t>15</a:t>
-            </a:r>
-          </a:p>
-        </p:txBody>
-      </p:sp>
-      <p:sp>
-        <p:nvSpPr>
-          <p:cNvPr id="54" name="Rectangle 53"/>
-          <p:cNvSpPr/>
-          <p:nvPr/>
-        </p:nvSpPr>
-        <p:spPr>
-          <a:xfrm rot="16200000">
-            <a:off x="4014537" y="2998964"/>
-            <a:ext cx="294060" cy="221341"/>
-          </a:xfrm>
-          <a:prstGeom prst="rect">
-            <a:avLst/>
-          </a:prstGeom>
-        </p:spPr>
-        <p:txBody>
-          <a:bodyPr wrap="none" lIns="82040" tIns="41020" rIns="82040" bIns="41020">
-            <a:spAutoFit/>
-          </a:bodyPr>
-          <a:lstStyle/>
-          <a:p>
-            <a:r>
-              <a:rPr lang="en-US" sz="900" b="1" dirty="0">
-                <a:latin typeface="Arial"/>
-                <a:cs typeface="Arial"/>
-              </a:rPr>
-              <a:t>30</a:t>
-            </a:r>
-          </a:p>
-        </p:txBody>
-      </p:sp>
-      <p:cxnSp>
-        <p:nvCxnSpPr>
-          <p:cNvPr id="55" name="Straight Connector 54"/>
-          <p:cNvCxnSpPr/>
-          <p:nvPr/>
-        </p:nvCxnSpPr>
-        <p:spPr>
-          <a:xfrm>
-            <a:off x="4296523" y="3001756"/>
-            <a:ext cx="535639" cy="1385"/>
-          </a:xfrm>
-          <a:prstGeom prst="line">
-            <a:avLst/>
-          </a:prstGeom>
-          <a:ln>
-            <a:solidFill>
-              <a:schemeClr val="tx1"/>
-            </a:solidFill>
-          </a:ln>
-          <a:effectLst/>
-        </p:spPr>
-        <p:style>
-          <a:lnRef idx="2">
-            <a:schemeClr val="accent1"/>
-          </a:lnRef>
-          <a:fillRef idx="0">
-            <a:schemeClr val="accent1"/>
-          </a:fillRef>
-          <a:effectRef idx="1">
-            <a:schemeClr val="accent1"/>
-          </a:effectRef>
-          <a:fontRef idx="minor">
-            <a:schemeClr val="tx1"/>
-          </a:fontRef>
-        </p:style>
-      </p:cxnSp>
-      <p:sp>
-        <p:nvSpPr>
-          <p:cNvPr id="56" name="Rectangle 55"/>
-          <p:cNvSpPr/>
-          <p:nvPr/>
-        </p:nvSpPr>
-        <p:spPr>
-          <a:xfrm rot="16200000">
-            <a:off x="4176298" y="2993429"/>
-            <a:ext cx="326127" cy="221341"/>
-          </a:xfrm>
-          <a:prstGeom prst="rect">
-            <a:avLst/>
-          </a:prstGeom>
-        </p:spPr>
-        <p:txBody>
-          <a:bodyPr wrap="none" lIns="82040" tIns="41020" rIns="82040" bIns="41020">
-            <a:spAutoFit/>
-          </a:bodyPr>
-          <a:lstStyle/>
-          <a:p>
-            <a:r>
-              <a:rPr lang="en-US" sz="900" b="1" dirty="0">
-                <a:latin typeface="Arial"/>
-                <a:cs typeface="Arial"/>
-              </a:rPr>
-              <a:t>7.5</a:t>
-            </a:r>
-          </a:p>
-        </p:txBody>
-      </p:sp>
-      <p:sp>
-        <p:nvSpPr>
-          <p:cNvPr id="57" name="Rectangle 56"/>
-          <p:cNvSpPr/>
-          <p:nvPr/>
-        </p:nvSpPr>
-        <p:spPr>
-          <a:xfrm rot="16200000">
-            <a:off x="4344439" y="2998964"/>
-            <a:ext cx="294060" cy="221341"/>
-          </a:xfrm>
-          <a:prstGeom prst="rect">
-            <a:avLst/>
-          </a:prstGeom>
-        </p:spPr>
-        <p:txBody>
-          <a:bodyPr wrap="none" lIns="82040" tIns="41020" rIns="82040" bIns="41020">
-            <a:spAutoFit/>
-          </a:bodyPr>
-          <a:lstStyle/>
-          <a:p>
-            <a:r>
-              <a:rPr lang="en-US" sz="900" b="1" dirty="0">
-                <a:latin typeface="Arial"/>
-                <a:cs typeface="Arial"/>
-              </a:rPr>
-              <a:t>10</a:t>
-            </a:r>
-          </a:p>
-        </p:txBody>
-      </p:sp>
-      <p:sp>
-        <p:nvSpPr>
-          <p:cNvPr id="58" name="Rectangle 57"/>
-          <p:cNvSpPr/>
-          <p:nvPr/>
-        </p:nvSpPr>
-        <p:spPr>
-          <a:xfrm rot="16200000">
-            <a:off x="4502489" y="2998964"/>
-            <a:ext cx="294060" cy="221341"/>
-          </a:xfrm>
-          <a:prstGeom prst="rect">
-            <a:avLst/>
-          </a:prstGeom>
-        </p:spPr>
-        <p:txBody>
-          <a:bodyPr wrap="none" lIns="82040" tIns="41020" rIns="82040" bIns="41020">
-            <a:spAutoFit/>
-          </a:bodyPr>
-          <a:lstStyle/>
-          <a:p>
-            <a:r>
-              <a:rPr lang="en-US" sz="900" b="1" dirty="0">
-                <a:latin typeface="Arial"/>
-                <a:cs typeface="Arial"/>
-              </a:rPr>
-              <a:t>15</a:t>
-            </a:r>
-          </a:p>
-        </p:txBody>
-      </p:sp>
-      <p:sp>
-        <p:nvSpPr>
-          <p:cNvPr id="59" name="Rectangle 58"/>
-          <p:cNvSpPr/>
-          <p:nvPr/>
-        </p:nvSpPr>
-        <p:spPr>
-          <a:xfrm rot="16200000">
-            <a:off x="4650650" y="2998964"/>
-            <a:ext cx="294060" cy="221341"/>
-          </a:xfrm>
-          <a:prstGeom prst="rect">
-            <a:avLst/>
-          </a:prstGeom>
-        </p:spPr>
-        <p:txBody>
-          <a:bodyPr wrap="none" lIns="82040" tIns="41020" rIns="82040" bIns="41020">
-            <a:spAutoFit/>
-          </a:bodyPr>
-          <a:lstStyle/>
-          <a:p>
-            <a:r>
-              <a:rPr lang="en-US" sz="900" b="1" dirty="0">
-                <a:latin typeface="Arial"/>
-                <a:cs typeface="Arial"/>
-              </a:rPr>
-              <a:t>30</a:t>
-            </a:r>
-          </a:p>
-        </p:txBody>
-      </p:sp>
-      <p:sp>
-        <p:nvSpPr>
-          <p:cNvPr id="60" name="Rectangle 59"/>
-          <p:cNvSpPr/>
-          <p:nvPr/>
-        </p:nvSpPr>
-        <p:spPr>
-          <a:xfrm>
-            <a:off x="275304" y="4377348"/>
-            <a:ext cx="6271491" cy="252118"/>
-          </a:xfrm>
-          <a:prstGeom prst="rect">
-            <a:avLst/>
-          </a:prstGeom>
-        </p:spPr>
-        <p:txBody>
-          <a:bodyPr wrap="square" lIns="82040" tIns="41020" rIns="82040" bIns="41020">
-            <a:spAutoFit/>
-          </a:bodyPr>
-          <a:lstStyle/>
-          <a:p>
-            <a:r>
-              <a:rPr lang="en-US" sz="1100" b="1" dirty="0">
-                <a:latin typeface="Arial"/>
-                <a:cs typeface="Arial"/>
-              </a:rPr>
-              <a:t>Figure S4. </a:t>
-            </a:r>
-            <a:r>
-              <a:rPr lang="en-US" sz="1100" dirty="0">
-                <a:latin typeface="Arial"/>
-                <a:cs typeface="Arial"/>
-              </a:rPr>
-              <a:t>The measurements of IKK activity (</a:t>
-            </a:r>
-            <a:r>
-              <a:rPr lang="en-US" sz="1100" i="1" dirty="0">
-                <a:latin typeface="Arial"/>
-                <a:cs typeface="Arial"/>
-              </a:rPr>
-              <a:t>left</a:t>
-            </a:r>
-            <a:r>
-              <a:rPr lang="en-US" sz="1100" dirty="0">
-                <a:latin typeface="Arial"/>
-                <a:cs typeface="Arial"/>
-              </a:rPr>
-              <a:t>) and quantification of the peak level (</a:t>
-            </a:r>
-            <a:r>
-              <a:rPr lang="en-US" sz="1100" i="1" dirty="0">
-                <a:latin typeface="Arial"/>
-                <a:cs typeface="Arial"/>
-              </a:rPr>
-              <a:t>right</a:t>
-            </a:r>
-            <a:r>
-              <a:rPr lang="en-US" sz="1100" dirty="0">
-                <a:latin typeface="Arial"/>
-                <a:cs typeface="Arial"/>
-              </a:rPr>
-              <a:t>).</a:t>
-            </a:r>
-          </a:p>
-        </p:txBody>
-      </p:sp>
-      <p:sp>
-        <p:nvSpPr>
-          <p:cNvPr id="61" name="Rectangle 60"/>
-          <p:cNvSpPr/>
-          <p:nvPr/>
-        </p:nvSpPr>
-        <p:spPr>
-          <a:xfrm>
-            <a:off x="5456061" y="8318604"/>
-            <a:ext cx="927009" cy="329062"/>
-          </a:xfrm>
-          <a:prstGeom prst="rect">
-            <a:avLst/>
-          </a:prstGeom>
-        </p:spPr>
-        <p:txBody>
-          <a:bodyPr wrap="none" lIns="82040" tIns="41020" rIns="82040" bIns="41020">
-            <a:spAutoFit/>
-          </a:bodyPr>
-          <a:lstStyle/>
-          <a:p>
-            <a:r>
-              <a:rPr lang="en-US" dirty="0">
-                <a:solidFill>
-                  <a:schemeClr val="bg1">
-                    <a:lumMod val="50000"/>
-                  </a:schemeClr>
-                </a:solidFill>
-              </a:rPr>
-              <a:t>Figure </a:t>
-            </a:r>
-            <a:r>
-              <a:rPr lang="en-US" dirty="0" smtClean="0">
-                <a:solidFill>
-                  <a:schemeClr val="bg1">
-                    <a:lumMod val="50000"/>
-                  </a:schemeClr>
-                </a:solidFill>
-              </a:rPr>
-              <a:t>S4</a:t>
-            </a:r>
-            <a:endParaRPr lang="en-US" dirty="0">
-              <a:solidFill>
-                <a:schemeClr val="bg1">
-                  <a:lumMod val="50000"/>
-                </a:schemeClr>
-              </a:solidFill>
-            </a:endParaRPr>
-          </a:p>
-        </p:txBody>
-      </p:sp>
-    </p:spTree>
-    <p:extLst>
-      <p:ext uri="{BB962C8B-B14F-4D97-AF65-F5344CB8AC3E}">
-        <p14:creationId xmlns:p14="http://schemas.microsoft.com/office/powerpoint/2010/main" val="4158610182"/>
-      </p:ext>
-    </p:extLst>
-  </p:cSld>
-  <p:clrMapOvr>
-    <a:masterClrMapping/>
-  </p:clrMapOvr>
 </p:sld>
 </file>
 
